--- a/slides/python_biopython_SeqAnnotation_Object_reduced.pptx
+++ b/slides/python_biopython_SeqAnnotation_Object_reduced.pptx
@@ -240,6 +240,20 @@
         </p14:section>
       </p14:sectionLst>
     </p:ext>
+    <p:ext uri="{EFAFB233-063F-42B5-8137-9DF3F51BA10A}">
+      <p15:sldGuideLst xmlns:p15="http://schemas.microsoft.com/office/powerpoint/2012/main">
+        <p15:guide id="1" orient="horz" pos="2160">
+          <p15:clr>
+            <a:srgbClr val="A4A3A4"/>
+          </p15:clr>
+        </p15:guide>
+        <p15:guide id="2" pos="2880">
+          <p15:clr>
+            <a:srgbClr val="A4A3A4"/>
+          </p15:clr>
+        </p15:guide>
+      </p15:sldGuideLst>
+    </p:ext>
   </p:extLst>
 </p:presentation>
 </file>
@@ -326,7 +340,7 @@
           <a:p>
             <a:fld id="{5EB47243-285B-2741-8C7D-C88258D9CCFA}" type="datetimeFigureOut">
               <a:rPr lang="fr-FR" smtClean="0"/>
-              <a:t>16/11/16</a:t>
+              <a:t>08/11/2018</a:t>
             </a:fld>
             <a:endParaRPr lang="fr-FR"/>
           </a:p>
@@ -392,7 +406,7 @@
           <a:p>
             <a:fld id="{C5CA9166-BC48-2C47-B9BF-6F57720E77B8}" type="slidenum">
               <a:rPr lang="fr-FR" smtClean="0"/>
-              <a:t>‹#›</a:t>
+              <a:t>‹N°›</a:t>
             </a:fld>
             <a:endParaRPr lang="fr-FR"/>
           </a:p>
@@ -492,7 +506,7 @@
           <a:p>
             <a:fld id="{7D088D39-B4EA-D24B-B9C3-6A64886EABE2}" type="datetimeFigureOut">
               <a:rPr lang="fr-FR" smtClean="0"/>
-              <a:t>16/11/16</a:t>
+              <a:t>08/11/2018</a:t>
             </a:fld>
             <a:endParaRPr lang="fr-FR"/>
           </a:p>
@@ -556,38 +570,37 @@
           <a:p>
             <a:pPr lvl="0"/>
             <a:r>
-              <a:rPr lang="fr-FR" smtClean="0"/>
+              <a:rPr lang="fr-FR"/>
               <a:t>Cliquez pour modifier les styles du texte du masque</a:t>
             </a:r>
           </a:p>
           <a:p>
             <a:pPr lvl="1"/>
             <a:r>
-              <a:rPr lang="fr-FR" smtClean="0"/>
+              <a:rPr lang="fr-FR"/>
               <a:t>Deuxième niveau</a:t>
             </a:r>
           </a:p>
           <a:p>
             <a:pPr lvl="2"/>
             <a:r>
-              <a:rPr lang="fr-FR" smtClean="0"/>
+              <a:rPr lang="fr-FR"/>
               <a:t>Troisième niveau</a:t>
             </a:r>
           </a:p>
           <a:p>
             <a:pPr lvl="3"/>
             <a:r>
-              <a:rPr lang="fr-FR" smtClean="0"/>
+              <a:rPr lang="fr-FR"/>
               <a:t>Quatrième niveau</a:t>
             </a:r>
           </a:p>
           <a:p>
             <a:pPr lvl="4"/>
             <a:r>
-              <a:rPr lang="fr-FR" smtClean="0"/>
+              <a:rPr lang="fr-FR"/>
               <a:t>Cinquième niveau</a:t>
             </a:r>
-            <a:endParaRPr lang="fr-FR"/>
           </a:p>
         </p:txBody>
       </p:sp>
@@ -651,7 +664,7 @@
           <a:p>
             <a:fld id="{1C0E2CBA-6097-B848-A7DA-4D7BD6EB303B}" type="slidenum">
               <a:rPr lang="fr-FR" smtClean="0"/>
-              <a:t>‹#›</a:t>
+              <a:t>‹N°›</a:t>
             </a:fld>
             <a:endParaRPr lang="fr-FR"/>
           </a:p>
@@ -806,26 +819,26 @@
           <a:lstStyle/>
           <a:p>
             <a:r>
-              <a:rPr lang="fr-FR" dirty="0" smtClean="0"/>
+              <a:rPr lang="fr-FR" dirty="0"/>
               <a:t>Cpte élève:</a:t>
             </a:r>
             <a:r>
-              <a:rPr lang="fr-FR" baseline="0" dirty="0" smtClean="0"/>
+              <a:rPr lang="fr-FR" baseline="0" dirty="0"/>
               <a:t> </a:t>
             </a:r>
             <a:r>
-              <a:rPr lang="fr-FR" baseline="0" dirty="0" err="1" smtClean="0"/>
+              <a:rPr lang="fr-FR" baseline="0" dirty="0" err="1"/>
               <a:t>padawan</a:t>
             </a:r>
-            <a:endParaRPr lang="fr-FR" dirty="0" smtClean="0"/>
-          </a:p>
-          <a:p>
-            <a:r>
-              <a:rPr lang="fr-FR" dirty="0" smtClean="0"/>
+            <a:endParaRPr lang="fr-FR" dirty="0"/>
+          </a:p>
+          <a:p>
+            <a:r>
+              <a:rPr lang="fr-FR" dirty="0"/>
               <a:t>Mot de passe:</a:t>
             </a:r>
             <a:r>
-              <a:rPr lang="fr-FR" baseline="0" dirty="0" smtClean="0"/>
+              <a:rPr lang="fr-FR" baseline="0" dirty="0"/>
               <a:t> trust</a:t>
             </a:r>
             <a:endParaRPr lang="fr-FR" dirty="0"/>
@@ -913,7 +926,7 @@
           <a:lstStyle/>
           <a:p>
             <a:r>
-              <a:rPr lang="en-US" sz="1200" kern="1200" dirty="0" smtClean="0">
+              <a:rPr lang="en-US" sz="1200" kern="1200" dirty="0">
                 <a:solidFill>
                   <a:schemeClr val="tx1"/>
                 </a:solidFill>
@@ -925,7 +938,7 @@
               <a:t>The</a:t>
             </a:r>
             <a:r>
-              <a:rPr lang="en-US" sz="1200" kern="1200" baseline="0" dirty="0" smtClean="0">
+              <a:rPr lang="en-US" sz="1200" kern="1200" baseline="0" dirty="0">
                 <a:solidFill>
                   <a:schemeClr val="tx1"/>
                 </a:solidFill>
@@ -937,7 +950,7 @@
               <a:t> </a:t>
             </a:r>
             <a:r>
-              <a:rPr lang="en-US" sz="1200" kern="1200" dirty="0" smtClean="0">
+              <a:rPr lang="en-US" sz="1200" kern="1200" dirty="0">
                 <a:solidFill>
                   <a:schemeClr val="tx1"/>
                 </a:solidFill>
@@ -949,7 +962,7 @@
               <a:t>format()</a:t>
             </a:r>
             <a:r>
-              <a:rPr lang="en-US" sz="1200" kern="1200" baseline="0" dirty="0" smtClean="0">
+              <a:rPr lang="en-US" sz="1200" kern="1200" baseline="0" dirty="0">
                 <a:solidFill>
                   <a:schemeClr val="tx1"/>
                 </a:solidFill>
@@ -961,7 +974,7 @@
               <a:t> </a:t>
             </a:r>
             <a:r>
-              <a:rPr lang="en-US" sz="1200" kern="1200" dirty="0" smtClean="0">
+              <a:rPr lang="en-US" sz="1200" kern="1200" dirty="0">
                 <a:solidFill>
                   <a:schemeClr val="tx1"/>
                 </a:solidFill>
@@ -973,7 +986,7 @@
               <a:t>method of the</a:t>
             </a:r>
             <a:r>
-              <a:rPr lang="en-US" sz="1200" kern="1200" baseline="0" dirty="0" smtClean="0">
+              <a:rPr lang="en-US" sz="1200" kern="1200" baseline="0" dirty="0">
                 <a:solidFill>
                   <a:schemeClr val="tx1"/>
                 </a:solidFill>
@@ -985,7 +998,7 @@
               <a:t> </a:t>
             </a:r>
             <a:r>
-              <a:rPr lang="en-US" sz="1200" kern="1200" dirty="0" err="1" smtClean="0">
+              <a:rPr lang="en-US" sz="1200" kern="1200" dirty="0" err="1">
                 <a:solidFill>
                   <a:schemeClr val="tx1"/>
                 </a:solidFill>
@@ -997,7 +1010,7 @@
               <a:t>SeqRecord</a:t>
             </a:r>
             <a:r>
-              <a:rPr lang="en-US" sz="1200" kern="1200" baseline="0" dirty="0" smtClean="0">
+              <a:rPr lang="en-US" sz="1200" kern="1200" baseline="0" dirty="0">
                 <a:solidFill>
                   <a:schemeClr val="tx1"/>
                 </a:solidFill>
@@ -1009,7 +1022,7 @@
               <a:t> </a:t>
             </a:r>
             <a:r>
-              <a:rPr lang="en-US" sz="1200" kern="1200" dirty="0" smtClean="0">
+              <a:rPr lang="en-US" sz="1200" kern="1200" dirty="0">
                 <a:solidFill>
                   <a:schemeClr val="tx1"/>
                 </a:solidFill>
@@ -1021,7 +1034,7 @@
               <a:t>class gives a string containing your record formatted using one of</a:t>
             </a:r>
             <a:r>
-              <a:rPr lang="en-US" sz="1200" kern="1200" baseline="0" dirty="0" smtClean="0">
+              <a:rPr lang="en-US" sz="1200" kern="1200" baseline="0" dirty="0">
                 <a:solidFill>
                   <a:schemeClr val="tx1"/>
                 </a:solidFill>
@@ -1033,7 +1046,7 @@
               <a:t> </a:t>
             </a:r>
             <a:r>
-              <a:rPr lang="en-US" sz="1200" kern="1200" dirty="0" smtClean="0">
+              <a:rPr lang="en-US" sz="1200" kern="1200" dirty="0">
                 <a:solidFill>
                   <a:schemeClr val="tx1"/>
                 </a:solidFill>
@@ -1045,7 +1058,7 @@
               <a:t>the output le formats supported by</a:t>
             </a:r>
             <a:r>
-              <a:rPr lang="en-US" sz="1200" kern="1200" baseline="0" dirty="0" smtClean="0">
+              <a:rPr lang="en-US" sz="1200" kern="1200" baseline="0" dirty="0">
                 <a:solidFill>
                   <a:schemeClr val="tx1"/>
                 </a:solidFill>
@@ -1057,7 +1070,7 @@
               <a:t> </a:t>
             </a:r>
             <a:r>
-              <a:rPr lang="en-US" sz="1200" kern="1200" dirty="0" err="1" smtClean="0">
+              <a:rPr lang="en-US" sz="1200" kern="1200" dirty="0" err="1">
                 <a:solidFill>
                   <a:schemeClr val="tx1"/>
                 </a:solidFill>
@@ -1069,7 +1082,7 @@
               <a:t>Bio.SeqIO</a:t>
             </a:r>
             <a:r>
-              <a:rPr lang="en-US" sz="1200" kern="1200" dirty="0" smtClean="0">
+              <a:rPr lang="en-US" sz="1200" kern="1200" dirty="0">
                 <a:solidFill>
                   <a:schemeClr val="tx1"/>
                 </a:solidFill>
@@ -1167,7 +1180,7 @@
           <a:lstStyle/>
           <a:p>
             <a:r>
-              <a:rPr lang="en-US" sz="1200" kern="1200" dirty="0" smtClean="0">
+              <a:rPr lang="en-US" sz="1200" kern="1200" dirty="0">
                 <a:solidFill>
                   <a:schemeClr val="tx1"/>
                 </a:solidFill>
@@ -1179,7 +1192,7 @@
               <a:t>any features which fall completely</a:t>
             </a:r>
             <a:r>
-              <a:rPr lang="en-US" sz="1200" kern="1200" baseline="0" dirty="0" smtClean="0">
+              <a:rPr lang="en-US" sz="1200" kern="1200" baseline="0" dirty="0">
                 <a:solidFill>
                   <a:schemeClr val="tx1"/>
                 </a:solidFill>
@@ -1191,7 +1204,7 @@
               <a:t> </a:t>
             </a:r>
             <a:r>
-              <a:rPr lang="en-US" sz="1200" kern="1200" dirty="0" smtClean="0">
+              <a:rPr lang="en-US" sz="1200" kern="1200" dirty="0">
                 <a:solidFill>
                   <a:schemeClr val="tx1"/>
                 </a:solidFill>
@@ -1202,15 +1215,6 @@
               </a:rPr>
               <a:t>within the new sequence are preserved (with their locations adjusted).</a:t>
             </a:r>
-            <a:endParaRPr lang="en-US" sz="1200" kern="1200" dirty="0">
-              <a:solidFill>
-                <a:schemeClr val="tx1"/>
-              </a:solidFill>
-              <a:effectLst/>
-              <a:latin typeface="+mn-lt"/>
-              <a:ea typeface="+mn-ea"/>
-              <a:cs typeface="+mn-cs"/>
-            </a:endParaRPr>
           </a:p>
         </p:txBody>
       </p:sp>
@@ -1295,7 +1299,7 @@
           <a:lstStyle/>
           <a:p>
             <a:r>
-              <a:rPr lang="en-US" sz="1200" kern="1200" dirty="0" smtClean="0">
+              <a:rPr lang="en-US" sz="1200" kern="1200" dirty="0">
                 <a:solidFill>
                   <a:schemeClr val="tx1"/>
                 </a:solidFill>
@@ -1307,7 +1311,7 @@
               <a:t>Our sub-record just has two features, the gene and CDS entries for</a:t>
             </a:r>
             <a:r>
-              <a:rPr lang="en-US" sz="1200" kern="1200" baseline="0" dirty="0" smtClean="0">
+              <a:rPr lang="en-US" sz="1200" kern="1200" baseline="0" dirty="0">
                 <a:solidFill>
                   <a:schemeClr val="tx1"/>
                 </a:solidFill>
@@ -1319,7 +1323,7 @@
               <a:t> </a:t>
             </a:r>
             <a:r>
-              <a:rPr lang="en-US" sz="1200" kern="1200" dirty="0" smtClean="0">
+              <a:rPr lang="en-US" sz="1200" kern="1200" dirty="0">
                 <a:solidFill>
                   <a:schemeClr val="tx1"/>
                 </a:solidFill>
@@ -1417,7 +1421,7 @@
           <a:lstStyle/>
           <a:p>
             <a:r>
-              <a:rPr lang="it-IT" sz="1200" kern="1200" dirty="0" smtClean="0">
+              <a:rPr lang="it-IT" sz="1200" kern="1200" dirty="0">
                 <a:solidFill>
                   <a:schemeClr val="tx1"/>
                 </a:solidFill>
@@ -1429,7 +1433,7 @@
               <a:t>&gt;&gt;&gt; </a:t>
             </a:r>
             <a:r>
-              <a:rPr lang="it-IT" sz="1200" kern="1200" dirty="0" err="1" smtClean="0">
+              <a:rPr lang="it-IT" sz="1200" kern="1200" dirty="0" err="1">
                 <a:solidFill>
                   <a:schemeClr val="tx1"/>
                 </a:solidFill>
@@ -1440,7 +1444,7 @@
               </a:rPr>
               <a:t>sub_record.id</a:t>
             </a:r>
-            <a:endParaRPr lang="it-IT" sz="1200" kern="1200" dirty="0" smtClean="0">
+            <a:endParaRPr lang="it-IT" sz="1200" kern="1200" dirty="0">
               <a:solidFill>
                 <a:schemeClr val="tx1"/>
               </a:solidFill>
@@ -1452,7 +1456,7 @@
           </a:p>
           <a:p>
             <a:r>
-              <a:rPr lang="it-IT" sz="1200" kern="1200" dirty="0" smtClean="0">
+              <a:rPr lang="it-IT" sz="1200" kern="1200" dirty="0">
                 <a:solidFill>
                   <a:schemeClr val="tx1"/>
                 </a:solidFill>
@@ -1466,7 +1470,7 @@
           </a:p>
           <a:p>
             <a:r>
-              <a:rPr lang="it-IT" sz="1200" kern="1200" dirty="0" smtClean="0">
+              <a:rPr lang="it-IT" sz="1200" kern="1200" dirty="0">
                 <a:solidFill>
                   <a:schemeClr val="tx1"/>
                 </a:solidFill>
@@ -1478,7 +1482,7 @@
               <a:t>&gt;&gt;&gt; </a:t>
             </a:r>
             <a:r>
-              <a:rPr lang="it-IT" sz="1200" kern="1200" dirty="0" err="1" smtClean="0">
+              <a:rPr lang="it-IT" sz="1200" kern="1200" dirty="0" err="1">
                 <a:solidFill>
                   <a:schemeClr val="tx1"/>
                 </a:solidFill>
@@ -1489,7 +1493,7 @@
               </a:rPr>
               <a:t>sub_record.name</a:t>
             </a:r>
-            <a:endParaRPr lang="it-IT" sz="1200" kern="1200" dirty="0" smtClean="0">
+            <a:endParaRPr lang="it-IT" sz="1200" kern="1200" dirty="0">
               <a:solidFill>
                 <a:schemeClr val="tx1"/>
               </a:solidFill>
@@ -1501,7 +1505,7 @@
           </a:p>
           <a:p>
             <a:r>
-              <a:rPr lang="it-IT" sz="1200" kern="1200" dirty="0" smtClean="0">
+              <a:rPr lang="it-IT" sz="1200" kern="1200" dirty="0">
                 <a:solidFill>
                   <a:schemeClr val="tx1"/>
                 </a:solidFill>
@@ -1515,7 +1519,7 @@
           </a:p>
           <a:p>
             <a:r>
-              <a:rPr lang="it-IT" sz="1200" kern="1200" dirty="0" smtClean="0">
+              <a:rPr lang="it-IT" sz="1200" kern="1200" dirty="0">
                 <a:solidFill>
                   <a:schemeClr val="tx1"/>
                 </a:solidFill>
@@ -1527,7 +1531,7 @@
               <a:t>&gt;&gt;&gt; </a:t>
             </a:r>
             <a:r>
-              <a:rPr lang="it-IT" sz="1200" kern="1200" dirty="0" err="1" smtClean="0">
+              <a:rPr lang="it-IT" sz="1200" kern="1200" dirty="0" err="1">
                 <a:solidFill>
                   <a:schemeClr val="tx1"/>
                 </a:solidFill>
@@ -1538,7 +1542,7 @@
               </a:rPr>
               <a:t>sub_record.description</a:t>
             </a:r>
-            <a:endParaRPr lang="it-IT" sz="1200" kern="1200" dirty="0" smtClean="0">
+            <a:endParaRPr lang="it-IT" sz="1200" kern="1200" dirty="0">
               <a:solidFill>
                 <a:schemeClr val="tx1"/>
               </a:solidFill>
@@ -1550,7 +1554,7 @@
           </a:p>
           <a:p>
             <a:r>
-              <a:rPr lang="it-IT" sz="1200" kern="1200" dirty="0" smtClean="0">
+              <a:rPr lang="it-IT" sz="1200" kern="1200" dirty="0">
                 <a:solidFill>
                   <a:schemeClr val="tx1"/>
                 </a:solidFill>
@@ -1562,7 +1566,7 @@
               <a:t>'</a:t>
             </a:r>
             <a:r>
-              <a:rPr lang="it-IT" sz="1200" kern="1200" dirty="0" err="1" smtClean="0">
+              <a:rPr lang="it-IT" sz="1200" kern="1200" dirty="0" err="1">
                 <a:solidFill>
                   <a:schemeClr val="tx1"/>
                 </a:solidFill>
@@ -1574,7 +1578,7 @@
               <a:t>Yersinia</a:t>
             </a:r>
             <a:r>
-              <a:rPr lang="it-IT" sz="1200" kern="1200" dirty="0" smtClean="0">
+              <a:rPr lang="it-IT" sz="1200" kern="1200" dirty="0">
                 <a:solidFill>
                   <a:schemeClr val="tx1"/>
                 </a:solidFill>
@@ -1586,7 +1590,7 @@
               <a:t> </a:t>
             </a:r>
             <a:r>
-              <a:rPr lang="it-IT" sz="1200" kern="1200" dirty="0" err="1" smtClean="0">
+              <a:rPr lang="it-IT" sz="1200" kern="1200" dirty="0" err="1">
                 <a:solidFill>
                   <a:schemeClr val="tx1"/>
                 </a:solidFill>
@@ -1598,7 +1602,7 @@
               <a:t>pestis</a:t>
             </a:r>
             <a:r>
-              <a:rPr lang="it-IT" sz="1200" kern="1200" dirty="0" smtClean="0">
+              <a:rPr lang="it-IT" sz="1200" kern="1200" dirty="0">
                 <a:solidFill>
                   <a:schemeClr val="tx1"/>
                 </a:solidFill>
@@ -1610,7 +1614,7 @@
               <a:t> </a:t>
             </a:r>
             <a:r>
-              <a:rPr lang="it-IT" sz="1200" kern="1200" dirty="0" err="1" smtClean="0">
+              <a:rPr lang="it-IT" sz="1200" kern="1200" dirty="0" err="1">
                 <a:solidFill>
                   <a:schemeClr val="tx1"/>
                 </a:solidFill>
@@ -1622,7 +1626,7 @@
               <a:t>biovar</a:t>
             </a:r>
             <a:r>
-              <a:rPr lang="it-IT" sz="1200" kern="1200" dirty="0" smtClean="0">
+              <a:rPr lang="it-IT" sz="1200" kern="1200" dirty="0">
                 <a:solidFill>
                   <a:schemeClr val="tx1"/>
                 </a:solidFill>
@@ -1634,7 +1638,7 @@
               <a:t> </a:t>
             </a:r>
             <a:r>
-              <a:rPr lang="it-IT" sz="1200" kern="1200" dirty="0" err="1" smtClean="0">
+              <a:rPr lang="it-IT" sz="1200" kern="1200" dirty="0" err="1">
                 <a:solidFill>
                   <a:schemeClr val="tx1"/>
                 </a:solidFill>
@@ -1646,7 +1650,7 @@
               <a:t>Microtus</a:t>
             </a:r>
             <a:r>
-              <a:rPr lang="it-IT" sz="1200" kern="1200" dirty="0" smtClean="0">
+              <a:rPr lang="it-IT" sz="1200" kern="1200" dirty="0">
                 <a:solidFill>
                   <a:schemeClr val="tx1"/>
                 </a:solidFill>
@@ -1658,7 +1662,7 @@
               <a:t> </a:t>
             </a:r>
             <a:r>
-              <a:rPr lang="it-IT" sz="1200" kern="1200" dirty="0" err="1" smtClean="0">
+              <a:rPr lang="it-IT" sz="1200" kern="1200" dirty="0" err="1">
                 <a:solidFill>
                   <a:schemeClr val="tx1"/>
                 </a:solidFill>
@@ -1670,7 +1674,7 @@
               <a:t>str</a:t>
             </a:r>
             <a:r>
-              <a:rPr lang="it-IT" sz="1200" kern="1200" dirty="0" smtClean="0">
+              <a:rPr lang="it-IT" sz="1200" kern="1200" dirty="0">
                 <a:solidFill>
                   <a:schemeClr val="tx1"/>
                 </a:solidFill>
@@ -1682,7 +1686,7 @@
               <a:t>. 91001 </a:t>
             </a:r>
             <a:r>
-              <a:rPr lang="it-IT" sz="1200" kern="1200" dirty="0" err="1" smtClean="0">
+              <a:rPr lang="it-IT" sz="1200" kern="1200" dirty="0" err="1">
                 <a:solidFill>
                   <a:schemeClr val="tx1"/>
                 </a:solidFill>
@@ -1694,7 +1698,7 @@
               <a:t>plasmid</a:t>
             </a:r>
             <a:r>
-              <a:rPr lang="it-IT" sz="1200" kern="1200" dirty="0" smtClean="0">
+              <a:rPr lang="it-IT" sz="1200" kern="1200" dirty="0">
                 <a:solidFill>
                   <a:schemeClr val="tx1"/>
                 </a:solidFill>
@@ -1706,7 +1710,7 @@
               <a:t> pPCP1, complete </a:t>
             </a:r>
             <a:r>
-              <a:rPr lang="it-IT" sz="1200" kern="1200" dirty="0" err="1" smtClean="0">
+              <a:rPr lang="it-IT" sz="1200" kern="1200" dirty="0" err="1">
                 <a:solidFill>
                   <a:schemeClr val="tx1"/>
                 </a:solidFill>
@@ -1718,7 +1722,7 @@
               <a:t>sequence</a:t>
             </a:r>
             <a:r>
-              <a:rPr lang="it-IT" sz="1200" kern="1200" dirty="0" smtClean="0">
+              <a:rPr lang="it-IT" sz="1200" kern="1200" dirty="0">
                 <a:solidFill>
                   <a:schemeClr val="tx1"/>
                 </a:solidFill>
@@ -1816,7 +1820,7 @@
           <a:lstStyle/>
           <a:p>
             <a:r>
-              <a:rPr lang="en-US" dirty="0" smtClean="0"/>
+              <a:rPr lang="en-US" dirty="0"/>
               <a:t>Suppose this was Roche 454 da</a:t>
             </a:r>
             <a:endParaRPr lang="fr-FR" dirty="0"/>
@@ -1921,13 +1925,13 @@
               <a:defRPr/>
             </a:pPr>
             <a:r>
-              <a:rPr lang="mr-IN" sz="1200" dirty="0" smtClean="0">
+              <a:rPr lang="mr-IN" sz="1200" dirty="0">
                 <a:latin typeface="Arial"/>
                 <a:cs typeface="Arial"/>
               </a:rPr>
               <a:t>&gt;&gt;&gt; edited = record[:20] + record[21:]</a:t>
             </a:r>
-            <a:endParaRPr lang="en-US" sz="1200" dirty="0" smtClean="0">
+            <a:endParaRPr lang="en-US" sz="1200" dirty="0">
               <a:latin typeface="Arial"/>
               <a:cs typeface="Arial"/>
             </a:endParaRPr>
@@ -2119,7 +2123,7 @@
               <a:defRPr/>
             </a:pPr>
             <a:r>
-              <a:rPr lang="en-US" sz="1200" kern="1200" dirty="0" smtClean="0">
+              <a:rPr lang="en-US" sz="1200" kern="1200" dirty="0">
                 <a:solidFill>
                   <a:schemeClr val="tx1"/>
                 </a:solidFill>
@@ -2131,7 +2135,7 @@
               <a:t>&gt;&gt;&gt; </a:t>
             </a:r>
             <a:r>
-              <a:rPr lang="en-US" sz="1200" kern="1200" dirty="0" err="1" smtClean="0">
+              <a:rPr lang="en-US" sz="1200" kern="1200" dirty="0" err="1">
                 <a:solidFill>
                   <a:schemeClr val="tx1"/>
                 </a:solidFill>
@@ -2143,7 +2147,7 @@
               <a:t>record.dbxrefs</a:t>
             </a:r>
             <a:r>
-              <a:rPr lang="en-US" sz="1200" kern="1200" dirty="0" smtClean="0">
+              <a:rPr lang="en-US" sz="1200" kern="1200" dirty="0">
                 <a:solidFill>
                   <a:schemeClr val="tx1"/>
                 </a:solidFill>
@@ -2155,7 +2159,7 @@
               <a:t> [] &gt;&gt;&gt; </a:t>
             </a:r>
             <a:r>
-              <a:rPr lang="en-US" sz="1200" kern="1200" dirty="0" err="1" smtClean="0">
+              <a:rPr lang="en-US" sz="1200" kern="1200" dirty="0" err="1">
                 <a:solidFill>
                   <a:schemeClr val="tx1"/>
                 </a:solidFill>
@@ -2167,7 +2171,7 @@
               <a:t>record.annotations</a:t>
             </a:r>
             <a:r>
-              <a:rPr lang="en-US" sz="1200" kern="1200" dirty="0" smtClean="0">
+              <a:rPr lang="en-US" sz="1200" kern="1200" dirty="0">
                 <a:solidFill>
                   <a:schemeClr val="tx1"/>
                 </a:solidFill>
@@ -2179,7 +2183,7 @@
               <a:t> {} &gt;&gt;&gt; </a:t>
             </a:r>
             <a:r>
-              <a:rPr lang="en-US" sz="1200" kern="1200" dirty="0" err="1" smtClean="0">
+              <a:rPr lang="en-US" sz="1200" kern="1200" dirty="0" err="1">
                 <a:solidFill>
                   <a:schemeClr val="tx1"/>
                 </a:solidFill>
@@ -2191,7 +2195,7 @@
               <a:t>record.letter_annotations</a:t>
             </a:r>
             <a:r>
-              <a:rPr lang="en-US" sz="1200" kern="1200" dirty="0" smtClean="0">
+              <a:rPr lang="en-US" sz="1200" kern="1200" dirty="0">
                 <a:solidFill>
                   <a:schemeClr val="tx1"/>
                 </a:solidFill>
@@ -2203,7 +2207,7 @@
               <a:t> {} &gt;&gt;&gt; </a:t>
             </a:r>
             <a:r>
-              <a:rPr lang="en-US" sz="1200" kern="1200" dirty="0" err="1" smtClean="0">
+              <a:rPr lang="en-US" sz="1200" kern="1200" dirty="0" err="1">
                 <a:solidFill>
                   <a:schemeClr val="tx1"/>
                 </a:solidFill>
@@ -2215,7 +2219,7 @@
               <a:t>record.features</a:t>
             </a:r>
             <a:r>
-              <a:rPr lang="en-US" sz="1200" kern="1200" dirty="0" smtClean="0">
+              <a:rPr lang="en-US" sz="1200" kern="1200" dirty="0">
                 <a:solidFill>
                   <a:schemeClr val="tx1"/>
                 </a:solidFill>
@@ -2226,7 +2230,7 @@
               </a:rPr>
               <a:t> [] </a:t>
             </a:r>
-            <a:endParaRPr lang="en-US" dirty="0" smtClean="0"/>
+            <a:endParaRPr lang="en-US" dirty="0"/>
           </a:p>
           <a:p>
             <a:endParaRPr lang="fr-FR" dirty="0"/>
@@ -2314,7 +2318,7 @@
           <a:lstStyle/>
           <a:p>
             <a:r>
-              <a:rPr lang="en-US" sz="1200" kern="1200" dirty="0" smtClean="0">
+              <a:rPr lang="en-US" sz="1200" kern="1200" dirty="0">
                 <a:solidFill>
                   <a:schemeClr val="tx1"/>
                 </a:solidFill>
@@ -2326,7 +2330,7 @@
               <a:t>automatically assign a more </a:t>
             </a:r>
             <a:r>
-              <a:rPr lang="en-US" sz="1200" kern="1200" dirty="0" err="1" smtClean="0">
+              <a:rPr lang="en-US" sz="1200" kern="1200" dirty="0" err="1">
                 <a:solidFill>
                   <a:schemeClr val="tx1"/>
                 </a:solidFill>
@@ -2338,7 +2342,7 @@
               <a:t>specfic</a:t>
             </a:r>
             <a:r>
-              <a:rPr lang="en-US" sz="1200" kern="1200" baseline="0" dirty="0" smtClean="0">
+              <a:rPr lang="en-US" sz="1200" kern="1200" baseline="0" dirty="0">
                 <a:solidFill>
                   <a:schemeClr val="tx1"/>
                 </a:solidFill>
@@ -2350,7 +2354,7 @@
               <a:t> </a:t>
             </a:r>
             <a:r>
-              <a:rPr lang="en-US" sz="1200" kern="1200" dirty="0" smtClean="0">
+              <a:rPr lang="en-US" sz="1200" kern="1200" dirty="0">
                 <a:solidFill>
                   <a:schemeClr val="tx1"/>
                 </a:solidFill>
@@ -2448,7 +2452,7 @@
           <a:lstStyle/>
           <a:p>
             <a:r>
-              <a:rPr lang="en-US" sz="1200" kern="1200" dirty="0" smtClean="0">
+              <a:rPr lang="en-US" sz="1200" kern="1200" dirty="0">
                 <a:solidFill>
                   <a:schemeClr val="tx1"/>
                 </a:solidFill>
@@ -2460,7 +2464,7 @@
               <a:t>&gt;&gt;&gt; </a:t>
             </a:r>
             <a:r>
-              <a:rPr lang="en-US" sz="1200" kern="1200" dirty="0" err="1" smtClean="0">
+              <a:rPr lang="en-US" sz="1200" kern="1200" dirty="0" err="1">
                 <a:solidFill>
                   <a:schemeClr val="tx1"/>
                 </a:solidFill>
@@ -2471,7 +2475,7 @@
               </a:rPr>
               <a:t>my_location.start</a:t>
             </a:r>
-            <a:endParaRPr lang="en-US" sz="1200" kern="1200" dirty="0" smtClean="0">
+            <a:endParaRPr lang="en-US" sz="1200" kern="1200" dirty="0">
               <a:solidFill>
                 <a:schemeClr val="tx1"/>
               </a:solidFill>
@@ -2483,7 +2487,7 @@
           </a:p>
           <a:p>
             <a:r>
-              <a:rPr lang="en-US" sz="1200" kern="1200" dirty="0" err="1" smtClean="0">
+              <a:rPr lang="en-US" sz="1200" kern="1200" dirty="0" err="1">
                 <a:solidFill>
                   <a:schemeClr val="tx1"/>
                 </a:solidFill>
@@ -2495,7 +2499,7 @@
               <a:t>AfterPosition</a:t>
             </a:r>
             <a:r>
-              <a:rPr lang="en-US" sz="1200" kern="1200" dirty="0" smtClean="0">
+              <a:rPr lang="en-US" sz="1200" kern="1200" dirty="0">
                 <a:solidFill>
                   <a:schemeClr val="tx1"/>
                 </a:solidFill>
@@ -2509,7 +2513,7 @@
           </a:p>
           <a:p>
             <a:r>
-              <a:rPr lang="en-US" sz="1200" kern="1200" dirty="0" smtClean="0">
+              <a:rPr lang="en-US" sz="1200" kern="1200" dirty="0">
                 <a:solidFill>
                   <a:schemeClr val="tx1"/>
                 </a:solidFill>
@@ -2521,7 +2525,7 @@
               <a:t>&gt;&gt;&gt; print(</a:t>
             </a:r>
             <a:r>
-              <a:rPr lang="en-US" sz="1200" kern="1200" dirty="0" err="1" smtClean="0">
+              <a:rPr lang="en-US" sz="1200" kern="1200" dirty="0" err="1">
                 <a:solidFill>
                   <a:schemeClr val="tx1"/>
                 </a:solidFill>
@@ -2533,7 +2537,7 @@
               <a:t>my_location.start</a:t>
             </a:r>
             <a:r>
-              <a:rPr lang="en-US" sz="1200" kern="1200" dirty="0" smtClean="0">
+              <a:rPr lang="en-US" sz="1200" kern="1200" dirty="0">
                 <a:solidFill>
                   <a:schemeClr val="tx1"/>
                 </a:solidFill>
@@ -2547,7 +2551,7 @@
           </a:p>
           <a:p>
             <a:r>
-              <a:rPr lang="en-US" sz="1200" kern="1200" dirty="0" smtClean="0">
+              <a:rPr lang="en-US" sz="1200" kern="1200" dirty="0">
                 <a:solidFill>
                   <a:schemeClr val="tx1"/>
                 </a:solidFill>
@@ -2561,7 +2565,7 @@
           </a:p>
           <a:p>
             <a:r>
-              <a:rPr lang="en-US" sz="1200" kern="1200" dirty="0" smtClean="0">
+              <a:rPr lang="en-US" sz="1200" kern="1200" dirty="0">
                 <a:solidFill>
                   <a:schemeClr val="tx1"/>
                 </a:solidFill>
@@ -2573,7 +2577,7 @@
               <a:t>&gt;&gt;&gt; </a:t>
             </a:r>
             <a:r>
-              <a:rPr lang="en-US" sz="1200" kern="1200" dirty="0" err="1" smtClean="0">
+              <a:rPr lang="en-US" sz="1200" kern="1200" dirty="0" err="1">
                 <a:solidFill>
                   <a:schemeClr val="tx1"/>
                 </a:solidFill>
@@ -2584,7 +2588,7 @@
               </a:rPr>
               <a:t>my_location.end</a:t>
             </a:r>
-            <a:endParaRPr lang="en-US" sz="1200" kern="1200" dirty="0" smtClean="0">
+            <a:endParaRPr lang="en-US" sz="1200" kern="1200" dirty="0">
               <a:solidFill>
                 <a:schemeClr val="tx1"/>
               </a:solidFill>
@@ -2596,7 +2600,7 @@
           </a:p>
           <a:p>
             <a:r>
-              <a:rPr lang="en-US" sz="1200" kern="1200" dirty="0" err="1" smtClean="0">
+              <a:rPr lang="en-US" sz="1200" kern="1200" dirty="0" err="1">
                 <a:solidFill>
                   <a:schemeClr val="tx1"/>
                 </a:solidFill>
@@ -2608,7 +2612,7 @@
               <a:t>BetweenPosition</a:t>
             </a:r>
             <a:r>
-              <a:rPr lang="en-US" sz="1200" kern="1200" dirty="0" smtClean="0">
+              <a:rPr lang="en-US" sz="1200" kern="1200" dirty="0">
                 <a:solidFill>
                   <a:schemeClr val="tx1"/>
                 </a:solidFill>
@@ -2622,7 +2626,7 @@
           </a:p>
           <a:p>
             <a:r>
-              <a:rPr lang="en-US" sz="1200" kern="1200" dirty="0" smtClean="0">
+              <a:rPr lang="en-US" sz="1200" kern="1200" dirty="0">
                 <a:solidFill>
                   <a:schemeClr val="tx1"/>
                 </a:solidFill>
@@ -2634,7 +2638,7 @@
               <a:t>&gt;&gt;&gt; print(</a:t>
             </a:r>
             <a:r>
-              <a:rPr lang="en-US" sz="1200" kern="1200" dirty="0" err="1" smtClean="0">
+              <a:rPr lang="en-US" sz="1200" kern="1200" dirty="0" err="1">
                 <a:solidFill>
                   <a:schemeClr val="tx1"/>
                 </a:solidFill>
@@ -2646,7 +2650,7 @@
               <a:t>my_location.end</a:t>
             </a:r>
             <a:r>
-              <a:rPr lang="en-US" sz="1200" kern="1200" dirty="0" smtClean="0">
+              <a:rPr lang="en-US" sz="1200" kern="1200" dirty="0">
                 <a:solidFill>
                   <a:schemeClr val="tx1"/>
                 </a:solidFill>
@@ -2660,7 +2664,7 @@
           </a:p>
           <a:p>
             <a:r>
-              <a:rPr lang="en-US" sz="1200" kern="1200" dirty="0" smtClean="0">
+              <a:rPr lang="en-US" sz="1200" kern="1200" dirty="0">
                 <a:solidFill>
                   <a:schemeClr val="tx1"/>
                 </a:solidFill>
@@ -2758,7 +2762,7 @@
           <a:lstStyle/>
           <a:p>
             <a:r>
-              <a:rPr lang="en-US" sz="1200" kern="1200" dirty="0" smtClean="0">
+              <a:rPr lang="en-US" sz="1200" kern="1200" dirty="0">
                 <a:solidFill>
                   <a:schemeClr val="tx1"/>
                 </a:solidFill>
@@ -2770,7 +2774,7 @@
               <a:t>Note that gene and CDS features from </a:t>
             </a:r>
             <a:r>
-              <a:rPr lang="en-US" sz="1200" kern="1200" dirty="0" err="1" smtClean="0">
+              <a:rPr lang="en-US" sz="1200" kern="1200" dirty="0" err="1">
                 <a:solidFill>
                   <a:schemeClr val="tx1"/>
                 </a:solidFill>
@@ -2782,7 +2786,7 @@
               <a:t>GenBank</a:t>
             </a:r>
             <a:r>
-              <a:rPr lang="en-US" sz="1200" kern="1200" dirty="0" smtClean="0">
+              <a:rPr lang="en-US" sz="1200" kern="1200" dirty="0">
                 <a:solidFill>
                   <a:schemeClr val="tx1"/>
                 </a:solidFill>
@@ -2794,7 +2798,7 @@
               <a:t> or EMBL les defined with joins are the union of the</a:t>
             </a:r>
             <a:r>
-              <a:rPr lang="en-US" sz="1200" kern="1200" baseline="0" dirty="0" smtClean="0">
+              <a:rPr lang="en-US" sz="1200" kern="1200" baseline="0" dirty="0">
                 <a:solidFill>
                   <a:schemeClr val="tx1"/>
                 </a:solidFill>
@@ -2806,7 +2810,7 @@
               <a:t> </a:t>
             </a:r>
             <a:r>
-              <a:rPr lang="en-US" sz="1200" kern="1200" dirty="0" smtClean="0">
+              <a:rPr lang="en-US" sz="1200" kern="1200" dirty="0">
                 <a:solidFill>
                   <a:schemeClr val="tx1"/>
                 </a:solidFill>
@@ -2904,7 +2908,7 @@
           <a:lstStyle/>
           <a:p>
             <a:r>
-              <a:rPr lang="en-US" sz="1200" kern="1200" dirty="0" smtClean="0">
+              <a:rPr lang="en-US" sz="1200" kern="1200" dirty="0">
                 <a:solidFill>
                   <a:schemeClr val="tx1"/>
                 </a:solidFill>
@@ -2916,7 +2920,7 @@
               <a:t>&gt;&gt;&gt; </a:t>
             </a:r>
             <a:r>
-              <a:rPr lang="en-US" sz="1200" kern="1200" dirty="0" err="1" smtClean="0">
+              <a:rPr lang="en-US" sz="1200" kern="1200" dirty="0" err="1">
                 <a:solidFill>
                   <a:schemeClr val="tx1"/>
                 </a:solidFill>
@@ -2928,7 +2932,7 @@
               <a:t>feature_seq</a:t>
             </a:r>
             <a:r>
-              <a:rPr lang="en-US" sz="1200" kern="1200" dirty="0" smtClean="0">
+              <a:rPr lang="en-US" sz="1200" kern="1200" dirty="0">
                 <a:solidFill>
                   <a:schemeClr val="tx1"/>
                 </a:solidFill>
@@ -2940,7 +2944,7 @@
               <a:t> = </a:t>
             </a:r>
             <a:r>
-              <a:rPr lang="en-US" sz="1200" kern="1200" dirty="0" err="1" smtClean="0">
+              <a:rPr lang="en-US" sz="1200" kern="1200" dirty="0" err="1">
                 <a:solidFill>
                   <a:schemeClr val="tx1"/>
                 </a:solidFill>
@@ -2952,7 +2956,7 @@
               <a:t>example_feature.extract</a:t>
             </a:r>
             <a:r>
-              <a:rPr lang="en-US" sz="1200" kern="1200" dirty="0" smtClean="0">
+              <a:rPr lang="en-US" sz="1200" kern="1200" dirty="0">
                 <a:solidFill>
                   <a:schemeClr val="tx1"/>
                 </a:solidFill>
@@ -2964,7 +2968,7 @@
               <a:t>(</a:t>
             </a:r>
             <a:r>
-              <a:rPr lang="en-US" sz="1200" kern="1200" dirty="0" err="1" smtClean="0">
+              <a:rPr lang="en-US" sz="1200" kern="1200" dirty="0" err="1">
                 <a:solidFill>
                   <a:schemeClr val="tx1"/>
                 </a:solidFill>
@@ -2976,7 +2980,7 @@
               <a:t>example_parent</a:t>
             </a:r>
             <a:r>
-              <a:rPr lang="en-US" sz="1200" kern="1200" dirty="0" smtClean="0">
+              <a:rPr lang="en-US" sz="1200" kern="1200" dirty="0">
                 <a:solidFill>
                   <a:schemeClr val="tx1"/>
                 </a:solidFill>
@@ -2990,7 +2994,7 @@
           </a:p>
           <a:p>
             <a:r>
-              <a:rPr lang="en-US" sz="1200" kern="1200" dirty="0" smtClean="0">
+              <a:rPr lang="en-US" sz="1200" kern="1200" dirty="0">
                 <a:solidFill>
                   <a:schemeClr val="tx1"/>
                 </a:solidFill>
@@ -3002,7 +3006,7 @@
               <a:t>&gt;&gt;&gt; print(</a:t>
             </a:r>
             <a:r>
-              <a:rPr lang="en-US" sz="1200" kern="1200" dirty="0" err="1" smtClean="0">
+              <a:rPr lang="en-US" sz="1200" kern="1200" dirty="0" err="1">
                 <a:solidFill>
                   <a:schemeClr val="tx1"/>
                 </a:solidFill>
@@ -3014,7 +3018,7 @@
               <a:t>feature_seq</a:t>
             </a:r>
             <a:r>
-              <a:rPr lang="en-US" sz="1200" kern="1200" dirty="0" smtClean="0">
+              <a:rPr lang="en-US" sz="1200" kern="1200" dirty="0">
                 <a:solidFill>
                   <a:schemeClr val="tx1"/>
                 </a:solidFill>
@@ -3028,7 +3032,7 @@
           </a:p>
           <a:p>
             <a:r>
-              <a:rPr lang="en-US" sz="1200" kern="1200" dirty="0" smtClean="0">
+              <a:rPr lang="en-US" sz="1200" kern="1200" dirty="0">
                 <a:solidFill>
                   <a:schemeClr val="tx1"/>
                 </a:solidFill>
@@ -3126,7 +3130,7 @@
           <a:lstStyle/>
           <a:p>
             <a:r>
-              <a:rPr lang="en-US" sz="1200" kern="1200" dirty="0" smtClean="0">
+              <a:rPr lang="en-US" sz="1200" kern="1200" dirty="0">
                 <a:solidFill>
                   <a:schemeClr val="tx1"/>
                 </a:solidFill>
@@ -3138,7 +3142,7 @@
               <a:t>For simple</a:t>
             </a:r>
             <a:r>
-              <a:rPr lang="en-US" sz="1200" kern="1200" baseline="0" dirty="0" smtClean="0">
+              <a:rPr lang="en-US" sz="1200" kern="1200" baseline="0" dirty="0">
                 <a:solidFill>
                   <a:schemeClr val="tx1"/>
                 </a:solidFill>
@@ -3150,7 +3154,7 @@
               <a:t> </a:t>
             </a:r>
             <a:r>
-              <a:rPr lang="en-US" sz="1200" kern="1200" dirty="0" err="1" smtClean="0">
+              <a:rPr lang="en-US" sz="1200" kern="1200" dirty="0" err="1">
                 <a:solidFill>
                   <a:schemeClr val="tx1"/>
                 </a:solidFill>
@@ -3162,7 +3166,7 @@
               <a:t>FeatureLocation</a:t>
             </a:r>
             <a:r>
-              <a:rPr lang="en-US" sz="1200" kern="1200" baseline="0" dirty="0" smtClean="0">
+              <a:rPr lang="en-US" sz="1200" kern="1200" baseline="0" dirty="0">
                 <a:solidFill>
                   <a:schemeClr val="tx1"/>
                 </a:solidFill>
@@ -3174,7 +3178,7 @@
               <a:t> </a:t>
             </a:r>
             <a:r>
-              <a:rPr lang="en-US" sz="1200" kern="1200" dirty="0" smtClean="0">
+              <a:rPr lang="en-US" sz="1200" kern="1200" dirty="0">
                 <a:solidFill>
                   <a:schemeClr val="tx1"/>
                 </a:solidFill>
@@ -3186,7 +3190,7 @@
               <a:t>objects the length is just the </a:t>
             </a:r>
             <a:r>
-              <a:rPr lang="en-US" sz="1200" kern="1200" dirty="0" err="1" smtClean="0">
+              <a:rPr lang="en-US" sz="1200" kern="1200" dirty="0" err="1">
                 <a:solidFill>
                   <a:schemeClr val="tx1"/>
                 </a:solidFill>
@@ -3198,7 +3202,7 @@
               <a:t>dfference</a:t>
             </a:r>
             <a:r>
-              <a:rPr lang="en-US" sz="1200" kern="1200" dirty="0" smtClean="0">
+              <a:rPr lang="en-US" sz="1200" kern="1200" dirty="0">
                 <a:solidFill>
                   <a:schemeClr val="tx1"/>
                 </a:solidFill>
@@ -3212,7 +3216,7 @@
           </a:p>
           <a:p>
             <a:r>
-              <a:rPr lang="en-US" sz="1200" kern="1200" dirty="0" smtClean="0">
+              <a:rPr lang="en-US" sz="1200" kern="1200" dirty="0">
                 <a:solidFill>
                   <a:schemeClr val="tx1"/>
                 </a:solidFill>
@@ -3224,7 +3228,7 @@
               <a:t>However, for a</a:t>
             </a:r>
             <a:r>
-              <a:rPr lang="en-US" sz="1200" kern="1200" baseline="0" dirty="0" smtClean="0">
+              <a:rPr lang="en-US" sz="1200" kern="1200" baseline="0" dirty="0">
                 <a:solidFill>
                   <a:schemeClr val="tx1"/>
                 </a:solidFill>
@@ -3236,7 +3240,7 @@
               <a:t> </a:t>
             </a:r>
             <a:r>
-              <a:rPr lang="en-US" sz="1200" kern="1200" dirty="0" err="1" smtClean="0">
+              <a:rPr lang="en-US" sz="1200" kern="1200" dirty="0" err="1">
                 <a:solidFill>
                   <a:schemeClr val="tx1"/>
                 </a:solidFill>
@@ -3248,7 +3252,7 @@
               <a:t>CompoundLocation</a:t>
             </a:r>
             <a:r>
-              <a:rPr lang="en-US" sz="1200" kern="1200" baseline="0" dirty="0" smtClean="0">
+              <a:rPr lang="en-US" sz="1200" kern="1200" baseline="0" dirty="0">
                 <a:solidFill>
                   <a:schemeClr val="tx1"/>
                 </a:solidFill>
@@ -3260,7 +3264,7 @@
               <a:t> </a:t>
             </a:r>
             <a:r>
-              <a:rPr lang="en-US" sz="1200" kern="1200" dirty="0" smtClean="0">
+              <a:rPr lang="en-US" sz="1200" kern="1200" dirty="0">
                 <a:solidFill>
                   <a:schemeClr val="tx1"/>
                 </a:solidFill>
@@ -3358,10 +3362,10 @@
           <a:lstStyle/>
           <a:p>
             <a:r>
-              <a:rPr lang="en-US" dirty="0" smtClean="0"/>
+              <a:rPr lang="en-US" dirty="0"/>
               <a:t>you should check the attributes you are interested in</a:t>
             </a:r>
-            <a:endParaRPr lang="en-US" sz="1200" kern="1200" dirty="0" smtClean="0">
+            <a:endParaRPr lang="en-US" sz="1200" kern="1200" dirty="0">
               <a:solidFill>
                 <a:schemeClr val="tx1"/>
               </a:solidFill>
@@ -3471,7 +3475,7 @@
               <a:defRPr/>
             </a:pPr>
             <a:r>
-              <a:rPr kumimoji="0" lang="fr-FR" sz="1800" b="0" i="0" u="none" strike="noStrike" kern="0" cap="none" spc="0" normalizeH="0" baseline="0" noProof="0" dirty="0" smtClean="0">
+              <a:rPr kumimoji="0" lang="fr-FR" sz="1800" b="0" i="0" u="none" strike="noStrike" kern="0" cap="none" spc="0" normalizeH="0" baseline="0" noProof="0" dirty="0">
                 <a:ln>
                   <a:noFill/>
                 </a:ln>
@@ -3487,20 +3491,6 @@
               </a:rPr>
               <a:t> </a:t>
             </a:r>
-            <a:endParaRPr kumimoji="0" lang="fr-FR" sz="1800" b="0" i="0" u="none" strike="noStrike" kern="0" cap="none" spc="0" normalizeH="0" baseline="0" noProof="0" dirty="0">
-              <a:ln>
-                <a:noFill/>
-              </a:ln>
-              <a:solidFill>
-                <a:srgbClr val="000000"/>
-              </a:solidFill>
-              <a:effectLst/>
-              <a:uLnTx/>
-              <a:uFillTx/>
-              <a:latin typeface="Arial"/>
-              <a:ea typeface="+mn-ea"/>
-              <a:cs typeface="+mn-cs"/>
-            </a:endParaRPr>
           </a:p>
         </p:txBody>
       </p:sp>
@@ -3637,7 +3627,7 @@
               <a:defRPr/>
             </a:pPr>
             <a:r>
-              <a:rPr kumimoji="0" lang="fr-FR" sz="1800" b="0" i="0" u="none" strike="noStrike" kern="0" cap="none" spc="0" normalizeH="0" baseline="0" noProof="0" dirty="0" smtClean="0">
+              <a:rPr kumimoji="0" lang="fr-FR" sz="1800" b="0" i="0" u="none" strike="noStrike" kern="0" cap="none" spc="0" normalizeH="0" baseline="0" noProof="0" dirty="0">
                 <a:ln>
                   <a:noFill/>
                 </a:ln>
@@ -3650,17 +3640,6 @@
               </a:rPr>
               <a:t>Cliquez pour modifier le style des sous-titres du masque</a:t>
             </a:r>
-            <a:endParaRPr kumimoji="0" lang="fr-FR" sz="1800" b="0" i="0" u="none" strike="noStrike" kern="0" cap="none" spc="0" normalizeH="0" baseline="0" noProof="0" dirty="0">
-              <a:ln>
-                <a:noFill/>
-              </a:ln>
-              <a:solidFill>
-                <a:srgbClr val="FFFFFF"/>
-              </a:solidFill>
-              <a:effectLst/>
-              <a:uLnTx/>
-              <a:uFillTx/>
-            </a:endParaRPr>
           </a:p>
         </p:txBody>
       </p:sp>
@@ -3723,10 +3702,9 @@
           </a:lstStyle>
           <a:p>
             <a:r>
-              <a:rPr lang="fr-FR" dirty="0" smtClean="0"/>
+              <a:rPr lang="fr-FR" dirty="0"/>
               <a:t>Cliquez et modifiez le titre</a:t>
             </a:r>
-            <a:endParaRPr lang="fr-FR" dirty="0"/>
           </a:p>
         </p:txBody>
       </p:sp>
@@ -3740,13 +3718,6 @@
   <p:clrMapOvr>
     <a:masterClrMapping/>
   </p:clrMapOvr>
-  <p:timing>
-    <p:tnLst>
-      <p:par>
-        <p:cTn xmlns:p14="http://schemas.microsoft.com/office/powerpoint/2010/main" id="1" dur="indefinite" restart="never" nodeType="tmRoot"/>
-      </p:par>
-    </p:tnLst>
-  </p:timing>
 </p:sldLayout>
 </file>
 
@@ -3890,18 +3861,13 @@
           <a:p>
             <a:pPr algn="ctr"/>
             <a:r>
-              <a:rPr lang="fr-FR" dirty="0" smtClean="0">
+              <a:rPr lang="fr-FR" dirty="0">
                 <a:solidFill>
                   <a:schemeClr val="bg1"/>
                 </a:solidFill>
               </a:rPr>
               <a:t> </a:t>
             </a:r>
-            <a:endParaRPr lang="fr-FR" dirty="0">
-              <a:solidFill>
-                <a:schemeClr val="bg1"/>
-              </a:solidFill>
-            </a:endParaRPr>
           </a:p>
         </p:txBody>
       </p:sp>
@@ -3949,18 +3915,13 @@
           <a:p>
             <a:pPr algn="ctr"/>
             <a:r>
-              <a:rPr lang="fr-FR" dirty="0" smtClean="0">
+              <a:rPr lang="fr-FR" dirty="0">
                 <a:solidFill>
                   <a:schemeClr val="bg1"/>
                 </a:solidFill>
               </a:rPr>
               <a:t> </a:t>
             </a:r>
-            <a:endParaRPr lang="fr-FR" dirty="0">
-              <a:solidFill>
-                <a:schemeClr val="bg1"/>
-              </a:solidFill>
-            </a:endParaRPr>
           </a:p>
         </p:txBody>
       </p:sp>
@@ -3974,13 +3935,6 @@
   <p:clrMapOvr>
     <a:masterClrMapping/>
   </p:clrMapOvr>
-  <p:timing>
-    <p:tnLst>
-      <p:par>
-        <p:cTn xmlns:p14="http://schemas.microsoft.com/office/powerpoint/2010/main" id="1" dur="indefinite" restart="never" nodeType="tmRoot"/>
-      </p:par>
-    </p:tnLst>
-  </p:timing>
 </p:sldLayout>
 </file>
 
@@ -4080,10 +4034,9 @@
           </a:lstStyle>
           <a:p>
             <a:r>
-              <a:rPr lang="fr-FR" dirty="0" smtClean="0"/>
+              <a:rPr lang="fr-FR" dirty="0"/>
               <a:t>Cliquez et modifiez le titre</a:t>
             </a:r>
-            <a:endParaRPr lang="fr-FR" dirty="0"/>
           </a:p>
         </p:txBody>
       </p:sp>
@@ -4215,7 +4168,7 @@
               <a:defRPr/>
             </a:pPr>
             <a:r>
-              <a:rPr kumimoji="0" lang="fr-FR" sz="2000" b="0" i="0" u="none" strike="noStrike" kern="1200" cap="none" spc="0" normalizeH="0" baseline="0" noProof="0" dirty="0" smtClean="0">
+              <a:rPr kumimoji="0" lang="fr-FR" sz="2000" b="0" i="0" u="none" strike="noStrike" kern="1200" cap="none" spc="0" normalizeH="0" baseline="0" noProof="0" dirty="0">
                 <a:ln>
                   <a:noFill/>
                 </a:ln>
@@ -4253,7 +4206,7 @@
               <a:defRPr/>
             </a:pPr>
             <a:r>
-              <a:rPr kumimoji="0" lang="fr-FR" sz="1600" b="0" i="0" u="none" strike="noStrike" kern="1200" cap="none" spc="0" normalizeH="0" baseline="0" noProof="0" dirty="0" smtClean="0">
+              <a:rPr kumimoji="0" lang="fr-FR" sz="1600" b="0" i="0" u="none" strike="noStrike" kern="1200" cap="none" spc="0" normalizeH="0" baseline="0" noProof="0" dirty="0">
                 <a:ln>
                   <a:noFill/>
                 </a:ln>
@@ -4289,7 +4242,7 @@
               <a:defRPr/>
             </a:pPr>
             <a:r>
-              <a:rPr kumimoji="0" lang="fr-FR" sz="1600" b="0" i="0" u="none" strike="noStrike" kern="1200" cap="none" spc="0" normalizeH="0" baseline="0" noProof="0" dirty="0" smtClean="0">
+              <a:rPr kumimoji="0" lang="fr-FR" sz="1600" b="0" i="0" u="none" strike="noStrike" kern="1200" cap="none" spc="0" normalizeH="0" baseline="0" noProof="0" dirty="0">
                 <a:ln>
                   <a:noFill/>
                 </a:ln>
@@ -4325,7 +4278,7 @@
               <a:defRPr/>
             </a:pPr>
             <a:r>
-              <a:rPr kumimoji="0" lang="fr-FR" sz="1600" b="0" i="0" u="none" strike="noStrike" kern="1200" cap="none" spc="0" normalizeH="0" baseline="0" noProof="0" dirty="0" smtClean="0">
+              <a:rPr kumimoji="0" lang="fr-FR" sz="1600" b="0" i="0" u="none" strike="noStrike" kern="1200" cap="none" spc="0" normalizeH="0" baseline="0" noProof="0" dirty="0">
                 <a:ln>
                   <a:noFill/>
                 </a:ln>
@@ -4361,7 +4314,7 @@
               <a:defRPr/>
             </a:pPr>
             <a:r>
-              <a:rPr kumimoji="0" lang="fr-FR" sz="1600" b="0" i="0" u="none" strike="noStrike" kern="1200" cap="none" spc="0" normalizeH="0" baseline="0" noProof="0" dirty="0" smtClean="0">
+              <a:rPr kumimoji="0" lang="fr-FR" sz="1600" b="0" i="0" u="none" strike="noStrike" kern="1200" cap="none" spc="0" normalizeH="0" baseline="0" noProof="0" dirty="0">
                 <a:ln>
                   <a:noFill/>
                 </a:ln>
@@ -4377,20 +4330,6 @@
               </a:rPr>
               <a:t>Cinquième niveau</a:t>
             </a:r>
-            <a:endParaRPr kumimoji="0" lang="fr-FR" sz="1600" b="0" i="0" u="none" strike="noStrike" kern="1200" cap="none" spc="0" normalizeH="0" baseline="0" noProof="0" dirty="0">
-              <a:ln>
-                <a:noFill/>
-              </a:ln>
-              <a:solidFill>
-                <a:srgbClr val="000000"/>
-              </a:solidFill>
-              <a:effectLst/>
-              <a:uLnTx/>
-              <a:uFillTx/>
-              <a:latin typeface="+mn-lt"/>
-              <a:ea typeface="+mn-ea"/>
-              <a:cs typeface="+mn-cs"/>
-            </a:endParaRPr>
           </a:p>
         </p:txBody>
       </p:sp>
@@ -4427,7 +4366,7 @@
           <a:p>
             <a:fld id="{751463B9-2A29-154C-A5AC-383AEA094CA9}" type="datetime1">
               <a:rPr lang="fr-FR" smtClean="0"/>
-              <a:t>16/11/16</a:t>
+              <a:t>08/11/2018</a:t>
             </a:fld>
             <a:endParaRPr lang="fr-FR" dirty="0"/>
           </a:p>
@@ -4465,7 +4404,7 @@
           </a:lstStyle>
           <a:p>
             <a:r>
-              <a:rPr lang="fr-FR" smtClean="0"/>
+              <a:rPr lang="fr-FR"/>
               <a:t>Python pour la biologie</a:t>
             </a:r>
             <a:endParaRPr lang="fr-FR" dirty="0"/>
@@ -4506,7 +4445,7 @@
             <a:fld id="{DCE37727-CC04-7A46-938D-2CCFF056F773}" type="slidenum">
               <a:rPr lang="fr-FR" smtClean="0"/>
               <a:pPr/>
-              <a:t>‹#›</a:t>
+              <a:t>‹N°›</a:t>
             </a:fld>
             <a:endParaRPr lang="fr-FR" dirty="0"/>
           </a:p>
@@ -4578,13 +4517,6 @@
   <p:clrMapOvr>
     <a:masterClrMapping/>
   </p:clrMapOvr>
-  <p:timing>
-    <p:tnLst>
-      <p:par>
-        <p:cTn xmlns:p14="http://schemas.microsoft.com/office/powerpoint/2010/main" id="1" dur="indefinite" restart="never" nodeType="tmRoot"/>
-      </p:par>
-    </p:tnLst>
-  </p:timing>
 </p:sldLayout>
 </file>
 
@@ -4660,38 +4592,37 @@
           <a:p>
             <a:pPr lvl="0"/>
             <a:r>
-              <a:rPr lang="fr-FR" dirty="0" smtClean="0"/>
+              <a:rPr lang="fr-FR" dirty="0"/>
               <a:t>Cliquez pour modifier les styles du texte du masque</a:t>
             </a:r>
           </a:p>
           <a:p>
             <a:pPr lvl="1"/>
             <a:r>
-              <a:rPr lang="fr-FR" dirty="0" smtClean="0"/>
+              <a:rPr lang="fr-FR" dirty="0"/>
               <a:t>Deuxième niveau</a:t>
             </a:r>
           </a:p>
           <a:p>
             <a:pPr lvl="2"/>
             <a:r>
-              <a:rPr lang="fr-FR" dirty="0" smtClean="0"/>
+              <a:rPr lang="fr-FR" dirty="0"/>
               <a:t>Troisième niveau</a:t>
             </a:r>
           </a:p>
           <a:p>
             <a:pPr lvl="3"/>
             <a:r>
-              <a:rPr lang="fr-FR" dirty="0" smtClean="0"/>
+              <a:rPr lang="fr-FR" dirty="0"/>
               <a:t>Quatrième niveau</a:t>
             </a:r>
           </a:p>
           <a:p>
             <a:pPr lvl="4"/>
             <a:r>
-              <a:rPr lang="fr-FR" dirty="0" smtClean="0"/>
+              <a:rPr lang="fr-FR" dirty="0"/>
               <a:t>Cinquième niveau</a:t>
             </a:r>
-            <a:endParaRPr lang="fr-FR" dirty="0"/>
           </a:p>
         </p:txBody>
       </p:sp>
@@ -4750,38 +4681,37 @@
           <a:p>
             <a:pPr lvl="0"/>
             <a:r>
-              <a:rPr lang="fr-FR" dirty="0" smtClean="0"/>
+              <a:rPr lang="fr-FR" dirty="0"/>
               <a:t>Cliquez pour modifier les styles du texte du masque</a:t>
             </a:r>
           </a:p>
           <a:p>
             <a:pPr lvl="1"/>
             <a:r>
-              <a:rPr lang="fr-FR" dirty="0" smtClean="0"/>
+              <a:rPr lang="fr-FR" dirty="0"/>
               <a:t>Deuxième niveau</a:t>
             </a:r>
           </a:p>
           <a:p>
             <a:pPr lvl="2"/>
             <a:r>
-              <a:rPr lang="fr-FR" dirty="0" smtClean="0"/>
+              <a:rPr lang="fr-FR" dirty="0"/>
               <a:t>Troisième niveau</a:t>
             </a:r>
           </a:p>
           <a:p>
             <a:pPr lvl="3"/>
             <a:r>
-              <a:rPr lang="fr-FR" dirty="0" smtClean="0"/>
+              <a:rPr lang="fr-FR" dirty="0"/>
               <a:t>Quatrième niveau</a:t>
             </a:r>
           </a:p>
           <a:p>
             <a:pPr lvl="4"/>
             <a:r>
-              <a:rPr lang="fr-FR" dirty="0" smtClean="0"/>
+              <a:rPr lang="fr-FR" dirty="0"/>
               <a:t>Cinquième niveau</a:t>
             </a:r>
-            <a:endParaRPr lang="fr-FR" dirty="0"/>
           </a:p>
         </p:txBody>
       </p:sp>
@@ -4864,10 +4794,9 @@
           </a:lstStyle>
           <a:p>
             <a:r>
-              <a:rPr lang="fr-FR" dirty="0" smtClean="0"/>
+              <a:rPr lang="fr-FR" dirty="0"/>
               <a:t>Cliquez et modifiez le titre</a:t>
             </a:r>
-            <a:endParaRPr lang="fr-FR" dirty="0"/>
           </a:p>
         </p:txBody>
       </p:sp>
@@ -4928,7 +4857,7 @@
           <a:p>
             <a:fld id="{093F68C3-195D-9E4F-A0F2-F73993E4FFAC}" type="datetime1">
               <a:rPr lang="fr-FR" smtClean="0"/>
-              <a:t>16/11/16</a:t>
+              <a:t>08/11/2018</a:t>
             </a:fld>
             <a:endParaRPr lang="fr-FR" dirty="0"/>
           </a:p>
@@ -4966,7 +4895,7 @@
           </a:lstStyle>
           <a:p>
             <a:r>
-              <a:rPr lang="fr-FR" smtClean="0"/>
+              <a:rPr lang="fr-FR"/>
               <a:t>Python pour la biologie</a:t>
             </a:r>
             <a:endParaRPr lang="fr-FR" dirty="0"/>
@@ -5007,7 +4936,7 @@
             <a:fld id="{DCE37727-CC04-7A46-938D-2CCFF056F773}" type="slidenum">
               <a:rPr lang="fr-FR" smtClean="0"/>
               <a:pPr/>
-              <a:t>‹#›</a:t>
+              <a:t>‹N°›</a:t>
             </a:fld>
             <a:endParaRPr lang="fr-FR" dirty="0"/>
           </a:p>
@@ -5055,13 +4984,6 @@
   <p:clrMapOvr>
     <a:masterClrMapping/>
   </p:clrMapOvr>
-  <p:timing>
-    <p:tnLst>
-      <p:par>
-        <p:cTn xmlns:p14="http://schemas.microsoft.com/office/powerpoint/2010/main" id="1" dur="indefinite" restart="never" nodeType="tmRoot"/>
-      </p:par>
-    </p:tnLst>
-  </p:timing>
 </p:sldLayout>
 </file>
 
@@ -5149,18 +5071,13 @@
           <a:lstStyle/>
           <a:p>
             <a:r>
-              <a:rPr lang="fr-FR" sz="3200" dirty="0" smtClean="0">
+              <a:rPr lang="fr-FR" sz="3200" dirty="0">
                 <a:solidFill>
                   <a:srgbClr val="009DE0"/>
                 </a:solidFill>
               </a:rPr>
               <a:t>Chapitre 2</a:t>
             </a:r>
-            <a:endParaRPr lang="fr-FR" sz="3200" dirty="0">
-              <a:solidFill>
-                <a:srgbClr val="009DE0"/>
-              </a:solidFill>
-            </a:endParaRPr>
           </a:p>
         </p:txBody>
       </p:sp>
@@ -5256,13 +5173,6 @@
   <p:clrMapOvr>
     <a:masterClrMapping/>
   </p:clrMapOvr>
-  <p:timing>
-    <p:tnLst>
-      <p:par>
-        <p:cTn xmlns:p14="http://schemas.microsoft.com/office/powerpoint/2010/main" id="1" dur="indefinite" restart="never" nodeType="tmRoot"/>
-      </p:par>
-    </p:tnLst>
-  </p:timing>
 </p:sldLayout>
 </file>
 
@@ -5451,21 +5361,8 @@
                   <a:srgbClr val="FFFFFF"/>
                 </a:solidFill>
               </a:rPr>
-              <a:t>ditione dic tem hiciliciist, con rem aut volest, sedi doles erro te sa sam volum dolumqui aceprae eicipsa </a:t>
-            </a:r>
-            <a:r>
-              <a:rPr lang="fr-FR" baseline="30000" dirty="0" smtClean="0">
-                <a:solidFill>
-                  <a:srgbClr val="FFFFFF"/>
-                </a:solidFill>
-              </a:rPr>
-              <a:t>pelesequod</a:t>
-            </a:r>
-            <a:endParaRPr lang="fr-FR" baseline="30000" dirty="0">
-              <a:solidFill>
-                <a:srgbClr val="FFFFFF"/>
-              </a:solidFill>
-            </a:endParaRPr>
+              <a:t>ditione dic tem hiciliciist, con rem aut volest, sedi doles erro te sa sam volum dolumqui aceprae eicipsa pelesequod</a:t>
+            </a:r>
           </a:p>
         </p:txBody>
       </p:sp>
@@ -5666,18 +5563,13 @@
               <a:buNone/>
             </a:pPr>
             <a:r>
-              <a:rPr lang="fr-FR" sz="1200" b="1" dirty="0" smtClean="0">
+              <a:rPr lang="fr-FR" sz="1200" b="1" dirty="0">
                 <a:solidFill>
                   <a:schemeClr val="accent1"/>
                 </a:solidFill>
               </a:rPr>
               <a:t>titre</a:t>
             </a:r>
-            <a:endParaRPr lang="fr-FR" sz="1200" b="1" dirty="0">
-              <a:solidFill>
-                <a:schemeClr val="accent1"/>
-              </a:solidFill>
-            </a:endParaRPr>
           </a:p>
         </p:txBody>
       </p:sp>
@@ -5876,18 +5768,13 @@
               <a:buNone/>
             </a:pPr>
             <a:r>
-              <a:rPr lang="fr-FR" sz="1200" b="1" dirty="0" smtClean="0">
+              <a:rPr lang="fr-FR" sz="1200" b="1" dirty="0">
                 <a:solidFill>
                   <a:srgbClr val="FFFFFF"/>
                 </a:solidFill>
               </a:rPr>
               <a:t>titre</a:t>
             </a:r>
-            <a:endParaRPr lang="fr-FR" sz="1200" b="1" dirty="0">
-              <a:solidFill>
-                <a:srgbClr val="FFFFFF"/>
-              </a:solidFill>
-            </a:endParaRPr>
           </a:p>
         </p:txBody>
       </p:sp>
@@ -5925,19 +5812,14 @@
               <a:rPr lang="fr-FR" sz="3200" b="1" baseline="30000" dirty="0"/>
               <a:t>Itas eaquis et </a:t>
             </a:r>
-            <a:endParaRPr lang="fr-FR" sz="3200" b="1" baseline="30000" dirty="0" smtClean="0"/>
           </a:p>
           <a:p>
             <a:pPr>
               <a:buSzPct val="90000"/>
             </a:pPr>
             <a:r>
-              <a:rPr lang="fr-FR" sz="2400" b="1" baseline="30000" dirty="0" smtClean="0"/>
-              <a:t>excerferum </a:t>
-            </a:r>
-            <a:r>
               <a:rPr lang="fr-FR" sz="2400" b="1" baseline="30000" dirty="0"/>
-              <a:t>nuscien </a:t>
+              <a:t>excerferum nuscien </a:t>
             </a:r>
             <a:r>
               <a:rPr lang="fr-FR" sz="2400" baseline="30000" dirty="0"/>
@@ -6034,7 +5916,7 @@
               <a:t>, </a:t>
             </a:r>
             <a:r>
-              <a:rPr lang="fr-FR" sz="2400" baseline="30000" dirty="0" err="1" smtClean="0"/>
+              <a:rPr lang="fr-FR" sz="2400" baseline="30000" dirty="0" err="1"/>
               <a:t>iliquo</a:t>
             </a:r>
             <a:endParaRPr lang="fr-FR" sz="2400" baseline="30000" dirty="0"/>
@@ -6049,11 +5931,11 @@
               <a:buChar char="›"/>
             </a:pPr>
             <a:r>
-              <a:rPr lang="fr-FR" sz="2400" baseline="30000" dirty="0" err="1" smtClean="0"/>
+              <a:rPr lang="fr-FR" sz="2400" baseline="30000" dirty="0" err="1"/>
               <a:t>omnis</a:t>
             </a:r>
             <a:r>
-              <a:rPr lang="fr-FR" sz="2400" baseline="30000" dirty="0" smtClean="0"/>
+              <a:rPr lang="fr-FR" sz="2400" baseline="30000" dirty="0"/>
               <a:t> </a:t>
             </a:r>
             <a:r>
@@ -6137,71 +6019,71 @@
               <a:t> </a:t>
             </a:r>
             <a:r>
-              <a:rPr lang="fr-FR" sz="2400" baseline="30000" dirty="0" err="1" smtClean="0"/>
+              <a:rPr lang="fr-FR" sz="2400" baseline="30000" dirty="0" err="1"/>
               <a:t>iliciae</a:t>
             </a:r>
             <a:r>
-              <a:rPr lang="fr-FR" sz="2400" baseline="30000" dirty="0" smtClean="0"/>
+              <a:rPr lang="fr-FR" sz="2400" baseline="30000" dirty="0"/>
               <a:t> </a:t>
             </a:r>
             <a:r>
-              <a:rPr lang="fr-FR" sz="2400" baseline="30000" dirty="0" err="1" smtClean="0"/>
+              <a:rPr lang="fr-FR" sz="2400" baseline="30000" dirty="0" err="1"/>
               <a:t>cepernat</a:t>
             </a:r>
             <a:r>
-              <a:rPr lang="fr-FR" sz="2400" baseline="30000" dirty="0" smtClean="0"/>
+              <a:rPr lang="fr-FR" sz="2400" baseline="30000" dirty="0"/>
               <a:t> </a:t>
             </a:r>
             <a:r>
-              <a:rPr lang="fr-FR" sz="2400" baseline="30000" dirty="0" err="1" smtClean="0"/>
+              <a:rPr lang="fr-FR" sz="2400" baseline="30000" dirty="0" err="1"/>
               <a:t>fugitas</a:t>
             </a:r>
             <a:r>
-              <a:rPr lang="fr-FR" sz="2400" baseline="30000" dirty="0" smtClean="0"/>
+              <a:rPr lang="fr-FR" sz="2400" baseline="30000" dirty="0"/>
               <a:t> sa </a:t>
             </a:r>
             <a:r>
-              <a:rPr lang="fr-FR" sz="2400" baseline="30000" dirty="0" err="1" smtClean="0"/>
+              <a:rPr lang="fr-FR" sz="2400" baseline="30000" dirty="0" err="1"/>
               <a:t>conse</a:t>
             </a:r>
             <a:r>
-              <a:rPr lang="fr-FR" sz="2400" baseline="30000" dirty="0" smtClean="0"/>
+              <a:rPr lang="fr-FR" sz="2400" baseline="30000" dirty="0"/>
               <a:t> </a:t>
             </a:r>
             <a:r>
-              <a:rPr lang="fr-FR" sz="2400" baseline="30000" dirty="0" err="1" smtClean="0"/>
+              <a:rPr lang="fr-FR" sz="2400" baseline="30000" dirty="0" err="1"/>
               <a:t>molo</a:t>
             </a:r>
             <a:r>
-              <a:rPr lang="fr-FR" sz="2400" baseline="30000" dirty="0" smtClean="0"/>
+              <a:rPr lang="fr-FR" sz="2400" baseline="30000" dirty="0"/>
               <a:t> </a:t>
             </a:r>
             <a:r>
-              <a:rPr lang="fr-FR" sz="2400" baseline="30000" dirty="0" err="1" smtClean="0"/>
+              <a:rPr lang="fr-FR" sz="2400" baseline="30000" dirty="0" err="1"/>
               <a:t>modi</a:t>
             </a:r>
             <a:r>
-              <a:rPr lang="fr-FR" sz="2400" baseline="30000" dirty="0" smtClean="0"/>
+              <a:rPr lang="fr-FR" sz="2400" baseline="30000" dirty="0"/>
               <a:t> </a:t>
             </a:r>
             <a:r>
-              <a:rPr lang="fr-FR" sz="2400" baseline="30000" dirty="0" err="1" smtClean="0"/>
+              <a:rPr lang="fr-FR" sz="2400" baseline="30000" dirty="0" err="1"/>
               <a:t>berecti</a:t>
             </a:r>
             <a:r>
-              <a:rPr lang="fr-FR" sz="2400" baseline="30000" dirty="0" smtClean="0"/>
+              <a:rPr lang="fr-FR" sz="2400" baseline="30000" dirty="0"/>
               <a:t> tem </a:t>
             </a:r>
             <a:r>
-              <a:rPr lang="fr-FR" sz="2400" baseline="30000" dirty="0" err="1" smtClean="0"/>
+              <a:rPr lang="fr-FR" sz="2400" baseline="30000" dirty="0" err="1"/>
               <a:t>ius</a:t>
             </a:r>
             <a:r>
-              <a:rPr lang="fr-FR" sz="2400" baseline="30000" dirty="0" smtClean="0"/>
+              <a:rPr lang="fr-FR" sz="2400" baseline="30000" dirty="0"/>
               <a:t>, officie </a:t>
             </a:r>
             <a:r>
-              <a:rPr lang="fr-FR" sz="2400" baseline="30000" dirty="0" err="1" smtClean="0"/>
+              <a:rPr lang="fr-FR" sz="2400" baseline="30000" dirty="0" err="1"/>
               <a:t>ndiscipsam</a:t>
             </a:r>
             <a:endParaRPr lang="fr-FR" sz="2400" i="1" dirty="0"/>
@@ -6287,10 +6169,9 @@
           </a:lstStyle>
           <a:p>
             <a:r>
-              <a:rPr lang="fr-FR" dirty="0" smtClean="0"/>
+              <a:rPr lang="fr-FR" dirty="0"/>
               <a:t>Cliquez et modifiez le titre</a:t>
             </a:r>
-            <a:endParaRPr lang="fr-FR" dirty="0"/>
           </a:p>
         </p:txBody>
       </p:sp>
@@ -6351,7 +6232,7 @@
           <a:p>
             <a:fld id="{797E56E4-32A0-A24B-AE7B-5E5E4DFEC148}" type="datetime1">
               <a:rPr lang="fr-FR" smtClean="0"/>
-              <a:t>16/11/16</a:t>
+              <a:t>08/11/2018</a:t>
             </a:fld>
             <a:endParaRPr lang="fr-FR" dirty="0"/>
           </a:p>
@@ -6389,10 +6270,9 @@
           </a:lstStyle>
           <a:p>
             <a:r>
-              <a:rPr lang="fr-FR" smtClean="0"/>
+              <a:rPr lang="fr-FR"/>
               <a:t>Python pour la biologie</a:t>
             </a:r>
-            <a:endParaRPr lang="fr-FR"/>
           </a:p>
         </p:txBody>
       </p:sp>
@@ -6430,7 +6310,7 @@
             <a:fld id="{DCE37727-CC04-7A46-938D-2CCFF056F773}" type="slidenum">
               <a:rPr lang="fr-FR" smtClean="0"/>
               <a:pPr/>
-              <a:t>‹#›</a:t>
+              <a:t>‹N°›</a:t>
             </a:fld>
             <a:endParaRPr lang="fr-FR"/>
           </a:p>
@@ -6663,18 +6543,13 @@
               <a:buNone/>
             </a:pPr>
             <a:r>
-              <a:rPr lang="fr-FR" sz="1200" b="1" dirty="0" smtClean="0">
+              <a:rPr lang="fr-FR" sz="1200" b="1" dirty="0">
                 <a:solidFill>
                   <a:srgbClr val="FFFFFF"/>
                 </a:solidFill>
               </a:rPr>
               <a:t>titre</a:t>
             </a:r>
-            <a:endParaRPr lang="fr-FR" sz="1200" b="1" dirty="0">
-              <a:solidFill>
-                <a:srgbClr val="FFFFFF"/>
-              </a:solidFill>
-            </a:endParaRPr>
           </a:p>
         </p:txBody>
       </p:sp>
@@ -6688,13 +6563,6 @@
   <p:clrMapOvr>
     <a:masterClrMapping/>
   </p:clrMapOvr>
-  <p:timing>
-    <p:tnLst>
-      <p:par>
-        <p:cTn xmlns:p14="http://schemas.microsoft.com/office/powerpoint/2010/main" id="1" dur="indefinite" restart="never" nodeType="tmRoot"/>
-      </p:par>
-    </p:tnLst>
-  </p:timing>
 </p:sldLayout>
 </file>
 
@@ -6785,10 +6653,9 @@
               <a:tabLst/>
             </a:pPr>
             <a:r>
-              <a:rPr lang="fr-FR" sz="2800" b="1" i="0" baseline="30000" dirty="0" smtClean="0"/>
+              <a:rPr lang="fr-FR" sz="2800" b="1" i="0" baseline="30000" dirty="0"/>
               <a:t>excerferum nuscien</a:t>
             </a:r>
-            <a:endParaRPr lang="fr-FR" sz="2800" b="1" i="0" baseline="30000" dirty="0"/>
           </a:p>
           <a:p>
             <a:pPr marL="355600" indent="-355600" defTabSz="541338">
@@ -6804,14 +6671,9 @@
               <a:tabLst/>
             </a:pPr>
             <a:r>
-              <a:rPr lang="fr-FR" sz="2800" b="1" i="0" baseline="30000" dirty="0" smtClean="0"/>
-              <a:t>ditione </a:t>
-            </a:r>
-            <a:r>
               <a:rPr lang="fr-FR" sz="2800" b="1" i="0" baseline="30000" dirty="0"/>
-              <a:t>dic tem hiciliciist, con rem aut volest, sedi doles </a:t>
-            </a:r>
-            <a:endParaRPr lang="fr-FR" sz="2800" b="1" i="0" baseline="30000" dirty="0" smtClean="0"/>
+              <a:t>ditione dic tem hiciliciist, con rem aut volest, sedi doles </a:t>
+            </a:r>
           </a:p>
           <a:p>
             <a:pPr marL="355600" indent="-355600" defTabSz="541338">
@@ -6827,16 +6689,12 @@
               <a:tabLst/>
             </a:pPr>
             <a:r>
-              <a:rPr lang="fr-FR" sz="2800" b="1" i="0" baseline="30000" dirty="0" err="1" smtClean="0"/>
+              <a:rPr lang="fr-FR" sz="2800" b="1" i="0" baseline="30000" dirty="0" err="1"/>
               <a:t>erro</a:t>
             </a:r>
             <a:r>
-              <a:rPr lang="fr-FR" sz="2800" b="1" i="0" baseline="30000" dirty="0" smtClean="0"/>
-              <a:t> </a:t>
-            </a:r>
-            <a:r>
               <a:rPr lang="fr-FR" sz="2800" b="1" i="0" baseline="30000" dirty="0"/>
-              <a:t>te sa </a:t>
+              <a:t> te sa </a:t>
             </a:r>
             <a:r>
               <a:rPr lang="fr-FR" sz="2800" b="1" i="0" baseline="30000" dirty="0" err="1"/>
@@ -6871,10 +6729,10 @@
               <a:t> </a:t>
             </a:r>
             <a:r>
-              <a:rPr lang="fr-FR" sz="2800" b="1" i="0" baseline="30000" dirty="0" err="1" smtClean="0"/>
+              <a:rPr lang="fr-FR" sz="2800" b="1" i="0" baseline="30000" dirty="0" err="1"/>
               <a:t>eicipsa</a:t>
             </a:r>
-            <a:endParaRPr lang="fr-FR" sz="2800" b="1" i="0" baseline="30000" dirty="0" smtClean="0"/>
+            <a:endParaRPr lang="fr-FR" sz="2800" b="1" i="0" baseline="30000" dirty="0"/>
           </a:p>
           <a:p>
             <a:pPr marL="355600" indent="-355600" defTabSz="541338">
@@ -6890,19 +6748,15 @@
               <a:tabLst/>
             </a:pPr>
             <a:r>
-              <a:rPr lang="fr-FR" sz="2800" b="1" i="0" baseline="30000" dirty="0" err="1" smtClean="0"/>
+              <a:rPr lang="fr-FR" sz="2800" b="1" i="0" baseline="30000" dirty="0" err="1"/>
               <a:t>pelesequod</a:t>
             </a:r>
             <a:r>
-              <a:rPr lang="fr-FR" sz="2800" b="1" i="0" baseline="30000" dirty="0" smtClean="0"/>
-              <a:t> </a:t>
-            </a:r>
-            <a:r>
               <a:rPr lang="fr-FR" sz="2800" b="1" i="0" baseline="30000" dirty="0"/>
-              <a:t>que cum </a:t>
-            </a:r>
-            <a:r>
-              <a:rPr lang="fr-FR" sz="2800" b="1" i="0" baseline="30000" dirty="0" err="1" smtClean="0"/>
+              <a:t> que cum </a:t>
+            </a:r>
+            <a:r>
+              <a:rPr lang="fr-FR" sz="2800" b="1" i="0" baseline="30000" dirty="0" err="1"/>
               <a:t>hicieni</a:t>
             </a:r>
             <a:endParaRPr lang="fr-FR" sz="2800" b="1" i="0" dirty="0"/>
@@ -7104,7 +6958,7 @@
               <a:buNone/>
             </a:pPr>
             <a:r>
-              <a:rPr lang="fr-FR" sz="1800" b="1" smtClean="0">
+              <a:rPr lang="fr-FR" sz="1800" b="1">
                 <a:solidFill>
                   <a:srgbClr val="FFFFFF"/>
                 </a:solidFill>
@@ -7222,10 +7076,9 @@
           </a:lstStyle>
           <a:p>
             <a:r>
-              <a:rPr lang="fr-FR" dirty="0" smtClean="0"/>
+              <a:rPr lang="fr-FR" dirty="0"/>
               <a:t>Cliquez et modifiez le titre</a:t>
             </a:r>
-            <a:endParaRPr lang="fr-FR" dirty="0"/>
           </a:p>
         </p:txBody>
       </p:sp>
@@ -7262,7 +7115,7 @@
           <a:p>
             <a:fld id="{DE9A3856-CABC-754C-812C-14B8D30E1B18}" type="datetime1">
               <a:rPr lang="fr-FR" smtClean="0"/>
-              <a:t>16/11/16</a:t>
+              <a:t>08/11/2018</a:t>
             </a:fld>
             <a:endParaRPr lang="fr-FR" dirty="0"/>
           </a:p>
@@ -7300,10 +7153,9 @@
           </a:lstStyle>
           <a:p>
             <a:r>
-              <a:rPr lang="fr-FR" smtClean="0"/>
+              <a:rPr lang="fr-FR"/>
               <a:t>Python pour la biologie</a:t>
             </a:r>
-            <a:endParaRPr lang="fr-FR"/>
           </a:p>
         </p:txBody>
       </p:sp>
@@ -7341,7 +7193,7 @@
             <a:fld id="{DCE37727-CC04-7A46-938D-2CCFF056F773}" type="slidenum">
               <a:rPr lang="fr-FR" smtClean="0"/>
               <a:pPr/>
-              <a:t>‹#›</a:t>
+              <a:t>‹N°›</a:t>
             </a:fld>
             <a:endParaRPr lang="fr-FR"/>
           </a:p>
@@ -7389,13 +7241,6 @@
   <p:clrMapOvr>
     <a:masterClrMapping/>
   </p:clrMapOvr>
-  <p:timing>
-    <p:tnLst>
-      <p:par>
-        <p:cTn xmlns:p14="http://schemas.microsoft.com/office/powerpoint/2010/main" id="1" dur="indefinite" restart="never" nodeType="tmRoot"/>
-      </p:par>
-    </p:tnLst>
-  </p:timing>
 </p:sldLayout>
 </file>
 
@@ -7447,10 +7292,9 @@
           <a:lstStyle/>
           <a:p>
             <a:r>
-              <a:rPr lang="fr-FR" smtClean="0"/>
+              <a:rPr lang="fr-FR"/>
               <a:t>Cliquez et modifiez le titre</a:t>
             </a:r>
-            <a:endParaRPr lang="fr-FR"/>
           </a:p>
         </p:txBody>
       </p:sp>
@@ -7501,13 +7345,6 @@
     <p:sldLayoutId id="2147483655" r:id="rId6"/>
     <p:sldLayoutId id="2147483656" r:id="rId7"/>
   </p:sldLayoutIdLst>
-  <p:timing>
-    <p:tnLst>
-      <p:par>
-        <p:cTn xmlns:p14="http://schemas.microsoft.com/office/powerpoint/2010/main" id="1" dur="indefinite" restart="never" nodeType="tmRoot"/>
-      </p:par>
-    </p:tnLst>
-  </p:timing>
   <p:hf hdr="0"/>
   <p:txStyles>
     <p:titleStyle>
@@ -7804,16 +7641,9 @@
   <p:clrMapOvr>
     <a:masterClrMapping/>
   </p:clrMapOvr>
-  <p:transition xmlns:p14="http://schemas.microsoft.com/office/powerpoint/2010/main" spd="slow">
+  <p:transition spd="slow">
     <p:wipe/>
   </p:transition>
-  <p:timing>
-    <p:tnLst>
-      <p:par>
-        <p:cTn xmlns:p14="http://schemas.microsoft.com/office/powerpoint/2010/main" id="1" dur="indefinite" restart="never" nodeType="tmRoot"/>
-      </p:par>
-    </p:tnLst>
-  </p:timing>
 </p:sld>
 </file>
 
@@ -7863,11 +7693,7 @@
             </a:r>
             <a:r>
               <a:rPr lang="en-US" dirty="0"/>
-              <a:t> </a:t>
-            </a:r>
-            <a:r>
-              <a:rPr lang="en-US" dirty="0" smtClean="0"/>
-              <a:t>files</a:t>
+              <a:t> files</a:t>
             </a:r>
             <a:endParaRPr lang="fr-FR" dirty="0"/>
           </a:p>
@@ -7897,24 +7723,14 @@
               <a:rPr lang="en-US" dirty="0">
                 <a:hlinkClick r:id="rId3"/>
               </a:rPr>
-              <a:t>https://github.com/biopython/biopython/blob/master/Tests/GenBank/NC_005816</a:t>
-            </a:r>
-            <a:r>
-              <a:rPr lang="en-US" dirty="0" smtClean="0">
-                <a:hlinkClick r:id="rId3"/>
-              </a:rPr>
-              <a:t>.gb</a:t>
+              <a:t>https://github.com/biopython/biopython/blob/master/Tests/GenBank/NC_005816.gb</a:t>
             </a:r>
             <a:endParaRPr lang="en-US" dirty="0"/>
           </a:p>
           <a:p>
             <a:r>
-              <a:rPr lang="en-US" dirty="0" smtClean="0"/>
-              <a:t>Contains a </a:t>
-            </a:r>
-            <a:r>
               <a:rPr lang="en-US" dirty="0"/>
-              <a:t>single record (i.e. only one LOCUS line) and starts:</a:t>
+              <a:t>Contains a single record (i.e. only one LOCUS line) and starts:</a:t>
             </a:r>
             <a:endParaRPr lang="fr-FR" dirty="0"/>
           </a:p>
@@ -7937,7 +7753,7 @@
           <a:p>
             <a:fld id="{89CE0084-A44A-3C4D-8A5E-52377276F565}" type="datetime1">
               <a:rPr lang="fr-FR" smtClean="0"/>
-              <a:t>16/11/16</a:t>
+              <a:t>08/11/2018</a:t>
             </a:fld>
             <a:endParaRPr lang="fr-FR" dirty="0"/>
           </a:p>
@@ -7959,7 +7775,7 @@
           <a:lstStyle/>
           <a:p>
             <a:r>
-              <a:rPr lang="fr-FR" smtClean="0"/>
+              <a:rPr lang="fr-FR"/>
               <a:t>Python pour la biologie</a:t>
             </a:r>
             <a:endParaRPr lang="fr-FR" dirty="0"/>
@@ -8569,7 +8385,7 @@
           </a:lstStyle>
           <a:p>
             <a:r>
-              <a:rPr lang="en-US" dirty="0" smtClean="0"/>
+              <a:rPr lang="en-US" dirty="0"/>
               <a:t>Contains a single record (i.e. only one LOCUS line) and starts:</a:t>
             </a:r>
             <a:endParaRPr lang="fr-FR" dirty="0"/>
@@ -8868,12 +8684,8 @@
           </a:lstStyle>
           <a:p>
             <a:r>
-              <a:rPr lang="en-US" dirty="0" smtClean="0"/>
-              <a:t>Automatically </a:t>
-            </a:r>
-            <a:r>
               <a:rPr lang="en-US" dirty="0"/>
-              <a:t>assign a more </a:t>
+              <a:t>Automatically assign a more </a:t>
             </a:r>
             <a:r>
               <a:rPr lang="en-US" dirty="0" err="1"/>
@@ -8945,11 +8757,7 @@
             </a:r>
             <a:r>
               <a:rPr lang="en-US" dirty="0"/>
-              <a:t> </a:t>
-            </a:r>
-            <a:r>
-              <a:rPr lang="en-US" dirty="0" smtClean="0"/>
-              <a:t>files (2)</a:t>
+              <a:t> files (2)</a:t>
             </a:r>
             <a:endParaRPr lang="fr-FR" dirty="0"/>
           </a:p>
@@ -8976,52 +8784,16 @@
           <a:lstStyle/>
           <a:p>
             <a:r>
-              <a:rPr lang="en-US" dirty="0" smtClean="0"/>
-              <a:t>The name</a:t>
-            </a:r>
-            <a:r>
               <a:rPr lang="en-US" dirty="0"/>
-              <a:t> </a:t>
-            </a:r>
-            <a:r>
-              <a:rPr lang="en-US" dirty="0" smtClean="0"/>
-              <a:t>comes </a:t>
+              <a:t>The name comes from the LOCUS line, while the id includes the version </a:t>
+            </a:r>
+            <a:r>
+              <a:rPr lang="en-US" dirty="0" err="1"/>
+              <a:t>sufix</a:t>
             </a:r>
             <a:r>
               <a:rPr lang="en-US" dirty="0"/>
-              <a:t>from the LOCUS line, while </a:t>
-            </a:r>
-            <a:r>
-              <a:rPr lang="en-US" dirty="0" smtClean="0"/>
-              <a:t>the id</a:t>
-            </a:r>
-            <a:r>
-              <a:rPr lang="en-US" dirty="0"/>
-              <a:t> </a:t>
-            </a:r>
-            <a:r>
-              <a:rPr lang="en-US" dirty="0" smtClean="0"/>
-              <a:t>includes </a:t>
-            </a:r>
-            <a:r>
-              <a:rPr lang="en-US" dirty="0"/>
-              <a:t>the version </a:t>
-            </a:r>
-            <a:r>
-              <a:rPr lang="en-US" dirty="0" err="1" smtClean="0"/>
-              <a:t>sufix</a:t>
-            </a:r>
-            <a:r>
-              <a:rPr lang="en-US" dirty="0"/>
-              <a:t>. The description </a:t>
-            </a:r>
-            <a:r>
-              <a:rPr lang="en-US" dirty="0" smtClean="0"/>
-              <a:t>comes from </a:t>
-            </a:r>
-            <a:r>
-              <a:rPr lang="en-US" dirty="0"/>
-              <a:t>the DEFINITION line:</a:t>
+              <a:t>. The description comes from the DEFINITION line:</a:t>
             </a:r>
           </a:p>
           <a:p>
@@ -9046,7 +8818,7 @@
           <a:p>
             <a:fld id="{C257979C-8FEC-D640-9BD5-9B8685343342}" type="datetime1">
               <a:rPr lang="fr-FR" smtClean="0"/>
-              <a:t>16/11/16</a:t>
+              <a:t>08/11/2018</a:t>
             </a:fld>
             <a:endParaRPr lang="fr-FR" dirty="0"/>
           </a:p>
@@ -9068,7 +8840,7 @@
           <a:lstStyle/>
           <a:p>
             <a:r>
-              <a:rPr lang="fr-FR" smtClean="0"/>
+              <a:rPr lang="fr-FR"/>
               <a:t>Python pour la biologie</a:t>
             </a:r>
             <a:endParaRPr lang="fr-FR" dirty="0"/>
@@ -9309,27 +9081,7 @@
           <a:p>
             <a:r>
               <a:rPr lang="en-US" dirty="0"/>
-              <a:t>Most of the annotations information gets recorded in </a:t>
-            </a:r>
-            <a:r>
-              <a:rPr lang="en-US" dirty="0" smtClean="0"/>
-              <a:t>the annotations</a:t>
-            </a:r>
-            <a:r>
-              <a:rPr lang="en-US" dirty="0"/>
-              <a:t> </a:t>
-            </a:r>
-            <a:r>
-              <a:rPr lang="en-US" dirty="0" smtClean="0"/>
-              <a:t>dictionary</a:t>
-            </a:r>
-            <a:r>
-              <a:rPr lang="en-US" dirty="0"/>
-              <a:t>, for example</a:t>
-            </a:r>
-            <a:r>
-              <a:rPr lang="en-US" dirty="0" smtClean="0"/>
-              <a:t>:</a:t>
+              <a:t>Most of the annotations information gets recorded in the annotations dictionary, for example:</a:t>
             </a:r>
           </a:p>
           <a:p>
@@ -9997,15 +9749,7 @@
             </a:r>
             <a:r>
               <a:rPr lang="en-US" dirty="0"/>
-              <a:t> </a:t>
-            </a:r>
-            <a:r>
-              <a:rPr lang="en-US" dirty="0" smtClean="0"/>
-              <a:t>files </a:t>
-            </a:r>
-            <a:r>
-              <a:rPr lang="en-US" dirty="0"/>
-              <a:t>don't have any per-letter annotations:</a:t>
+              <a:t> files don't have any per-letter annotations:</a:t>
             </a:r>
           </a:p>
         </p:txBody>
@@ -10219,28 +9963,16 @@
           </a:lstStyle>
           <a:p>
             <a:r>
-              <a:rPr lang="en-US" dirty="0" smtClean="0"/>
+              <a:rPr lang="en-US" dirty="0"/>
               <a:t>The </a:t>
             </a:r>
             <a:r>
-              <a:rPr lang="en-US" dirty="0" err="1" smtClean="0"/>
+              <a:rPr lang="en-US" dirty="0" err="1"/>
               <a:t>dbxrefs</a:t>
             </a:r>
             <a:r>
               <a:rPr lang="en-US" dirty="0"/>
-              <a:t> </a:t>
-            </a:r>
-            <a:r>
-              <a:rPr lang="en-US" dirty="0" smtClean="0"/>
-              <a:t>list </a:t>
-            </a:r>
-            <a:r>
-              <a:rPr lang="en-US" dirty="0"/>
-              <a:t>gets populated from any PROJECT or DBLINK </a:t>
-            </a:r>
-            <a:r>
-              <a:rPr lang="en-US" dirty="0" smtClean="0"/>
-              <a:t>lines:</a:t>
+              <a:t> list gets populated from any PROJECT or DBLINK lines:</a:t>
             </a:r>
           </a:p>
           <a:p>
@@ -10302,19 +10034,9 @@
                 <a:latin typeface="Arial"/>
                 <a:cs typeface="Arial"/>
               </a:rPr>
-              <a:t>['Project:10638'</a:t>
-            </a:r>
-            <a:r>
-              <a:rPr lang="mr-IN" sz="1200" dirty="0" smtClean="0">
-                <a:solidFill>
-                  <a:srgbClr val="FF0000"/>
-                </a:solidFill>
-                <a:latin typeface="Arial"/>
-                <a:cs typeface="Arial"/>
-              </a:rPr>
-              <a:t>]</a:t>
-            </a:r>
-            <a:endParaRPr lang="fr-FR" sz="1200" dirty="0" smtClean="0">
+              <a:t>['Project:10638']</a:t>
+            </a:r>
+            <a:endParaRPr lang="fr-FR" sz="1200" dirty="0">
               <a:solidFill>
                 <a:srgbClr val="FF0000"/>
               </a:solidFill>
@@ -10346,18 +10068,13 @@
           </a:p>
           <a:p>
             <a:r>
-              <a:rPr lang="en-US" sz="1200" dirty="0" smtClean="0">
+              <a:rPr lang="en-US" sz="1200" dirty="0">
                 <a:solidFill>
                   <a:srgbClr val="FF0000"/>
                 </a:solidFill>
               </a:rPr>
               <a:t>29</a:t>
             </a:r>
-            <a:endParaRPr lang="en-US" sz="1200" dirty="0">
-              <a:solidFill>
-                <a:srgbClr val="FF0000"/>
-              </a:solidFill>
-            </a:endParaRPr>
           </a:p>
         </p:txBody>
       </p:sp>
@@ -10435,45 +10152,16 @@
           <a:p>
             <a:r>
               <a:rPr lang="en-US" dirty="0"/>
-              <a:t>A</a:t>
-            </a:r>
-            <a:r>
-              <a:rPr lang="en-US" dirty="0" smtClean="0"/>
-              <a:t>ttempts </a:t>
-            </a:r>
+              <a:t>Attempts to encapsulate as much of the information about the sequence as possible</a:t>
+            </a:r>
+          </a:p>
+          <a:p>
+            <a:endParaRPr lang="en-US" dirty="0"/>
+          </a:p>
+          <a:p>
             <a:r>
               <a:rPr lang="en-US" dirty="0"/>
-              <a:t>to encapsulate as much of the information about </a:t>
-            </a:r>
-            <a:r>
-              <a:rPr lang="en-US" dirty="0" smtClean="0"/>
-              <a:t>the sequence </a:t>
-            </a:r>
-            <a:r>
-              <a:rPr lang="en-US" dirty="0"/>
-              <a:t>as </a:t>
-            </a:r>
-            <a:r>
-              <a:rPr lang="en-US" dirty="0" smtClean="0"/>
-              <a:t>possible</a:t>
-            </a:r>
-            <a:endParaRPr lang="en-US" dirty="0"/>
-          </a:p>
-          <a:p>
-            <a:endParaRPr lang="en-US" dirty="0" smtClean="0"/>
-          </a:p>
-          <a:p>
-            <a:r>
-              <a:rPr lang="en-US" dirty="0"/>
-              <a:t>B</a:t>
-            </a:r>
-            <a:r>
-              <a:rPr lang="en-US" dirty="0" smtClean="0"/>
-              <a:t>ased </a:t>
-            </a:r>
-            <a:r>
-              <a:rPr lang="en-US" dirty="0"/>
-              <a:t>on the </a:t>
+              <a:t>Based on the </a:t>
             </a:r>
             <a:r>
               <a:rPr lang="en-US" dirty="0" err="1"/>
@@ -10481,86 +10169,45 @@
             </a:r>
             <a:r>
               <a:rPr lang="en-US" dirty="0"/>
-              <a:t>/EMBL feature </a:t>
-            </a:r>
-            <a:r>
-              <a:rPr lang="en-US" dirty="0" smtClean="0"/>
-              <a:t>tables</a:t>
-            </a:r>
-          </a:p>
-          <a:p>
-            <a:endParaRPr lang="en-US" dirty="0" smtClean="0"/>
-          </a:p>
-          <a:p>
-            <a:r>
-              <a:rPr lang="en-US" dirty="0" smtClean="0"/>
-              <a:t>The </a:t>
-            </a:r>
+              <a:t>/EMBL feature tables</a:t>
+            </a:r>
+          </a:p>
+          <a:p>
+            <a:endParaRPr lang="en-US" dirty="0"/>
+          </a:p>
+          <a:p>
             <a:r>
               <a:rPr lang="en-US" dirty="0"/>
-              <a:t>key idea about </a:t>
-            </a:r>
-            <a:r>
-              <a:rPr lang="en-US" dirty="0" smtClean="0"/>
-              <a:t>each </a:t>
-            </a:r>
-            <a:r>
-              <a:rPr lang="en-US" dirty="0" err="1" smtClean="0"/>
+              <a:t>The key idea about each </a:t>
+            </a:r>
+            <a:r>
+              <a:rPr lang="en-US" dirty="0" err="1"/>
               <a:t>SeqFeature</a:t>
             </a:r>
             <a:r>
               <a:rPr lang="en-US" dirty="0"/>
-              <a:t> </a:t>
-            </a:r>
-            <a:r>
-              <a:rPr lang="en-US" dirty="0" smtClean="0"/>
-              <a:t>object </a:t>
+              <a:t> object is to describe a region on a parent sequence, typically a </a:t>
+            </a:r>
+            <a:r>
+              <a:rPr lang="en-US" dirty="0" err="1"/>
+              <a:t>SeqRecord</a:t>
             </a:r>
             <a:r>
               <a:rPr lang="en-US" dirty="0"/>
-              <a:t>is to describe a region on a parent sequence, typically </a:t>
-            </a:r>
-            <a:r>
-              <a:rPr lang="en-US" dirty="0" smtClean="0"/>
-              <a:t>a </a:t>
-            </a:r>
-            <a:r>
-              <a:rPr lang="en-US" dirty="0" err="1" smtClean="0"/>
-              <a:t>SeqRecord</a:t>
+              <a:t> object</a:t>
+            </a:r>
+          </a:p>
+          <a:p>
+            <a:endParaRPr lang="fr-FR" dirty="0"/>
+          </a:p>
+          <a:p>
+            <a:r>
+              <a:rPr lang="fr-FR" dirty="0" err="1"/>
+              <a:t>T</a:t>
             </a:r>
             <a:r>
               <a:rPr lang="en-US" dirty="0"/>
-              <a:t> </a:t>
-            </a:r>
-            <a:r>
-              <a:rPr lang="en-US" dirty="0" smtClean="0"/>
-              <a:t>object</a:t>
-            </a:r>
-            <a:endParaRPr lang="en-US" dirty="0"/>
-          </a:p>
-          <a:p>
-            <a:endParaRPr lang="fr-FR" dirty="0" smtClean="0"/>
-          </a:p>
-          <a:p>
-            <a:r>
-              <a:rPr lang="fr-FR" dirty="0" err="1" smtClean="0"/>
-              <a:t>T</a:t>
-            </a:r>
-            <a:r>
-              <a:rPr lang="en-US" dirty="0" smtClean="0"/>
-              <a:t>his </a:t>
-            </a:r>
-            <a:r>
-              <a:rPr lang="en-US" dirty="0" smtClean="0"/>
-              <a:t>region </a:t>
-            </a:r>
-            <a:r>
-              <a:rPr lang="en-US" dirty="0"/>
-              <a:t>is described with a location object, typically a range between two </a:t>
-            </a:r>
-            <a:r>
-              <a:rPr lang="en-US" dirty="0" smtClean="0"/>
-              <a:t>positions</a:t>
+              <a:t>his region is described with a location object, typically a range between two positions</a:t>
             </a:r>
           </a:p>
           <a:p>
@@ -10585,7 +10232,7 @@
           <a:p>
             <a:fld id="{6882C64F-B331-774E-A59B-8F3EE47035FF}" type="datetime1">
               <a:rPr lang="fr-FR" smtClean="0"/>
-              <a:t>16/11/16</a:t>
+              <a:t>08/11/2018</a:t>
             </a:fld>
             <a:endParaRPr lang="fr-FR" dirty="0"/>
           </a:p>
@@ -10607,7 +10254,7 @@
           <a:lstStyle/>
           <a:p>
             <a:r>
-              <a:rPr lang="fr-FR" smtClean="0"/>
+              <a:rPr lang="fr-FR"/>
               <a:t>Python pour la biologie</a:t>
             </a:r>
             <a:endParaRPr lang="fr-FR" dirty="0"/>
@@ -10914,7 +10561,7 @@
           <a:p>
             <a:fld id="{ABAB19B1-CC70-8843-9637-4006C005BD1B}" type="datetime1">
               <a:rPr lang="fr-FR" smtClean="0"/>
-              <a:t>16/11/16</a:t>
+              <a:t>08/11/2018</a:t>
             </a:fld>
             <a:endParaRPr lang="fr-FR" dirty="0"/>
           </a:p>
@@ -10936,7 +10583,7 @@
           <a:lstStyle/>
           <a:p>
             <a:r>
-              <a:rPr lang="fr-FR" smtClean="0"/>
+              <a:rPr lang="fr-FR"/>
               <a:t>Python pour la biologie</a:t>
             </a:r>
             <a:endParaRPr lang="fr-FR" dirty="0"/>
@@ -11013,15 +10660,15 @@
           <a:lstStyle/>
           <a:p>
             <a:r>
-              <a:rPr lang="fr-FR" dirty="0" err="1" smtClean="0"/>
+              <a:rPr lang="fr-FR" dirty="0" err="1"/>
               <a:t>SeqFeatures</a:t>
             </a:r>
             <a:r>
-              <a:rPr lang="fr-FR" dirty="0" smtClean="0"/>
+              <a:rPr lang="fr-FR" dirty="0"/>
               <a:t> </a:t>
             </a:r>
             <a:r>
-              <a:rPr lang="fr-FR" dirty="0" err="1" smtClean="0"/>
+              <a:rPr lang="fr-FR" dirty="0" err="1"/>
               <a:t>funtionalities</a:t>
             </a:r>
             <a:endParaRPr lang="fr-FR" dirty="0"/>
@@ -11044,116 +10691,38 @@
           <a:lstStyle/>
           <a:p>
             <a:r>
-              <a:rPr lang="en-US" dirty="0" smtClean="0">
+              <a:rPr lang="en-US" dirty="0">
                 <a:solidFill>
                   <a:srgbClr val="0C82C0"/>
                 </a:solidFill>
               </a:rPr>
-              <a:t>.qualifiers</a:t>
-            </a:r>
-            <a:r>
-              <a:rPr lang="en-US" dirty="0">
-                <a:solidFill>
-                  <a:srgbClr val="0C82C0"/>
-                </a:solidFill>
-              </a:rPr>
-              <a:t> </a:t>
-            </a:r>
-            <a:r>
-              <a:rPr lang="en-US" dirty="0" smtClean="0"/>
-              <a:t>- Python </a:t>
+              <a:t>.qualifiers </a:t>
             </a:r>
             <a:r>
               <a:rPr lang="en-US" dirty="0"/>
-              <a:t>dictionary of additional information about the feature. </a:t>
-            </a:r>
-            <a:endParaRPr lang="en-US" dirty="0" smtClean="0"/>
+              <a:t>- Python dictionary of additional information about the feature. </a:t>
+            </a:r>
           </a:p>
           <a:p>
             <a:pPr lvl="1"/>
-            <a:endParaRPr lang="en-US" sz="1600" dirty="0" smtClean="0"/>
+            <a:endParaRPr lang="en-US" sz="1600" dirty="0"/>
           </a:p>
           <a:p>
             <a:pPr lvl="1"/>
             <a:r>
-              <a:rPr lang="en-US" sz="1600" dirty="0" smtClean="0"/>
-              <a:t>The </a:t>
-            </a:r>
-            <a:r>
               <a:rPr lang="en-US" sz="1600" dirty="0"/>
-              <a:t>key is some </a:t>
-            </a:r>
-            <a:r>
-              <a:rPr lang="en-US" sz="1600" dirty="0" smtClean="0"/>
-              <a:t>kind of </a:t>
-            </a:r>
+              <a:t>The key is some kind of terse one-word description of what the information contained in the value is about, and the value is the actual information. </a:t>
+            </a:r>
+          </a:p>
+          <a:p>
+            <a:pPr lvl="1"/>
+            <a:endParaRPr lang="en-US" sz="1600" dirty="0"/>
+          </a:p>
+          <a:p>
+            <a:pPr lvl="1"/>
             <a:r>
               <a:rPr lang="en-US" sz="1600" dirty="0"/>
-              <a:t>terse one-word description of what the information contained in the value is about, and the value </a:t>
-            </a:r>
-            <a:r>
-              <a:rPr lang="en-US" sz="1600" dirty="0" smtClean="0"/>
-              <a:t>is the </a:t>
-            </a:r>
-            <a:r>
-              <a:rPr lang="en-US" sz="1600" dirty="0"/>
-              <a:t>actual information. </a:t>
-            </a:r>
-            <a:endParaRPr lang="en-US" sz="1600" dirty="0" smtClean="0"/>
-          </a:p>
-          <a:p>
-            <a:pPr lvl="1"/>
-            <a:endParaRPr lang="en-US" sz="1600" dirty="0" smtClean="0"/>
-          </a:p>
-          <a:p>
-            <a:pPr lvl="1"/>
-            <a:r>
-              <a:rPr lang="en-US" sz="1600" dirty="0" smtClean="0"/>
-              <a:t>For </a:t>
-            </a:r>
-            <a:r>
-              <a:rPr lang="en-US" sz="1600" dirty="0"/>
-              <a:t>example, a common key for a </a:t>
-            </a:r>
-            <a:r>
-              <a:rPr lang="en-US" sz="1600" dirty="0" smtClean="0"/>
-              <a:t>qualifier </a:t>
-            </a:r>
-            <a:r>
-              <a:rPr lang="en-US" sz="1600" dirty="0"/>
-              <a:t>might be </a:t>
-            </a:r>
-            <a:r>
-              <a:rPr lang="en-US" sz="1600" dirty="0" smtClean="0"/>
-              <a:t>“evidence</a:t>
-            </a:r>
-            <a:r>
-              <a:rPr lang="en-US" sz="1600" dirty="0"/>
-              <a:t>" and the </a:t>
-            </a:r>
-            <a:r>
-              <a:rPr lang="en-US" sz="1600" dirty="0" smtClean="0"/>
-              <a:t>value might </a:t>
-            </a:r>
-            <a:r>
-              <a:rPr lang="en-US" sz="1600" dirty="0"/>
-              <a:t>be </a:t>
-            </a:r>
-            <a:r>
-              <a:rPr lang="en-US" sz="1600" dirty="0" smtClean="0"/>
-              <a:t>“computational </a:t>
-            </a:r>
-            <a:r>
-              <a:rPr lang="en-US" sz="1600" dirty="0"/>
-              <a:t>(non-experimental)." This is just a way to let the person who is looking </a:t>
-            </a:r>
-            <a:r>
-              <a:rPr lang="en-US" sz="1600" dirty="0" smtClean="0"/>
-              <a:t>at the </a:t>
-            </a:r>
-            <a:r>
-              <a:rPr lang="en-US" sz="1600" dirty="0"/>
-              <a:t>feature know that it has not be experimentally (</a:t>
+              <a:t>For example, a common key for a qualifier might be “evidence" and the value might be “computational (non-experimental)." This is just a way to let the person who is looking at the feature know that it has not be experimentally (</a:t>
             </a:r>
             <a:r>
               <a:rPr lang="en-US" sz="1600" dirty="0" err="1"/>
@@ -11161,16 +10730,12 @@
             </a:r>
             <a:r>
               <a:rPr lang="en-US" sz="1600" dirty="0"/>
-              <a:t>. e. in a wet lab) </a:t>
-            </a:r>
-            <a:r>
-              <a:rPr lang="en-US" sz="1600" dirty="0" smtClean="0"/>
-              <a:t>confirmed.</a:t>
+              <a:t>. e. in a wet lab) confirmed.</a:t>
             </a:r>
           </a:p>
           <a:p>
             <a:pPr lvl="1"/>
-            <a:endParaRPr lang="en-US" dirty="0" smtClean="0">
+            <a:endParaRPr lang="en-US" dirty="0">
               <a:solidFill>
                 <a:srgbClr val="0C82C0"/>
               </a:solidFill>
@@ -11178,7 +10743,7 @@
           </a:p>
           <a:p>
             <a:r>
-              <a:rPr lang="en-US" dirty="0" smtClean="0">
+              <a:rPr lang="en-US" dirty="0">
                 <a:solidFill>
                   <a:srgbClr val="0C82C0"/>
                 </a:solidFill>
@@ -11186,7 +10751,7 @@
               <a:t>.</a:t>
             </a:r>
             <a:r>
-              <a:rPr lang="en-US" dirty="0" err="1" smtClean="0">
+              <a:rPr lang="en-US" dirty="0" err="1">
                 <a:solidFill>
                   <a:srgbClr val="0C82C0"/>
                 </a:solidFill>
@@ -11194,7 +10759,7 @@
               <a:t>sub_features</a:t>
             </a:r>
             <a:r>
-              <a:rPr lang="en-US" dirty="0" smtClean="0">
+              <a:rPr lang="en-US" dirty="0">
                 <a:solidFill>
                   <a:srgbClr val="0C82C0"/>
                 </a:solidFill>
@@ -11202,47 +10767,31 @@
               <a:t> </a:t>
             </a:r>
             <a:r>
-              <a:rPr lang="en-US" dirty="0" smtClean="0"/>
+              <a:rPr lang="en-US" dirty="0"/>
               <a:t>- Represent features with complicated locations like `joins' in </a:t>
             </a:r>
             <a:r>
-              <a:rPr lang="en-US" dirty="0" err="1" smtClean="0"/>
+              <a:rPr lang="en-US" dirty="0" err="1"/>
               <a:t>GenBank</a:t>
             </a:r>
             <a:r>
-              <a:rPr lang="en-US" dirty="0" smtClean="0"/>
+              <a:rPr lang="en-US" dirty="0"/>
               <a:t>/EMBL files. </a:t>
             </a:r>
           </a:p>
           <a:p>
             <a:pPr lvl="1"/>
             <a:r>
-              <a:rPr lang="en-US" sz="1600" dirty="0" smtClean="0"/>
-              <a:t>This </a:t>
-            </a:r>
-            <a:r>
               <a:rPr lang="en-US" sz="1600" dirty="0"/>
-              <a:t>has been deprecated with the introduction of </a:t>
-            </a:r>
-            <a:r>
-              <a:rPr lang="en-US" sz="1600" dirty="0" smtClean="0"/>
-              <a:t>the </a:t>
-            </a:r>
-            <a:r>
-              <a:rPr lang="en-US" sz="1600" dirty="0" err="1" smtClean="0"/>
+              <a:t>This has been deprecated with the introduction of the </a:t>
+            </a:r>
+            <a:r>
+              <a:rPr lang="en-US" sz="1600" dirty="0" err="1"/>
               <a:t>CompoundLocation</a:t>
             </a:r>
             <a:r>
               <a:rPr lang="en-US" sz="1600" dirty="0"/>
-              <a:t> </a:t>
-            </a:r>
-            <a:r>
-              <a:rPr lang="en-US" sz="1600" dirty="0" smtClean="0"/>
-              <a:t>object, and </a:t>
-            </a:r>
-            <a:r>
-              <a:rPr lang="en-US" sz="1600" dirty="0"/>
-              <a:t>should now be ignored.</a:t>
+              <a:t> object, and should now be ignored.</a:t>
             </a:r>
           </a:p>
           <a:p>
@@ -11267,7 +10816,7 @@
           <a:p>
             <a:fld id="{2D8637C9-66A4-2A4C-925D-CE82F1F821E3}" type="datetime1">
               <a:rPr lang="fr-FR" smtClean="0"/>
-              <a:t>16/11/16</a:t>
+              <a:t>08/11/2018</a:t>
             </a:fld>
             <a:endParaRPr lang="fr-FR" dirty="0"/>
           </a:p>
@@ -11289,7 +10838,7 @@
           <a:lstStyle/>
           <a:p>
             <a:r>
-              <a:rPr lang="fr-FR" smtClean="0"/>
+              <a:rPr lang="fr-FR"/>
               <a:t>Python pour la biologie</a:t>
             </a:r>
             <a:endParaRPr lang="fr-FR" dirty="0"/>
@@ -11389,7 +10938,7 @@
           <a:lstStyle/>
           <a:p>
             <a:r>
-              <a:rPr lang="fr-FR" dirty="0" smtClean="0">
+              <a:rPr lang="fr-FR" dirty="0">
                 <a:solidFill>
                   <a:schemeClr val="accent1"/>
                 </a:solidFill>
@@ -11397,7 +10946,7 @@
               <a:t>P</a:t>
             </a:r>
             <a:r>
-              <a:rPr lang="en-US" dirty="0" err="1" smtClean="0">
+              <a:rPr lang="en-US" dirty="0" err="1">
                 <a:solidFill>
                   <a:schemeClr val="accent1"/>
                 </a:solidFill>
@@ -11413,33 +10962,13 @@
           <a:p>
             <a:pPr lvl="1"/>
             <a:r>
-              <a:rPr lang="en-US" sz="1600" dirty="0" smtClean="0"/>
-              <a:t>This </a:t>
-            </a:r>
-            <a:r>
               <a:rPr lang="en-US" sz="1600" dirty="0"/>
-              <a:t>refers to a single position on a sequence, which may be fuzzy or not. For instance, 5, 20</a:t>
-            </a:r>
-            <a:r>
-              <a:rPr lang="en-US" sz="1600" dirty="0" smtClean="0"/>
-              <a:t>, &lt;100 and</a:t>
-            </a:r>
-            <a:r>
-              <a:rPr lang="en-US" sz="1600" dirty="0"/>
-              <a:t> </a:t>
-            </a:r>
-            <a:r>
-              <a:rPr lang="en-US" sz="1600" dirty="0" smtClean="0"/>
-              <a:t>&gt;200 are </a:t>
-            </a:r>
-            <a:r>
-              <a:rPr lang="en-US" sz="1600" dirty="0"/>
-              <a:t>all positions.</a:t>
-            </a:r>
-          </a:p>
-          <a:p>
-            <a:r>
-              <a:rPr lang="fr-FR" dirty="0" smtClean="0">
+              <a:t>This refers to a single position on a sequence, which may be fuzzy or not. For instance, 5, 20, &lt;100 and &gt;200 are all positions.</a:t>
+            </a:r>
+          </a:p>
+          <a:p>
+            <a:r>
+              <a:rPr lang="fr-FR" dirty="0">
                 <a:solidFill>
                   <a:srgbClr val="009DE0"/>
                 </a:solidFill>
@@ -11447,7 +10976,7 @@
               <a:t>L</a:t>
             </a:r>
             <a:r>
-              <a:rPr lang="en-US" dirty="0" err="1" smtClean="0">
+              <a:rPr lang="en-US" dirty="0" err="1">
                 <a:solidFill>
                   <a:srgbClr val="009DE0"/>
                 </a:solidFill>
@@ -11463,12 +10992,8 @@
           <a:p>
             <a:pPr lvl="1"/>
             <a:r>
-              <a:rPr lang="en-US" sz="1600" dirty="0" smtClean="0"/>
-              <a:t>A </a:t>
-            </a:r>
-            <a:r>
               <a:rPr lang="en-US" sz="1600" dirty="0"/>
-              <a:t>location is region of sequence bounded by some positions. For instance 5..20 (</a:t>
+              <a:t>A location is region of sequence bounded by some positions. For instance 5..20 (</a:t>
             </a:r>
             <a:r>
               <a:rPr lang="en-US" sz="1600" dirty="0" err="1"/>
@@ -11476,11 +11001,7 @@
             </a:r>
             <a:r>
               <a:rPr lang="en-US" sz="1600" dirty="0"/>
-              <a:t>. e. 5 to 20) </a:t>
-            </a:r>
-            <a:r>
-              <a:rPr lang="en-US" sz="1600" dirty="0" smtClean="0"/>
-              <a:t>is a location</a:t>
+              <a:t>. e. 5 to 20) is a location</a:t>
             </a:r>
           </a:p>
           <a:p>
@@ -11502,38 +11023,22 @@
                   <a:srgbClr val="009DE0"/>
                 </a:solidFill>
               </a:rPr>
-              <a:t> </a:t>
-            </a:r>
-            <a:r>
-              <a:rPr lang="en-US" dirty="0" smtClean="0">
-                <a:solidFill>
-                  <a:srgbClr val="009DE0"/>
-                </a:solidFill>
-              </a:rPr>
-              <a:t>object</a:t>
+              <a:t> object</a:t>
             </a:r>
           </a:p>
           <a:p>
             <a:pPr lvl="1"/>
             <a:r>
-              <a:rPr lang="fr-FR" sz="1600" dirty="0" smtClean="0"/>
+              <a:rPr lang="fr-FR" sz="1600" dirty="0"/>
               <a:t>Ne</a:t>
             </a:r>
             <a:r>
-              <a:rPr lang="en-US" sz="1600" dirty="0" err="1" smtClean="0"/>
+              <a:rPr lang="en-US" sz="1600" dirty="0" err="1"/>
               <a:t>ed</a:t>
             </a:r>
             <a:r>
-              <a:rPr lang="en-US" sz="1600" dirty="0" smtClean="0"/>
-              <a:t> </a:t>
-            </a:r>
-            <a:r>
               <a:rPr lang="en-US" sz="1600" dirty="0"/>
-              <a:t>start and end coordinates and a </a:t>
-            </a:r>
-            <a:r>
-              <a:rPr lang="en-US" sz="1600" dirty="0" smtClean="0"/>
-              <a:t>strand</a:t>
+              <a:t> start and end coordinates and a strand</a:t>
             </a:r>
           </a:p>
           <a:p>
@@ -11555,30 +11060,14 @@
                   <a:srgbClr val="009DE0"/>
                 </a:solidFill>
               </a:rPr>
-              <a:t> </a:t>
-            </a:r>
-            <a:r>
-              <a:rPr lang="en-US" dirty="0" smtClean="0">
-                <a:solidFill>
-                  <a:srgbClr val="009DE0"/>
-                </a:solidFill>
-              </a:rPr>
-              <a:t>object</a:t>
+              <a:t> object</a:t>
             </a:r>
           </a:p>
           <a:p>
             <a:pPr lvl="1"/>
             <a:r>
-              <a:rPr lang="en-US" sz="1600" dirty="0" smtClean="0"/>
-              <a:t>Made </a:t>
-            </a:r>
-            <a:r>
               <a:rPr lang="en-US" sz="1600" dirty="0"/>
-              <a:t>up of several </a:t>
-            </a:r>
-            <a:r>
-              <a:rPr lang="en-US" sz="1600" dirty="0" smtClean="0"/>
-              <a:t>region</a:t>
+              <a:t>Made up of several region</a:t>
             </a:r>
           </a:p>
           <a:p>
@@ -11587,14 +11076,14 @@
           </a:p>
           <a:p>
             <a:r>
-              <a:rPr lang="en-US" dirty="0" err="1" smtClean="0">
+              <a:rPr lang="en-US" dirty="0" err="1">
                 <a:solidFill>
                   <a:srgbClr val="009DE0"/>
                 </a:solidFill>
               </a:rPr>
               <a:t>FuzzyLocation</a:t>
             </a:r>
-            <a:endParaRPr lang="en-US" dirty="0" smtClean="0">
+            <a:endParaRPr lang="en-US" dirty="0">
               <a:solidFill>
                 <a:srgbClr val="009DE0"/>
               </a:solidFill>
@@ -11603,12 +11092,8 @@
           <a:p>
             <a:pPr lvl="1"/>
             <a:r>
-              <a:rPr lang="en-US" sz="1600" dirty="0" smtClean="0"/>
-              <a:t>Several </a:t>
-            </a:r>
-            <a:r>
               <a:rPr lang="en-US" sz="1600" dirty="0"/>
-              <a:t>types of fuzzy positions, so we have five classes do deal with them</a:t>
+              <a:t>Several types of fuzzy positions, so we have five classes do deal with them</a:t>
             </a:r>
           </a:p>
         </p:txBody>
@@ -11630,7 +11115,7 @@
           <a:p>
             <a:fld id="{44BBE824-3CB2-954A-97D7-F18121C54E86}" type="datetime1">
               <a:rPr lang="fr-FR" smtClean="0"/>
-              <a:t>16/11/16</a:t>
+              <a:t>08/11/2018</a:t>
             </a:fld>
             <a:endParaRPr lang="fr-FR" dirty="0"/>
           </a:p>
@@ -11652,7 +11137,7 @@
           <a:lstStyle/>
           <a:p>
             <a:r>
-              <a:rPr lang="fr-FR" smtClean="0"/>
+              <a:rPr lang="fr-FR"/>
               <a:t>Python pour la biologie</a:t>
             </a:r>
             <a:endParaRPr lang="fr-FR" dirty="0"/>
@@ -11729,12 +11214,8 @@
           <a:lstStyle/>
           <a:p>
             <a:r>
-              <a:rPr lang="en-US" dirty="0" smtClean="0"/>
-              <a:t>Fuzzy </a:t>
-            </a:r>
-            <a:r>
               <a:rPr lang="en-US" dirty="0"/>
-              <a:t>positions</a:t>
+              <a:t>Fuzzy positions</a:t>
             </a:r>
             <a:endParaRPr lang="fr-FR" dirty="0"/>
           </a:p>
@@ -11770,7 +11251,6 @@
               <a:rPr lang="en-US" sz="2000" dirty="0"/>
               <a:t>	</a:t>
             </a:r>
-            <a:endParaRPr lang="en-US" sz="2000" dirty="0" smtClean="0"/>
           </a:p>
           <a:p>
             <a:pPr marL="342900" lvl="1" indent="-342900">
@@ -11781,47 +11261,30 @@
               <a:buChar char="➔"/>
             </a:pPr>
             <a:r>
-              <a:rPr lang="en-US" sz="2000" dirty="0" err="1" smtClean="0"/>
+              <a:rPr lang="en-US" sz="2000" dirty="0" err="1"/>
               <a:t>ExactPosition</a:t>
             </a:r>
             <a:r>
-              <a:rPr lang="en-US" sz="2000" dirty="0" smtClean="0"/>
+              <a:rPr lang="en-US" sz="2000" dirty="0"/>
               <a:t>  </a:t>
             </a:r>
-            <a:endParaRPr lang="en-US" sz="2000" dirty="0"/>
           </a:p>
           <a:p>
             <a:pPr lvl="1"/>
             <a:r>
-              <a:rPr lang="en-US" sz="1600" dirty="0" smtClean="0"/>
-              <a:t>Represents a </a:t>
-            </a:r>
-            <a:r>
               <a:rPr lang="en-US" sz="1600" dirty="0"/>
-              <a:t>position which is specified as exact along the </a:t>
-            </a:r>
-            <a:r>
-              <a:rPr lang="en-US" sz="1600" dirty="0" smtClean="0"/>
-              <a:t>sequence. a </a:t>
-            </a:r>
-            <a:r>
-              <a:rPr lang="en-US" sz="1600" dirty="0"/>
-              <a:t>number, and you can get the position by looking at the position attribute of the object</a:t>
-            </a:r>
-            <a:r>
-              <a:rPr lang="en-US" sz="1600" dirty="0" smtClean="0"/>
-              <a:t>.</a:t>
+              <a:t>Represents a position which is specified as exact along the sequence. a number, and you can get the position by looking at the position attribute of the object.</a:t>
             </a:r>
           </a:p>
           <a:p>
             <a:pPr marL="457200" lvl="1" indent="0">
               <a:buNone/>
             </a:pPr>
-            <a:endParaRPr lang="en-US" sz="1600" dirty="0" smtClean="0"/>
-          </a:p>
-          <a:p>
-            <a:r>
-              <a:rPr lang="en-US" dirty="0" err="1" smtClean="0"/>
+            <a:endParaRPr lang="en-US" sz="1600" dirty="0"/>
+          </a:p>
+          <a:p>
+            <a:r>
+              <a:rPr lang="en-US" dirty="0" err="1"/>
               <a:t>BeforePosition</a:t>
             </a:r>
             <a:endParaRPr lang="en-US" sz="1600" dirty="0"/>
@@ -11829,12 +11292,8 @@
           <a:p>
             <a:pPr lvl="1"/>
             <a:r>
-              <a:rPr lang="en-US" sz="1600" dirty="0" smtClean="0"/>
-              <a:t>Represents </a:t>
-            </a:r>
-            <a:r>
               <a:rPr lang="en-US" sz="1600" dirty="0"/>
-              <a:t>a fuzzy position that occurs prior to some specified site. In </a:t>
+              <a:t>Represents a fuzzy position that occurs prior to some specified site. In </a:t>
             </a:r>
             <a:r>
               <a:rPr lang="en-US" sz="1600" dirty="0" err="1"/>
@@ -11842,41 +11301,25 @@
             </a:r>
             <a:r>
               <a:rPr lang="en-US" sz="1600" dirty="0"/>
-              <a:t>/EMBL notation, this is represented as something like ‘&lt;13', signifying that the real position is located somewhere less than 13</a:t>
-            </a:r>
-            <a:r>
-              <a:rPr lang="en-US" sz="1600" dirty="0" smtClean="0"/>
-              <a:t>. To </a:t>
-            </a:r>
+              <a:t>/EMBL notation, this is represented as something like ‘&lt;13', signifying that the real position is located somewhere less than 13. To get the specified upper boundary, look at the position attribute of the object.</a:t>
+            </a:r>
+          </a:p>
+          <a:p>
+            <a:pPr lvl="1"/>
+            <a:endParaRPr lang="en-US" sz="1600" dirty="0"/>
+          </a:p>
+          <a:p>
+            <a:r>
+              <a:rPr lang="en-US" dirty="0" err="1"/>
+              <a:t>AfterPosition</a:t>
+            </a:r>
+            <a:endParaRPr lang="en-US" dirty="0"/>
+          </a:p>
+          <a:p>
+            <a:pPr lvl="1"/>
             <a:r>
               <a:rPr lang="en-US" sz="1600" dirty="0"/>
-              <a:t>get the specified upper boundary, look at the position attribute of the object</a:t>
-            </a:r>
-            <a:r>
-              <a:rPr lang="en-US" sz="1600" dirty="0" smtClean="0"/>
-              <a:t>.</a:t>
-            </a:r>
-          </a:p>
-          <a:p>
-            <a:pPr lvl="1"/>
-            <a:endParaRPr lang="en-US" sz="1600" dirty="0" smtClean="0"/>
-          </a:p>
-          <a:p>
-            <a:r>
-              <a:rPr lang="en-US" dirty="0" err="1" smtClean="0"/>
-              <a:t>AfterPosition</a:t>
-            </a:r>
-            <a:endParaRPr lang="en-US" dirty="0" smtClean="0"/>
-          </a:p>
-          <a:p>
-            <a:pPr lvl="1"/>
-            <a:r>
-              <a:rPr lang="en-US" sz="1600" dirty="0" smtClean="0"/>
-              <a:t>Represents </a:t>
-            </a:r>
-            <a:r>
-              <a:rPr lang="en-US" sz="1600" dirty="0"/>
-              <a:t>a position that occurs after some specified site. This is represented in </a:t>
+              <a:t>Represents a position that occurs after some specified site. This is represented in </a:t>
             </a:r>
             <a:r>
               <a:rPr lang="en-US" sz="1600" dirty="0" err="1"/>
@@ -11892,11 +11335,7 @@
             </a:r>
             <a:r>
               <a:rPr lang="en-US" sz="1600" dirty="0"/>
-              <a:t>, you get the boundary number by looking at the position attribute of the object</a:t>
-            </a:r>
-            <a:r>
-              <a:rPr lang="en-US" sz="1600" dirty="0" smtClean="0"/>
-              <a:t>.</a:t>
+              <a:t>, you get the boundary number by looking at the position attribute of the object.</a:t>
             </a:r>
           </a:p>
           <a:p>
@@ -11922,7 +11361,7 @@
           <a:p>
             <a:fld id="{B0790C7E-10EB-2B46-A010-B0847CC08D7B}" type="datetime1">
               <a:rPr lang="fr-FR" smtClean="0"/>
-              <a:t>16/11/16</a:t>
+              <a:t>08/11/2018</a:t>
             </a:fld>
             <a:endParaRPr lang="fr-FR" dirty="0"/>
           </a:p>
@@ -11944,7 +11383,7 @@
           <a:lstStyle/>
           <a:p>
             <a:r>
-              <a:rPr lang="fr-FR" smtClean="0"/>
+              <a:rPr lang="fr-FR"/>
               <a:t>Python pour la biologie</a:t>
             </a:r>
             <a:endParaRPr lang="fr-FR" dirty="0"/>
@@ -12022,11 +11461,7 @@
           <a:p>
             <a:r>
               <a:rPr lang="en-US" dirty="0"/>
-              <a:t>Fuzzy </a:t>
-            </a:r>
-            <a:r>
-              <a:rPr lang="en-US" dirty="0" smtClean="0"/>
-              <a:t>positions (2)</a:t>
+              <a:t>Fuzzy positions (2)</a:t>
             </a:r>
             <a:endParaRPr lang="fr-FR" dirty="0"/>
           </a:p>
@@ -12063,12 +11498,8 @@
           <a:p>
             <a:pPr lvl="1"/>
             <a:r>
-              <a:rPr lang="en-US" sz="1600" dirty="0" smtClean="0"/>
-              <a:t>Models  </a:t>
-            </a:r>
-            <a:r>
               <a:rPr lang="en-US" sz="1600" dirty="0"/>
-              <a:t>a  position  which occurs  somewhere  between  two specified  nucleotides. In </a:t>
+              <a:t>Models  a  position  which occurs  somewhere  between  two specified  nucleotides. In </a:t>
             </a:r>
             <a:r>
               <a:rPr lang="en-US" sz="1600" dirty="0" err="1"/>
@@ -12076,15 +11507,7 @@
             </a:r>
             <a:r>
               <a:rPr lang="en-US" sz="1600" dirty="0"/>
-              <a:t>/EMBL  notation,  this  would  be represented as ‘(1.5)’, to represent that the position is somewhere within the range 1 to 5. </a:t>
-            </a:r>
-            <a:r>
-              <a:rPr lang="en-US" sz="1600" dirty="0" smtClean="0"/>
-              <a:t>To </a:t>
-            </a:r>
-            <a:r>
-              <a:rPr lang="en-US" sz="1600" dirty="0"/>
-              <a:t>get the information in this class you have to look at two attributes.  The position attribute specifies the lower boundary of the range we are looking at, so in our example case this would be one.  The extension attribute specifies the range to the higher boundary, so in this case it would be 4.  So </a:t>
+              <a:t>/EMBL  notation,  this  would  be represented as ‘(1.5)’, to represent that the position is somewhere within the range 1 to 5. To get the information in this class you have to look at two attributes.  The position attribute specifies the lower boundary of the range we are looking at, so in our example case this would be one.  The extension attribute specifies the range to the higher boundary, so in this case it would be 4.  So </a:t>
             </a:r>
             <a:r>
               <a:rPr lang="en-US" sz="1600" dirty="0" err="1"/>
@@ -12108,13 +11531,8 @@
             </a:r>
             <a:r>
               <a:rPr lang="en-US" sz="1600" dirty="0"/>
-              <a:t> is the upper boundary</a:t>
-            </a:r>
-            <a:r>
-              <a:rPr lang="en-US" sz="1600" dirty="0" smtClean="0"/>
-              <a:t>.</a:t>
-            </a:r>
-            <a:endParaRPr lang="en-US" sz="1600" dirty="0"/>
+              <a:t> is the upper boundary.</a:t>
+            </a:r>
           </a:p>
           <a:p>
             <a:pPr marL="342900" lvl="1" indent="-342900">
@@ -12133,12 +11551,8 @@
           <a:p>
             <a:pPr lvl="1"/>
             <a:r>
-              <a:rPr lang="en-US" sz="1600" dirty="0" smtClean="0"/>
-              <a:t>Occasionally </a:t>
-            </a:r>
-            <a:r>
               <a:rPr lang="en-US" sz="1600" dirty="0"/>
-              <a:t>used for </a:t>
+              <a:t>Occasionally used for </a:t>
             </a:r>
             <a:r>
               <a:rPr lang="en-US" sz="1600" dirty="0" err="1"/>
@@ -12146,36 +11560,31 @@
             </a:r>
             <a:r>
               <a:rPr lang="en-US" sz="1600" dirty="0"/>
-              <a:t>/EMBL locations, this class deals with a position where several possible values exist, for instance you could use this if the start codon was unclear and there where two candidates for the start of the gene.  Alternatively, that might be handled explicitly as two related gene features</a:t>
-            </a:r>
-            <a:r>
-              <a:rPr lang="en-US" sz="1600" dirty="0" smtClean="0"/>
-              <a:t>.</a:t>
-            </a:r>
-            <a:endParaRPr lang="en-US" sz="1600" dirty="0"/>
-          </a:p>
-          <a:p>
-            <a:r>
-              <a:rPr lang="en-US" dirty="0" err="1" smtClean="0"/>
+              <a:t>/EMBL locations, this class deals with a position where several possible values exist, for instance you could use this if the start codon was unclear and there where two candidates for the start of the gene.  Alternatively, that might be handled explicitly as two related gene features.</a:t>
+            </a:r>
+          </a:p>
+          <a:p>
+            <a:r>
+              <a:rPr lang="en-US" dirty="0" err="1"/>
               <a:t>UnknownPosition</a:t>
             </a:r>
             <a:r>
-              <a:rPr lang="en-US" sz="1200" dirty="0" smtClean="0"/>
+              <a:rPr lang="en-US" sz="1200" dirty="0"/>
               <a:t> </a:t>
             </a:r>
           </a:p>
           <a:p>
             <a:pPr lvl="1"/>
             <a:r>
-              <a:rPr lang="en-US" sz="1600" dirty="0" smtClean="0"/>
+              <a:rPr lang="en-US" sz="1600" dirty="0"/>
               <a:t>This  class  deals  with  a  position  of  unknown  location.   This  is  not  used  in  Gen- Bank/EMBL, but corresponds to the ‘?’  feature coordinate used in </a:t>
             </a:r>
             <a:r>
-              <a:rPr lang="en-US" sz="1600" dirty="0" err="1" smtClean="0"/>
+              <a:rPr lang="en-US" sz="1600" dirty="0" err="1"/>
               <a:t>UniProt</a:t>
             </a:r>
             <a:r>
-              <a:rPr lang="en-US" sz="1600" dirty="0" smtClean="0"/>
+              <a:rPr lang="en-US" sz="1600" dirty="0"/>
               <a:t>.</a:t>
             </a:r>
           </a:p>
@@ -12201,7 +11610,7 @@
           <a:p>
             <a:fld id="{884A3A46-43BE-7E4D-933B-8C7543A764DE}" type="datetime1">
               <a:rPr lang="fr-FR" smtClean="0"/>
-              <a:t>16/11/16</a:t>
+              <a:t>08/11/2018</a:t>
             </a:fld>
             <a:endParaRPr lang="fr-FR" dirty="0"/>
           </a:p>
@@ -12223,7 +11632,7 @@
           <a:lstStyle/>
           <a:p>
             <a:r>
-              <a:rPr lang="fr-FR" smtClean="0"/>
+              <a:rPr lang="fr-FR"/>
               <a:t>Python pour la biologie</a:t>
             </a:r>
             <a:endParaRPr lang="fr-FR" dirty="0"/>
@@ -12300,14 +11709,13 @@
           <a:lstStyle/>
           <a:p>
             <a:r>
-              <a:rPr lang="fr-FR" dirty="0" err="1" smtClean="0"/>
+              <a:rPr lang="fr-FR" dirty="0" err="1"/>
               <a:t>Fuzzy</a:t>
             </a:r>
             <a:r>
-              <a:rPr lang="fr-FR" dirty="0" smtClean="0"/>
+              <a:rPr lang="fr-FR" dirty="0"/>
               <a:t> positions (3) </a:t>
             </a:r>
-            <a:endParaRPr lang="fr-FR" dirty="0"/>
           </a:p>
         </p:txBody>
       </p:sp>
@@ -12356,7 +11764,7 @@
           <a:p>
             <a:fld id="{C26D7555-3760-DE40-AAB3-C0358C041062}" type="datetime1">
               <a:rPr lang="fr-FR" smtClean="0"/>
-              <a:t>16/11/16</a:t>
+              <a:t>08/11/2018</a:t>
             </a:fld>
             <a:endParaRPr lang="fr-FR" dirty="0"/>
           </a:p>
@@ -12378,7 +11786,7 @@
           <a:lstStyle/>
           <a:p>
             <a:r>
-              <a:rPr lang="fr-FR" smtClean="0"/>
+              <a:rPr lang="fr-FR"/>
               <a:t>Python pour la biologie</a:t>
             </a:r>
             <a:endParaRPr lang="fr-FR" dirty="0"/>
@@ -12504,132 +11912,118 @@
           </a:p>
           <a:p>
             <a:r>
-              <a:rPr lang="en-US" sz="1200" dirty="0" smtClean="0">
-                <a:latin typeface="Arial"/>
-                <a:cs typeface="Arial"/>
-              </a:rPr>
-              <a:t>&gt;&gt;&gt; </a:t>
-            </a:r>
-            <a:r>
-              <a:rPr lang="en-US" sz="1200" dirty="0" err="1" smtClean="0">
-                <a:latin typeface="Arial"/>
-                <a:cs typeface="Arial"/>
-              </a:rPr>
-              <a:t>end_pos</a:t>
-            </a:r>
-            <a:r>
-              <a:rPr lang="en-US" sz="1200" dirty="0" smtClean="0">
-                <a:latin typeface="Arial"/>
-                <a:cs typeface="Arial"/>
-              </a:rPr>
-              <a:t> = </a:t>
-            </a:r>
-            <a:r>
-              <a:rPr lang="en-US" sz="1200" dirty="0" err="1" smtClean="0">
-                <a:latin typeface="Arial"/>
-                <a:cs typeface="Arial"/>
-              </a:rPr>
-              <a:t>SeqFeature.BetweenPosition</a:t>
-            </a:r>
-            <a:r>
-              <a:rPr lang="en-US" sz="1200" dirty="0" smtClean="0">
-                <a:latin typeface="Arial"/>
-                <a:cs typeface="Arial"/>
-              </a:rPr>
-              <a:t>(9, left=8, right=9)</a:t>
-            </a:r>
-          </a:p>
-          <a:p>
-            <a:r>
-              <a:rPr lang="en-US" sz="1200" dirty="0" smtClean="0">
-                <a:latin typeface="Arial"/>
-                <a:cs typeface="Arial"/>
-              </a:rPr>
-              <a:t>&gt;</a:t>
-            </a:r>
-            <a:r>
               <a:rPr lang="en-US" sz="1200" dirty="0">
                 <a:latin typeface="Arial"/>
                 <a:cs typeface="Arial"/>
               </a:rPr>
-              <a:t>&gt;</a:t>
-            </a:r>
-            <a:r>
-              <a:rPr lang="en-US" sz="1200" dirty="0" smtClean="0">
+              <a:t>&gt;&gt;&gt; </a:t>
+            </a:r>
+            <a:r>
+              <a:rPr lang="en-US" sz="1200" dirty="0" err="1">
                 <a:latin typeface="Arial"/>
                 <a:cs typeface="Arial"/>
               </a:rPr>
-              <a:t>&gt; </a:t>
-            </a:r>
-            <a:r>
-              <a:rPr lang="en-US" sz="1200" dirty="0" err="1" smtClean="0">
+              <a:t>end_pos</a:t>
+            </a:r>
+            <a:r>
+              <a:rPr lang="en-US" sz="1200" dirty="0">
                 <a:latin typeface="Arial"/>
                 <a:cs typeface="Arial"/>
               </a:rPr>
-              <a:t>my_location</a:t>
-            </a:r>
-            <a:r>
-              <a:rPr lang="en-US" sz="1200" dirty="0" smtClean="0">
+              <a:t> = </a:t>
+            </a:r>
+            <a:r>
+              <a:rPr lang="en-US" sz="1200" dirty="0" err="1">
                 <a:latin typeface="Arial"/>
                 <a:cs typeface="Arial"/>
               </a:rPr>
-              <a:t> = </a:t>
-            </a:r>
-            <a:r>
-              <a:rPr lang="en-US" sz="1200" dirty="0" err="1" smtClean="0">
+              <a:t>SeqFeature.BetweenPosition</a:t>
+            </a:r>
+            <a:r>
+              <a:rPr lang="en-US" sz="1200" dirty="0">
                 <a:latin typeface="Arial"/>
                 <a:cs typeface="Arial"/>
               </a:rPr>
-              <a:t>SeqFeature.FeatureLocation</a:t>
-            </a:r>
-            <a:r>
-              <a:rPr lang="en-US" sz="1200" dirty="0" smtClean="0">
+              <a:t>(9, left=8, right=9)</a:t>
+            </a:r>
+          </a:p>
+          <a:p>
+            <a:r>
+              <a:rPr lang="en-US" sz="1200" dirty="0">
                 <a:latin typeface="Arial"/>
                 <a:cs typeface="Arial"/>
               </a:rPr>
-              <a:t>(</a:t>
-            </a:r>
-            <a:r>
-              <a:rPr lang="en-US" sz="1200" dirty="0" err="1" smtClean="0">
+              <a:t>&gt;&gt;&gt; </a:t>
+            </a:r>
+            <a:r>
+              <a:rPr lang="en-US" sz="1200" dirty="0" err="1">
                 <a:latin typeface="Arial"/>
                 <a:cs typeface="Arial"/>
               </a:rPr>
-              <a:t>start_pos</a:t>
-            </a:r>
-            <a:r>
-              <a:rPr lang="en-US" sz="1200" dirty="0" smtClean="0">
+              <a:t>my_location</a:t>
+            </a:r>
+            <a:r>
+              <a:rPr lang="en-US" sz="1200" dirty="0">
                 <a:latin typeface="Arial"/>
                 <a:cs typeface="Arial"/>
               </a:rPr>
-              <a:t>, </a:t>
-            </a:r>
-            <a:r>
-              <a:rPr lang="en-US" sz="1200" dirty="0" err="1" smtClean="0">
+              <a:t> = </a:t>
+            </a:r>
+            <a:r>
+              <a:rPr lang="en-US" sz="1200" dirty="0" err="1">
                 <a:latin typeface="Arial"/>
                 <a:cs typeface="Arial"/>
               </a:rPr>
-              <a:t>end_pos</a:t>
-            </a:r>
-            <a:r>
-              <a:rPr lang="en-US" sz="1200" dirty="0" smtClean="0">
+              <a:t>SeqFeature.FeatureLocation</a:t>
+            </a:r>
+            <a:r>
+              <a:rPr lang="en-US" sz="1200" dirty="0">
                 <a:latin typeface="Arial"/>
                 <a:cs typeface="Arial"/>
               </a:rPr>
-              <a:t>)</a:t>
-            </a:r>
-          </a:p>
-          <a:p>
-            <a:r>
-              <a:rPr lang="mr-IN" sz="1200" dirty="0" smtClean="0">
+              <a:t>(</a:t>
+            </a:r>
+            <a:r>
+              <a:rPr lang="en-US" sz="1200" dirty="0" err="1">
                 <a:latin typeface="Arial"/>
                 <a:cs typeface="Arial"/>
               </a:rPr>
+              <a:t>start_pos</a:t>
+            </a:r>
+            <a:r>
+              <a:rPr lang="en-US" sz="1200" dirty="0">
+                <a:latin typeface="Arial"/>
+                <a:cs typeface="Arial"/>
+              </a:rPr>
+              <a:t>, </a:t>
+            </a:r>
+            <a:r>
+              <a:rPr lang="en-US" sz="1200" dirty="0" err="1">
+                <a:latin typeface="Arial"/>
+                <a:cs typeface="Arial"/>
+              </a:rPr>
+              <a:t>end_pos</a:t>
+            </a:r>
+            <a:r>
+              <a:rPr lang="en-US" sz="1200" dirty="0">
+                <a:latin typeface="Arial"/>
+                <a:cs typeface="Arial"/>
+              </a:rPr>
+              <a:t>)</a:t>
+            </a:r>
+          </a:p>
+          <a:p>
+            <a:r>
+              <a:rPr lang="mr-IN" sz="1200" dirty="0">
+                <a:latin typeface="Arial"/>
+                <a:cs typeface="Arial"/>
+              </a:rPr>
               <a:t>&gt;&gt;&gt; print(my_location)</a:t>
             </a:r>
           </a:p>
           <a:p>
             <a:r>
-              <a:rPr lang="mr-IN" sz="1200" dirty="0" smtClean="0">
+              <a:rPr lang="mr-IN" sz="1200" dirty="0">
                 <a:solidFill>
                   <a:srgbClr val="FF0000"/>
                 </a:solidFill>
@@ -12865,16 +12259,12 @@
               <a:t> 1.59, in particular for </a:t>
             </a:r>
             <a:r>
-              <a:rPr lang="en-US" dirty="0" err="1" smtClean="0"/>
+              <a:rPr lang="en-US" dirty="0" err="1"/>
               <a:t>BetweenPosition</a:t>
             </a:r>
             <a:r>
-              <a:rPr lang="en-US" dirty="0" smtClean="0"/>
-              <a:t> </a:t>
-            </a:r>
-            <a:r>
               <a:rPr lang="en-US" dirty="0"/>
-              <a:t>and </a:t>
+              <a:t> and </a:t>
             </a:r>
             <a:r>
               <a:rPr lang="en-US" dirty="0" err="1"/>
@@ -12882,40 +12272,14 @@
             </a:r>
             <a:r>
               <a:rPr lang="en-US" dirty="0"/>
-              <a:t> you must now make it explicit which integer position should be used for </a:t>
-            </a:r>
-            <a:r>
-              <a:rPr lang="en-US" dirty="0" smtClean="0"/>
-              <a:t>slicing etc</a:t>
-            </a:r>
+              <a:t> you must now make it explicit which integer position should be used for slicing etc. </a:t>
+            </a:r>
+          </a:p>
+          <a:p>
             <a:r>
               <a:rPr lang="en-US" dirty="0"/>
-              <a:t>. </a:t>
-            </a:r>
-            <a:endParaRPr lang="en-US" dirty="0" smtClean="0"/>
-          </a:p>
-          <a:p>
-            <a:r>
-              <a:rPr lang="en-US" dirty="0" smtClean="0"/>
-              <a:t>For </a:t>
-            </a:r>
-            <a:r>
-              <a:rPr lang="en-US" dirty="0"/>
-              <a:t>a start position this is generally the lower (left) value, while for an end position this would </a:t>
-            </a:r>
-            <a:r>
-              <a:rPr lang="en-US" dirty="0" smtClean="0"/>
-              <a:t>generally be </a:t>
-            </a:r>
-            <a:r>
-              <a:rPr lang="en-US" dirty="0"/>
-              <a:t>the higher (right) </a:t>
-            </a:r>
-            <a:r>
-              <a:rPr lang="en-US" dirty="0" smtClean="0"/>
-              <a:t>value</a:t>
-            </a:r>
-            <a:endParaRPr lang="en-US" dirty="0"/>
+              <a:t>For a start position this is generally the lower (left) value, while for an end position this would generally be the higher (right) value</a:t>
+            </a:r>
           </a:p>
         </p:txBody>
       </p:sp>
@@ -13109,14 +12473,13 @@
           <a:lstStyle/>
           <a:p>
             <a:r>
-              <a:rPr lang="fr-FR" dirty="0" err="1" smtClean="0"/>
+              <a:rPr lang="fr-FR" dirty="0" err="1"/>
               <a:t>Fuzzy</a:t>
             </a:r>
             <a:r>
-              <a:rPr lang="fr-FR" dirty="0" smtClean="0"/>
+              <a:rPr lang="fr-FR" dirty="0"/>
               <a:t> positions (4)</a:t>
             </a:r>
-            <a:endParaRPr lang="fr-FR" dirty="0"/>
           </a:p>
         </p:txBody>
       </p:sp>
@@ -13142,15 +12505,7 @@
           <a:p>
             <a:r>
               <a:rPr lang="en-US" dirty="0"/>
-              <a:t>If you don't want to deal with fuzzy positions and just want numbers, they are actually subclasses </a:t>
-            </a:r>
-            <a:r>
-              <a:rPr lang="en-US" dirty="0" smtClean="0"/>
-              <a:t>of integers </a:t>
-            </a:r>
-            <a:r>
-              <a:rPr lang="en-US" dirty="0"/>
-              <a:t>so should work like integers:</a:t>
+              <a:t>If you don't want to deal with fuzzy positions and just want numbers, they are actually subclasses of integers so should work like integers:</a:t>
             </a:r>
           </a:p>
           <a:p>
@@ -13175,7 +12530,7 @@
           <a:p>
             <a:fld id="{05A13A17-8CE1-3D4B-B557-8F5985A39089}" type="datetime1">
               <a:rPr lang="fr-FR" smtClean="0"/>
-              <a:t>16/11/16</a:t>
+              <a:t>08/11/2018</a:t>
             </a:fld>
             <a:endParaRPr lang="fr-FR" dirty="0"/>
           </a:p>
@@ -13197,7 +12552,7 @@
           <a:lstStyle/>
           <a:p>
             <a:r>
-              <a:rPr lang="fr-FR" smtClean="0"/>
+              <a:rPr lang="fr-FR"/>
               <a:t>Python pour la biologie</a:t>
             </a:r>
             <a:endParaRPr lang="fr-FR" dirty="0"/>
@@ -13692,43 +13047,23 @@
             </a:r>
             <a:r>
               <a:rPr lang="en-US" dirty="0"/>
-              <a:t> you can ask for </a:t>
-            </a:r>
-            <a:r>
-              <a:rPr lang="en-US" dirty="0" smtClean="0"/>
-              <a:t>the </a:t>
-            </a:r>
-            <a:r>
-              <a:rPr lang="en-US" dirty="0" err="1" smtClean="0"/>
+              <a:t> you can ask for the </a:t>
+            </a:r>
+            <a:r>
+              <a:rPr lang="en-US" dirty="0" err="1"/>
               <a:t>nofuzzy_start</a:t>
             </a:r>
             <a:r>
               <a:rPr lang="en-US" dirty="0"/>
-              <a:t> </a:t>
-            </a:r>
-            <a:r>
-              <a:rPr lang="en-US" dirty="0" smtClean="0"/>
-              <a:t>and</a:t>
+              <a:t> and </a:t>
+            </a:r>
+            <a:r>
+              <a:rPr lang="en-US" dirty="0" err="1"/>
+              <a:t>nofuzzy_end</a:t>
             </a:r>
             <a:r>
               <a:rPr lang="en-US" dirty="0"/>
-              <a:t> </a:t>
-            </a:r>
-            <a:r>
-              <a:rPr lang="en-US" dirty="0" err="1" smtClean="0"/>
-              <a:t>nofuzzy_end</a:t>
-            </a:r>
-            <a:r>
-              <a:rPr lang="en-US" dirty="0"/>
-              <a:t> </a:t>
-            </a:r>
-            <a:r>
-              <a:rPr lang="en-US" dirty="0" smtClean="0"/>
-              <a:t>attributes </a:t>
-            </a:r>
-            <a:r>
-              <a:rPr lang="en-US" dirty="0"/>
-              <a:t>of the location which are plain integers:</a:t>
+              <a:t> attributes of the location which are plain integers:</a:t>
             </a:r>
           </a:p>
           <a:p>
@@ -13868,7 +13203,7 @@
           <a:p>
             <a:pPr algn="ctr"/>
             <a:r>
-              <a:rPr lang="fr-FR" dirty="0" err="1" smtClean="0"/>
+              <a:rPr lang="fr-FR" dirty="0" err="1"/>
               <a:t>Biopython</a:t>
             </a:r>
             <a:endParaRPr lang="fr-FR" dirty="0"/>
@@ -13897,44 +13232,32 @@
           </a:bodyPr>
           <a:lstStyle/>
           <a:p>
-            <a:r>
-              <a:rPr lang="fr-FR" dirty="0" smtClean="0"/>
-              <a:t/>
-            </a:r>
-            <a:br>
-              <a:rPr lang="fr-FR" dirty="0" smtClean="0"/>
-            </a:br>
-            <a:r>
-              <a:rPr lang="fr-FR" dirty="0"/>
-              <a:t/>
-            </a:r>
             <a:br>
               <a:rPr lang="fr-FR" dirty="0"/>
             </a:br>
-            <a:r>
-              <a:rPr lang="fr-FR" dirty="0" smtClean="0">
+            <a:br>
+              <a:rPr lang="fr-FR" dirty="0"/>
+            </a:br>
+            <a:r>
+              <a:rPr lang="fr-FR" dirty="0">
                 <a:solidFill>
                   <a:schemeClr val="tx1"/>
                 </a:solidFill>
               </a:rPr>
               <a:t>Formation CNRS</a:t>
             </a:r>
-            <a:r>
-              <a:rPr lang="fr-FR" dirty="0" smtClean="0"/>
-              <a:t/>
-            </a:r>
             <a:br>
-              <a:rPr lang="fr-FR" dirty="0" smtClean="0"/>
+              <a:rPr lang="fr-FR"/>
             </a:br>
             <a:r>
-              <a:rPr lang="fr-FR" dirty="0" smtClean="0"/>
-              <a:t>18 Novembre 2016</a:t>
+              <a:rPr lang="fr-FR"/>
+              <a:t>8 Novembre 2018</a:t>
             </a:r>
             <a:br>
-              <a:rPr lang="fr-FR" dirty="0" smtClean="0"/>
+              <a:rPr lang="fr-FR" dirty="0"/>
             </a:br>
             <a:r>
-              <a:rPr lang="en-US" b="1" dirty="0" smtClean="0">
+              <a:rPr lang="en-US" b="1" dirty="0">
                 <a:solidFill>
                   <a:schemeClr val="tx1"/>
                 </a:solidFill>
@@ -13942,24 +13265,16 @@
               <a:t>Python pour la </a:t>
             </a:r>
             <a:r>
-              <a:rPr lang="en-US" b="1" dirty="0" err="1" smtClean="0">
+              <a:rPr lang="en-US" b="1" dirty="0" err="1">
                 <a:solidFill>
                   <a:schemeClr val="tx1"/>
                 </a:solidFill>
               </a:rPr>
               <a:t>biologie</a:t>
-            </a:r>
-            <a:r>
-              <a:rPr lang="en-US" b="1" dirty="0"/>
-              <a:t/>
             </a:r>
             <a:br>
               <a:rPr lang="en-US" b="1" dirty="0"/>
             </a:br>
-            <a:r>
-              <a:rPr lang="fr-FR" dirty="0"/>
-              <a:t/>
-            </a:r>
             <a:br>
               <a:rPr lang="fr-FR" dirty="0"/>
             </a:br>
@@ -14007,16 +13322,9 @@
   <p:clrMapOvr>
     <a:masterClrMapping/>
   </p:clrMapOvr>
-  <p:transition xmlns:p14="http://schemas.microsoft.com/office/powerpoint/2010/main" spd="slow">
+  <p:transition spd="slow">
     <p:wipe/>
   </p:transition>
-  <p:timing>
-    <p:tnLst>
-      <p:par>
-        <p:cTn xmlns:p14="http://schemas.microsoft.com/office/powerpoint/2010/main" id="1" dur="indefinite" restart="never" nodeType="tmRoot"/>
-      </p:par>
-    </p:tnLst>
-  </p:timing>
 </p:sld>
 </file>
 
@@ -14053,10 +13361,9 @@
           <a:lstStyle/>
           <a:p>
             <a:r>
-              <a:rPr lang="fr-FR" dirty="0" smtClean="0"/>
+              <a:rPr lang="fr-FR" dirty="0"/>
               <a:t>Keyword « in »</a:t>
             </a:r>
-            <a:endParaRPr lang="fr-FR" dirty="0"/>
           </a:p>
         </p:txBody>
       </p:sp>
@@ -14081,26 +13388,9 @@
           <a:lstStyle/>
           <a:p>
             <a:r>
-              <a:rPr lang="en-US" dirty="0" smtClean="0"/>
-              <a:t>See </a:t>
-            </a:r>
-            <a:r>
               <a:rPr lang="en-US" dirty="0"/>
-              <a:t>if the base/residue for </a:t>
-            </a:r>
-            <a:r>
-              <a:rPr lang="en-US" dirty="0" smtClean="0"/>
-              <a:t>a parent </a:t>
-            </a:r>
-            <a:r>
-              <a:rPr lang="en-US" dirty="0"/>
-              <a:t>coordinate is within the feature/location or </a:t>
-            </a:r>
-            <a:r>
-              <a:rPr lang="en-US" dirty="0" smtClean="0"/>
-              <a:t>not ?</a:t>
-            </a:r>
-            <a:endParaRPr lang="en-US" dirty="0"/>
+              <a:t>See if the base/residue for a parent coordinate is within the feature/location or not ?</a:t>
+            </a:r>
           </a:p>
           <a:p>
             <a:endParaRPr lang="fr-FR" dirty="0"/>
@@ -14124,7 +13414,7 @@
           <a:p>
             <a:fld id="{87E62055-646B-0044-B110-588938BE1249}" type="datetime1">
               <a:rPr lang="fr-FR" smtClean="0"/>
-              <a:t>16/11/16</a:t>
+              <a:t>08/11/2018</a:t>
             </a:fld>
             <a:endParaRPr lang="fr-FR" dirty="0"/>
           </a:p>
@@ -14146,7 +13436,7 @@
           <a:lstStyle/>
           <a:p>
             <a:r>
-              <a:rPr lang="fr-FR" smtClean="0"/>
+              <a:rPr lang="fr-FR"/>
               <a:t>Python pour la biologie</a:t>
             </a:r>
             <a:endParaRPr lang="fr-FR" dirty="0"/>
@@ -14237,16 +13527,9 @@
                 <a:latin typeface="Arial"/>
                 <a:cs typeface="Arial"/>
               </a:rPr>
-              <a:t>&gt;&gt;&gt; record = SeqIO.read("NC_005816.gb", "genbank"</a:t>
-            </a:r>
-            <a:r>
-              <a:rPr lang="mr-IN" sz="1200" dirty="0" smtClean="0">
-                <a:latin typeface="Arial"/>
-                <a:cs typeface="Arial"/>
-              </a:rPr>
-              <a:t>)</a:t>
-            </a:r>
-            <a:endParaRPr lang="fr-FR" sz="1200" dirty="0" smtClean="0">
+              <a:t>&gt;&gt;&gt; record = SeqIO.read("NC_005816.gb", "genbank")</a:t>
+            </a:r>
+            <a:endParaRPr lang="fr-FR" sz="1200" dirty="0">
               <a:latin typeface="Arial"/>
               <a:cs typeface="Arial"/>
             </a:endParaRPr>
@@ -14390,25 +13673,8 @@
                 <a:latin typeface="Arial"/>
                 <a:cs typeface="Arial"/>
               </a:rPr>
-              <a:t>CDS ['GI:45478716', 'GeneID:</a:t>
-            </a:r>
-            <a:r>
-              <a:rPr lang="en-US" sz="1200" dirty="0" smtClean="0">
-                <a:solidFill>
-                  <a:srgbClr val="FF0000"/>
-                </a:solidFill>
-                <a:latin typeface="Arial"/>
-                <a:cs typeface="Arial"/>
-              </a:rPr>
-              <a:t>2767712’]</a:t>
-            </a:r>
-            <a:endParaRPr lang="en-US" sz="1200" dirty="0">
-              <a:solidFill>
-                <a:srgbClr val="FF0000"/>
-              </a:solidFill>
-              <a:latin typeface="Arial"/>
-              <a:cs typeface="Arial"/>
-            </a:endParaRPr>
+              <a:t>CDS ['GI:45478716', 'GeneID:2767712’]</a:t>
+            </a:r>
           </a:p>
         </p:txBody>
       </p:sp>
@@ -14621,20 +13887,20 @@
           </a:lstStyle>
           <a:p>
             <a:r>
-              <a:rPr lang="en-US" dirty="0" smtClean="0"/>
+              <a:rPr lang="en-US" dirty="0"/>
               <a:t>Note that gene and CDS features from </a:t>
             </a:r>
             <a:r>
-              <a:rPr lang="en-US" dirty="0" err="1" smtClean="0"/>
+              <a:rPr lang="en-US" dirty="0" err="1"/>
               <a:t>GenBank</a:t>
             </a:r>
             <a:r>
-              <a:rPr lang="en-US" dirty="0" smtClean="0"/>
+              <a:rPr lang="en-US" dirty="0"/>
               <a:t> or EMBL files defined with joins are the union of the exons - they do not cover any introns.</a:t>
             </a:r>
           </a:p>
           <a:p>
-            <a:endParaRPr lang="en-US" dirty="0" smtClean="0"/>
+            <a:endParaRPr lang="en-US" dirty="0"/>
           </a:p>
           <a:p>
             <a:endParaRPr lang="en-US" dirty="0"/>
@@ -14727,21 +13993,13 @@
             </a:r>
             <a:r>
               <a:rPr lang="en-US" dirty="0"/>
-              <a:t> or location object doesn’t directly contain a </a:t>
-            </a:r>
-            <a:r>
-              <a:rPr lang="en-US" dirty="0" smtClean="0"/>
-              <a:t>sequence</a:t>
+              <a:t> or location object doesn’t directly contain a sequence</a:t>
             </a:r>
           </a:p>
           <a:p>
             <a:r>
               <a:rPr lang="en-US" dirty="0"/>
-              <a:t>The location describes how to get this from the parent </a:t>
-            </a:r>
-            <a:r>
-              <a:rPr lang="en-US" dirty="0" smtClean="0"/>
-              <a:t>sequence</a:t>
+              <a:t>The location describes how to get this from the parent sequence</a:t>
             </a:r>
           </a:p>
           <a:p>
@@ -14749,10 +14007,9 @@
           </a:p>
           <a:p>
             <a:r>
-              <a:rPr lang="en-US" dirty="0" smtClean="0"/>
+              <a:rPr lang="en-US" dirty="0"/>
               <a:t> </a:t>
             </a:r>
-            <a:endParaRPr lang="en-US" dirty="0"/>
           </a:p>
           <a:p>
             <a:endParaRPr lang="fr-FR" dirty="0"/>
@@ -14776,7 +14033,7 @@
           <a:p>
             <a:fld id="{15B55508-D6FD-E146-9E0C-7559EF84C510}" type="datetime1">
               <a:rPr lang="fr-FR" smtClean="0"/>
-              <a:t>16/11/16</a:t>
+              <a:t>08/11/2018</a:t>
             </a:fld>
             <a:endParaRPr lang="fr-FR" dirty="0"/>
           </a:p>
@@ -14798,7 +14055,7 @@
           <a:lstStyle/>
           <a:p>
             <a:r>
-              <a:rPr lang="fr-FR" smtClean="0"/>
+              <a:rPr lang="fr-FR"/>
               <a:t>Python pour la biologie</a:t>
             </a:r>
             <a:endParaRPr lang="fr-FR" dirty="0"/>
@@ -14922,14 +14179,10 @@
             </a:r>
             <a:r>
               <a:rPr lang="en-US" sz="1200" dirty="0"/>
-              <a:t> </a:t>
-            </a:r>
-            <a:r>
-              <a:rPr lang="en-US" sz="1200" dirty="0" smtClean="0"/>
-              <a:t>= </a:t>
-            </a:r>
-            <a:r>
-              <a:rPr lang="en-US" sz="1200" dirty="0" err="1" smtClean="0"/>
+              <a:t> = </a:t>
+            </a:r>
+            <a:r>
+              <a:rPr lang="en-US" sz="1200" dirty="0" err="1"/>
               <a:t>Seq</a:t>
             </a:r>
             <a:r>
@@ -15050,16 +14303,11 @@
               <a:rPr lang="en-US" sz="1200" dirty="0"/>
               <a:t>() </a:t>
             </a:r>
-            <a:endParaRPr lang="en-US" sz="1200" dirty="0" smtClean="0"/>
-          </a:p>
-          <a:p>
-            <a:r>
-              <a:rPr lang="en-US" sz="1200" dirty="0" smtClean="0"/>
-              <a:t>&gt;</a:t>
-            </a:r>
+          </a:p>
+          <a:p>
             <a:r>
               <a:rPr lang="en-US" sz="1200" dirty="0"/>
-              <a:t>&gt;&gt; print(</a:t>
+              <a:t>&gt;&gt;&gt; print(</a:t>
             </a:r>
             <a:r>
               <a:rPr lang="en-US" sz="1200" dirty="0" err="1"/>
@@ -15375,23 +14623,7 @@
           <a:p>
             <a:r>
               <a:rPr lang="en-US" dirty="0"/>
-              <a:t>T</a:t>
-            </a:r>
-            <a:r>
-              <a:rPr lang="en-US" dirty="0" smtClean="0"/>
-              <a:t>he </a:t>
-            </a:r>
-            <a:r>
-              <a:rPr lang="en-US" dirty="0"/>
-              <a:t>location </a:t>
-            </a:r>
-            <a:r>
-              <a:rPr lang="en-US" dirty="0" smtClean="0"/>
-              <a:t>describes </a:t>
-            </a:r>
-            <a:r>
-              <a:rPr lang="en-US" dirty="0"/>
-              <a:t>how to get this from the parent sequence</a:t>
+              <a:t>The location describes how to get this from the parent sequence</a:t>
             </a:r>
           </a:p>
           <a:p>
@@ -15608,12 +14840,8 @@
           </a:lstStyle>
           <a:p>
             <a:r>
-              <a:rPr lang="en-US" dirty="0" smtClean="0"/>
-              <a:t>Take </a:t>
-            </a:r>
-            <a:r>
               <a:rPr lang="en-US" dirty="0"/>
-              <a:t>the parent sequence, slice it to extract 5:18, and then take the reverse complement</a:t>
+              <a:t>Take the parent sequence, slice it to extract 5:18, and then take the reverse complement</a:t>
             </a:r>
             <a:endParaRPr lang="fr-FR" dirty="0"/>
           </a:p>
@@ -15827,40 +15055,16 @@
             </a:lvl9pPr>
           </a:lstStyle>
           <a:p>
-            <a:endParaRPr lang="en-US" dirty="0" smtClean="0"/>
-          </a:p>
-          <a:p>
-            <a:r>
-              <a:rPr lang="en-US" dirty="0" err="1" smtClean="0"/>
+            <a:endParaRPr lang="en-US" dirty="0"/>
+          </a:p>
+          <a:p>
+            <a:r>
+              <a:rPr lang="en-US" dirty="0" err="1"/>
               <a:t>SeqFeature</a:t>
             </a:r>
             <a:r>
-              <a:rPr lang="en-US" dirty="0" smtClean="0"/>
-              <a:t> </a:t>
-            </a:r>
-            <a:r>
-              <a:rPr lang="en-US" dirty="0" smtClean="0"/>
-              <a:t>object </a:t>
-            </a:r>
-            <a:r>
               <a:rPr lang="en-US" dirty="0"/>
-              <a:t>has </a:t>
-            </a:r>
-            <a:r>
-              <a:rPr lang="en-US" dirty="0" smtClean="0"/>
-              <a:t>an extract</a:t>
-            </a:r>
-            <a:r>
-              <a:rPr lang="en-US" dirty="0"/>
-              <a:t> </a:t>
-            </a:r>
-            <a:r>
-              <a:rPr lang="en-US" dirty="0" smtClean="0"/>
-              <a:t>method </a:t>
-            </a:r>
-            <a:r>
-              <a:rPr lang="en-US" dirty="0"/>
-              <a:t>to take care of all this</a:t>
+              <a:t> object has an extract method to take care of all this</a:t>
             </a:r>
           </a:p>
           <a:p>
@@ -15915,11 +15119,7 @@
           <a:p>
             <a:r>
               <a:rPr lang="en-US" dirty="0"/>
-              <a:t>Sequence described by a feature or </a:t>
-            </a:r>
-            <a:r>
-              <a:rPr lang="en-US" dirty="0" smtClean="0"/>
-              <a:t>location (2)</a:t>
+              <a:t>Sequence described by a feature or location (2)</a:t>
             </a:r>
             <a:endParaRPr lang="fr-FR" dirty="0"/>
           </a:p>
@@ -15947,27 +15147,15 @@
           <a:p>
             <a:r>
               <a:rPr lang="en-US" dirty="0"/>
-              <a:t>The length of </a:t>
-            </a:r>
-            <a:r>
-              <a:rPr lang="en-US" dirty="0" smtClean="0"/>
-              <a:t>a </a:t>
-            </a:r>
-            <a:r>
-              <a:rPr lang="en-US" dirty="0" err="1" smtClean="0"/>
+              <a:t>The length of a </a:t>
+            </a:r>
+            <a:r>
+              <a:rPr lang="en-US" dirty="0" err="1"/>
               <a:t>SeqFeature</a:t>
             </a:r>
             <a:r>
               <a:rPr lang="en-US" dirty="0"/>
-              <a:t> </a:t>
-            </a:r>
-            <a:r>
-              <a:rPr lang="en-US" dirty="0" smtClean="0"/>
-              <a:t>or </a:t>
-            </a:r>
-            <a:r>
-              <a:rPr lang="en-US" dirty="0"/>
-              <a:t>location matches that of the region of sequence it describes</a:t>
+              <a:t> or location matches that of the region of sequence it describes</a:t>
             </a:r>
           </a:p>
           <a:p>
@@ -15992,7 +15180,7 @@
           <a:p>
             <a:fld id="{C973F3C1-11A8-D04D-95A5-A1A99A6B4EA2}" type="datetime1">
               <a:rPr lang="fr-FR" smtClean="0"/>
-              <a:t>16/11/16</a:t>
+              <a:t>08/11/2018</a:t>
             </a:fld>
             <a:endParaRPr lang="fr-FR" dirty="0"/>
           </a:p>
@@ -16014,7 +15202,7 @@
           <a:lstStyle/>
           <a:p>
             <a:r>
-              <a:rPr lang="fr-FR" smtClean="0"/>
+              <a:rPr lang="fr-FR"/>
               <a:t>Python pour la biologie</a:t>
             </a:r>
             <a:endParaRPr lang="fr-FR" dirty="0"/>
@@ -16421,53 +15609,21 @@
             </a:r>
             <a:r>
               <a:rPr lang="en-US" dirty="0"/>
-              <a:t> objects the length is just the </a:t>
-            </a:r>
-            <a:r>
-              <a:rPr lang="en-US" dirty="0" smtClean="0"/>
-              <a:t>difference </a:t>
-            </a:r>
+              <a:t> objects the length is just the difference between the start and end positions.</a:t>
+            </a:r>
+          </a:p>
+          <a:p>
             <a:r>
               <a:rPr lang="en-US" dirty="0"/>
-              <a:t>between the start and end positions</a:t>
-            </a:r>
-            <a:r>
-              <a:rPr lang="en-US" dirty="0" smtClean="0"/>
-              <a:t>.</a:t>
-            </a:r>
-          </a:p>
-          <a:p>
+              <a:t>For a </a:t>
+            </a:r>
+            <a:r>
+              <a:rPr lang="en-US" dirty="0" err="1"/>
+              <a:t>CompoundLocation</a:t>
+            </a:r>
             <a:r>
               <a:rPr lang="en-US" dirty="0"/>
-              <a:t>F</a:t>
-            </a:r>
-            <a:r>
-              <a:rPr lang="en-US" dirty="0" smtClean="0"/>
-              <a:t>or </a:t>
-            </a:r>
-            <a:r>
-              <a:rPr lang="en-US" dirty="0"/>
-              <a:t>a </a:t>
-            </a:r>
-            <a:r>
-              <a:rPr lang="en-US" dirty="0" err="1" smtClean="0"/>
-              <a:t>CompoundLocation</a:t>
-            </a:r>
-            <a:r>
-              <a:rPr lang="en-US" dirty="0" smtClean="0"/>
-              <a:t> </a:t>
-            </a:r>
-            <a:r>
-              <a:rPr lang="en-US" dirty="0"/>
-              <a:t>objects</a:t>
-            </a:r>
-            <a:r>
-              <a:rPr lang="en-US" dirty="0" smtClean="0"/>
-              <a:t>, </a:t>
-            </a:r>
-            <a:r>
-              <a:rPr lang="en-US" dirty="0"/>
-              <a:t>the length is the sum of the constituent regions</a:t>
+              <a:t> objects, the length is the sum of the constituent regions</a:t>
             </a:r>
           </a:p>
           <a:p>
@@ -16552,20 +15708,12 @@
           <a:lstStyle/>
           <a:p>
             <a:r>
-              <a:rPr lang="en-US" dirty="0" err="1" smtClean="0"/>
+              <a:rPr lang="en-US" dirty="0" err="1"/>
               <a:t>SeqRecord</a:t>
             </a:r>
             <a:r>
               <a:rPr lang="en-US" dirty="0"/>
-              <a:t> </a:t>
-            </a:r>
-            <a:r>
-              <a:rPr lang="en-US" dirty="0" smtClean="0"/>
-              <a:t>objects </a:t>
-            </a:r>
-            <a:r>
-              <a:rPr lang="en-US" dirty="0"/>
-              <a:t>can be very complex, but here's a simple example</a:t>
+              <a:t> objects can be very complex, but here's a simple example</a:t>
             </a:r>
           </a:p>
           <a:p>
@@ -16590,7 +15738,7 @@
           <a:p>
             <a:fld id="{91E3AD9E-7669-5248-BB26-CB9ACFE4FF19}" type="datetime1">
               <a:rPr lang="fr-FR" smtClean="0"/>
-              <a:t>16/11/16</a:t>
+              <a:t>08/11/2018</a:t>
             </a:fld>
             <a:endParaRPr lang="fr-FR" dirty="0"/>
           </a:p>
@@ -16612,7 +15760,7 @@
           <a:lstStyle/>
           <a:p>
             <a:r>
-              <a:rPr lang="fr-FR" smtClean="0"/>
+              <a:rPr lang="fr-FR"/>
               <a:t>Python pour la biologie</a:t>
             </a:r>
             <a:endParaRPr lang="fr-FR" dirty="0"/>
@@ -16712,16 +15860,9 @@
                 <a:latin typeface="Arial"/>
                 <a:cs typeface="Arial"/>
               </a:rPr>
-              <a:t>&gt;&gt;&gt; record2 = SeqRecord(Seq("ACGT"), id="test"</a:t>
-            </a:r>
-            <a:r>
-              <a:rPr lang="mr-IN" sz="1200" dirty="0" smtClean="0">
-                <a:latin typeface="Arial"/>
-                <a:cs typeface="Arial"/>
-              </a:rPr>
-              <a:t>)</a:t>
-            </a:r>
-            <a:endParaRPr lang="fr-FR" sz="1200" dirty="0" smtClean="0">
+              <a:t>&gt;&gt;&gt; record2 = SeqRecord(Seq("ACGT"), id="test")</a:t>
+            </a:r>
+            <a:endParaRPr lang="fr-FR" sz="1200" dirty="0">
               <a:latin typeface="Arial"/>
               <a:cs typeface="Arial"/>
             </a:endParaRPr>
@@ -16732,19 +15873,8 @@
                 <a:latin typeface="Arial"/>
                 <a:cs typeface="Arial"/>
               </a:rPr>
-              <a:t>&gt;&gt;&gt; record1 == </a:t>
-            </a:r>
-            <a:r>
-              <a:rPr lang="mr-IN" sz="1200" dirty="0" smtClean="0">
-                <a:latin typeface="Arial"/>
-                <a:cs typeface="Arial"/>
-              </a:rPr>
-              <a:t>record2</a:t>
-            </a:r>
-            <a:endParaRPr lang="mr-IN" sz="1200" dirty="0">
-              <a:latin typeface="Arial"/>
-              <a:cs typeface="Arial"/>
-            </a:endParaRPr>
+              <a:t>&gt;&gt;&gt; record1 == record2</a:t>
+            </a:r>
           </a:p>
         </p:txBody>
       </p:sp>
@@ -16958,15 +16088,7 @@
           <a:p>
             <a:r>
               <a:rPr lang="en-US" dirty="0"/>
-              <a:t>What happens when you try to compare these </a:t>
-            </a:r>
-            <a:r>
-              <a:rPr lang="en-US" dirty="0" smtClean="0"/>
-              <a:t>“identical</a:t>
-            </a:r>
-            <a:r>
-              <a:rPr lang="en-US" dirty="0"/>
-              <a:t>" records?</a:t>
+              <a:t>What happens when you try to compare these “identical" records?</a:t>
             </a:r>
             <a:endParaRPr lang="fr-FR" dirty="0"/>
           </a:p>
@@ -17181,44 +16303,8 @@
           </a:lstStyle>
           <a:p>
             <a:r>
-              <a:rPr lang="en-US" dirty="0" smtClean="0"/>
-              <a:t>In older </a:t>
-            </a:r>
-            <a:r>
               <a:rPr lang="en-US" dirty="0"/>
-              <a:t>versions of </a:t>
-            </a:r>
-            <a:r>
-              <a:rPr lang="en-US" dirty="0" smtClean="0"/>
-              <a:t>Biopython,  record1 </a:t>
-            </a:r>
-            <a:r>
-              <a:rPr lang="en-US" dirty="0"/>
-              <a:t>== </a:t>
-            </a:r>
-            <a:r>
-              <a:rPr lang="en-US" dirty="0" smtClean="0"/>
-              <a:t>record2 would </a:t>
-            </a:r>
-            <a:r>
-              <a:rPr lang="en-US" dirty="0"/>
-              <a:t>only </a:t>
-            </a:r>
-            <a:r>
-              <a:rPr lang="en-US" dirty="0" smtClean="0"/>
-              <a:t>return true </a:t>
-            </a:r>
-            <a:r>
-              <a:rPr lang="en-US" dirty="0"/>
-              <a:t>if these variables pointed at the </a:t>
-            </a:r>
-            <a:r>
-              <a:rPr lang="en-US" dirty="0" smtClean="0"/>
-              <a:t>same object </a:t>
-            </a:r>
-            <a:r>
-              <a:rPr lang="en-US" dirty="0"/>
-              <a:t>in memory.</a:t>
+              <a:t>In older versions of Biopython,  record1 == record2 would only return true if these variables pointed at the same object in memory.</a:t>
             </a:r>
           </a:p>
           <a:p>
@@ -17276,7 +16362,7 @@
           </a:p>
           <a:p>
             <a:r>
-              <a:rPr lang="fr-FR" sz="1200" dirty="0" smtClean="0">
+              <a:rPr lang="fr-FR" sz="1200" dirty="0">
                 <a:solidFill>
                   <a:srgbClr val="FF0000"/>
                 </a:solidFill>
@@ -17504,18 +16590,9 @@
           </a:lstStyle>
           <a:p>
             <a:r>
-              <a:rPr lang="en-US" dirty="0" smtClean="0"/>
-              <a:t>In Biopython 1.67,</a:t>
-            </a:r>
-            <a:r>
               <a:rPr lang="en-US" dirty="0"/>
-              <a:t> </a:t>
-            </a:r>
-            <a:r>
-              <a:rPr lang="en-US" dirty="0" smtClean="0"/>
-              <a:t>this will raise a exception</a:t>
-            </a:r>
-            <a:endParaRPr lang="en-US" dirty="0"/>
+              <a:t>In Biopython 1.67, this will raise a exception</a:t>
+            </a:r>
           </a:p>
           <a:p>
             <a:endParaRPr lang="fr-FR" dirty="0"/>
@@ -17579,21 +16656,8 @@
                   <a:srgbClr val="FF0000"/>
                 </a:solidFill>
               </a:rPr>
-              <a:t> (most recent call last)</a:t>
-            </a:r>
-            <a:r>
-              <a:rPr lang="en-US" sz="1200" dirty="0" smtClean="0">
-                <a:solidFill>
-                  <a:srgbClr val="FF0000"/>
-                </a:solidFill>
-              </a:rPr>
-              <a:t>:</a:t>
-            </a:r>
-            <a:endParaRPr lang="en-US" sz="1200" dirty="0">
-              <a:solidFill>
-                <a:srgbClr val="FF0000"/>
-              </a:solidFill>
-            </a:endParaRPr>
+              <a:t> (most recent call last):</a:t>
+            </a:r>
           </a:p>
           <a:p>
             <a:r>
@@ -18007,12 +17071,8 @@
           <a:lstStyle/>
           <a:p>
             <a:r>
-              <a:rPr lang="en-US" dirty="0" smtClean="0"/>
-              <a:t>Give </a:t>
-            </a:r>
-            <a:r>
               <a:rPr lang="en-US" dirty="0"/>
-              <a:t>a string containing your record formatted using one of the output le formats supported by </a:t>
+              <a:t>Give a string containing your record formatted using one of the output le formats supported by </a:t>
             </a:r>
             <a:r>
               <a:rPr lang="en-US" dirty="0" err="1"/>
@@ -18048,7 +17108,7 @@
           <a:p>
             <a:fld id="{547AF819-BBC3-A543-8BA9-FA628D21DBBF}" type="datetime1">
               <a:rPr lang="fr-FR" smtClean="0"/>
-              <a:t>16/11/16</a:t>
+              <a:t>08/11/2018</a:t>
             </a:fld>
             <a:endParaRPr lang="fr-FR" dirty="0"/>
           </a:p>
@@ -18070,7 +17130,7 @@
           <a:lstStyle/>
           <a:p>
             <a:r>
-              <a:rPr lang="fr-FR" smtClean="0"/>
+              <a:rPr lang="fr-FR"/>
               <a:t>Python pour la biologie</a:t>
             </a:r>
             <a:endParaRPr lang="fr-FR" dirty="0"/>
@@ -18297,11 +17357,7 @@
             </a:r>
             <a:r>
               <a:rPr lang="en-US" sz="1200" dirty="0"/>
-              <a:t>")</a:t>
-            </a:r>
-            <a:r>
-              <a:rPr lang="en-US" sz="1200" dirty="0" smtClean="0"/>
-              <a:t>)</a:t>
+              <a:t>"))</a:t>
             </a:r>
           </a:p>
           <a:p>
@@ -18394,18 +17450,13 @@
           </a:p>
           <a:p>
             <a:r>
-              <a:rPr lang="en-US" sz="1200" dirty="0" smtClean="0">
+              <a:rPr lang="en-US" sz="1200" dirty="0">
                 <a:solidFill>
                   <a:srgbClr val="FF0000"/>
                 </a:solidFill>
               </a:rPr>
               <a:t>SSAC</a:t>
             </a:r>
-            <a:endParaRPr lang="en-US" sz="1200" dirty="0">
-              <a:solidFill>
-                <a:srgbClr val="FF0000"/>
-              </a:solidFill>
-            </a:endParaRPr>
           </a:p>
         </p:txBody>
       </p:sp>
@@ -18447,18 +17498,18 @@
           </a:lstStyle>
           <a:p>
             <a:r>
-              <a:rPr lang="en-US" sz="1200" dirty="0" smtClean="0"/>
+              <a:rPr lang="en-US" sz="1200" dirty="0"/>
               <a:t>&gt;&gt;&gt; </a:t>
             </a:r>
             <a:r>
-              <a:rPr lang="en-US" sz="1200" dirty="0" err="1" smtClean="0"/>
+              <a:rPr lang="en-US" sz="1200" dirty="0" err="1"/>
               <a:t>my_location.nofuzzy_start</a:t>
             </a:r>
-            <a:endParaRPr lang="en-US" sz="1200" dirty="0" smtClean="0"/>
-          </a:p>
-          <a:p>
-            <a:r>
-              <a:rPr lang="en-US" sz="1200" dirty="0" smtClean="0">
+            <a:endParaRPr lang="en-US" sz="1200" dirty="0"/>
+          </a:p>
+          <a:p>
+            <a:r>
+              <a:rPr lang="en-US" sz="1200" dirty="0">
                 <a:solidFill>
                   <a:srgbClr val="FF0000"/>
                 </a:solidFill>
@@ -18468,29 +17519,24 @@
           </a:p>
           <a:p>
             <a:r>
-              <a:rPr lang="en-US" sz="1200" dirty="0" smtClean="0"/>
+              <a:rPr lang="en-US" sz="1200" dirty="0"/>
               <a:t>&gt;&gt;&gt; </a:t>
             </a:r>
             <a:r>
-              <a:rPr lang="en-US" sz="1200" dirty="0" err="1" smtClean="0"/>
+              <a:rPr lang="en-US" sz="1200" dirty="0" err="1"/>
               <a:t>my_location.nofuzzy_end</a:t>
             </a:r>
-            <a:endParaRPr lang="en-US" sz="1200" dirty="0" smtClean="0"/>
-          </a:p>
-          <a:p>
-            <a:r>
-              <a:rPr lang="en-US" sz="1200" dirty="0" smtClean="0">
+            <a:endParaRPr lang="en-US" sz="1200" dirty="0"/>
+          </a:p>
+          <a:p>
+            <a:r>
+              <a:rPr lang="en-US" sz="1200" dirty="0">
                 <a:solidFill>
                   <a:srgbClr val="FF0000"/>
                 </a:solidFill>
               </a:rPr>
               <a:t>9</a:t>
             </a:r>
-            <a:endParaRPr lang="en-US" sz="1200" dirty="0">
-              <a:solidFill>
-                <a:srgbClr val="FF0000"/>
-              </a:solidFill>
-            </a:endParaRPr>
           </a:p>
         </p:txBody>
       </p:sp>
@@ -18573,43 +17619,23 @@
           <a:p>
             <a:r>
               <a:rPr lang="en-US" dirty="0"/>
-              <a:t>S</a:t>
-            </a:r>
-            <a:r>
-              <a:rPr lang="en-US" dirty="0" smtClean="0"/>
-              <a:t>lice a </a:t>
-            </a:r>
-            <a:r>
-              <a:rPr lang="en-US" dirty="0" err="1" smtClean="0"/>
+              <a:t>Slice a </a:t>
+            </a:r>
+            <a:r>
+              <a:rPr lang="en-US" dirty="0" err="1"/>
               <a:t>SeqRecord</a:t>
             </a:r>
             <a:r>
-              <a:rPr lang="en-US" dirty="0" smtClean="0"/>
-              <a:t> </a:t>
-            </a:r>
-            <a:r>
               <a:rPr lang="en-US" dirty="0"/>
-              <a:t>to give you a </a:t>
-            </a:r>
-            <a:r>
-              <a:rPr lang="en-US" dirty="0" smtClean="0"/>
-              <a:t>new </a:t>
-            </a:r>
-            <a:r>
-              <a:rPr lang="en-US" dirty="0" err="1" smtClean="0"/>
+              <a:t> to give you a new </a:t>
+            </a:r>
+            <a:r>
+              <a:rPr lang="en-US" dirty="0" err="1"/>
               <a:t>SeqRecord</a:t>
             </a:r>
             <a:r>
               <a:rPr lang="en-US" dirty="0"/>
-              <a:t> </a:t>
-            </a:r>
-            <a:r>
-              <a:rPr lang="en-US" dirty="0" smtClean="0"/>
-              <a:t>covering </a:t>
-            </a:r>
-            <a:r>
-              <a:rPr lang="en-US" dirty="0"/>
-              <a:t>just part of the sequence</a:t>
+              <a:t> covering just part of the sequence</a:t>
             </a:r>
           </a:p>
           <a:p>
@@ -18634,7 +17660,7 @@
           <a:p>
             <a:fld id="{91E3AD9E-7669-5248-BB26-CB9ACFE4FF19}" type="datetime1">
               <a:rPr lang="fr-FR" smtClean="0"/>
-              <a:t>16/11/16</a:t>
+              <a:t>08/11/2018</a:t>
             </a:fld>
             <a:endParaRPr lang="fr-FR" dirty="0"/>
           </a:p>
@@ -18656,7 +17682,7 @@
           <a:lstStyle/>
           <a:p>
             <a:r>
-              <a:rPr lang="fr-FR" smtClean="0"/>
+              <a:rPr lang="fr-FR"/>
               <a:t>Python pour la biologie</a:t>
             </a:r>
             <a:endParaRPr lang="fr-FR" dirty="0"/>
@@ -19174,29 +18200,13 @@
           <a:p>
             <a:r>
               <a:rPr lang="en-US" dirty="0"/>
-              <a:t>A</a:t>
-            </a:r>
-            <a:r>
-              <a:rPr lang="en-US" dirty="0" smtClean="0"/>
-              <a:t>ny </a:t>
-            </a:r>
+              <a:t>Any per-letter annotations are also sliced !! </a:t>
+            </a:r>
+          </a:p>
+          <a:p>
             <a:r>
               <a:rPr lang="en-US" dirty="0"/>
-              <a:t>per-letter annotations are also </a:t>
-            </a:r>
-            <a:r>
-              <a:rPr lang="en-US" dirty="0" smtClean="0"/>
-              <a:t>sliced !! </a:t>
-            </a:r>
-          </a:p>
-          <a:p>
-            <a:r>
-              <a:rPr lang="en-US" dirty="0" smtClean="0"/>
-              <a:t>Any features, completely </a:t>
-            </a:r>
-            <a:r>
-              <a:rPr lang="en-US" dirty="0"/>
-              <a:t>within the new sequence are preserved (with their locations adjusted).</a:t>
+              <a:t>Any features, completely within the new sequence are preserved (with their locations adjusted).</a:t>
             </a:r>
           </a:p>
           <a:p>
@@ -19257,11 +18267,11 @@
               <a:t>Slicing a </a:t>
             </a:r>
             <a:r>
-              <a:rPr lang="en-US" dirty="0" err="1" smtClean="0"/>
+              <a:rPr lang="en-US" dirty="0" err="1"/>
               <a:t>SeqRecord</a:t>
             </a:r>
             <a:r>
-              <a:rPr lang="en-US" dirty="0" smtClean="0"/>
+              <a:rPr lang="en-US" dirty="0"/>
               <a:t> (2)</a:t>
             </a:r>
             <a:endParaRPr lang="fr-FR" dirty="0"/>
@@ -19289,54 +18299,38 @@
           <a:lstStyle/>
           <a:p>
             <a:r>
-              <a:rPr lang="en-US" dirty="0" smtClean="0"/>
-              <a:t>Focus </a:t>
-            </a:r>
-            <a:r>
               <a:rPr lang="en-US" dirty="0"/>
-              <a:t>in on </a:t>
-            </a:r>
-            <a:r>
-              <a:rPr lang="en-US" dirty="0" smtClean="0"/>
-              <a:t>the </a:t>
-            </a:r>
-            <a:r>
-              <a:rPr lang="en-US" dirty="0" err="1" smtClean="0"/>
+              <a:t>Focus in on the </a:t>
+            </a:r>
+            <a:r>
+              <a:rPr lang="en-US" dirty="0" err="1"/>
               <a:t>pim</a:t>
             </a:r>
             <a:r>
               <a:rPr lang="en-US" dirty="0"/>
-              <a:t> </a:t>
-            </a:r>
-            <a:r>
-              <a:rPr lang="en-US" dirty="0" smtClean="0"/>
-              <a:t>gene, YP_pPCP05</a:t>
-            </a:r>
-          </a:p>
-          <a:p>
-            <a:r>
-              <a:rPr lang="en-US" dirty="0" smtClean="0"/>
+              <a:t> gene, YP_pPCP05</a:t>
+            </a:r>
+          </a:p>
+          <a:p>
+            <a:r>
+              <a:rPr lang="en-US" dirty="0"/>
               <a:t>In </a:t>
             </a:r>
             <a:r>
-              <a:rPr lang="en-US" dirty="0" err="1" smtClean="0"/>
+              <a:rPr lang="en-US" dirty="0" err="1"/>
               <a:t>genbank</a:t>
             </a:r>
             <a:r>
-              <a:rPr lang="en-US" dirty="0" smtClean="0"/>
+              <a:rPr lang="en-US" dirty="0"/>
               <a:t> file, </a:t>
             </a:r>
             <a:r>
-              <a:rPr lang="en-US" dirty="0" err="1" smtClean="0"/>
+              <a:rPr lang="en-US" dirty="0" err="1"/>
               <a:t>ge</a:t>
             </a:r>
             <a:r>
-              <a:rPr lang="pt-BR" dirty="0" smtClean="0"/>
-              <a:t>ne</a:t>
-            </a:r>
-            <a:r>
               <a:rPr lang="pt-BR" dirty="0"/>
-              <a:t>/CDS </a:t>
+              <a:t>ne/CDS </a:t>
             </a:r>
             <a:r>
               <a:rPr lang="pt-BR" dirty="0" err="1"/>
@@ -19355,52 +18349,19 @@
               <a:t> </a:t>
             </a:r>
             <a:r>
-              <a:rPr lang="pt-BR" dirty="0" err="1" smtClean="0"/>
+              <a:rPr lang="pt-BR" dirty="0" err="1"/>
               <a:t>string</a:t>
             </a:r>
             <a:r>
               <a:rPr lang="pt-BR" dirty="0"/>
-              <a:t> </a:t>
-            </a:r>
-            <a:r>
-              <a:rPr lang="pt-BR" dirty="0" smtClean="0"/>
-              <a:t>[4343</a:t>
-            </a:r>
-            <a:r>
-              <a:rPr lang="pt-BR" dirty="0"/>
-              <a:t>..</a:t>
-            </a:r>
-            <a:r>
-              <a:rPr lang="pt-BR" dirty="0" smtClean="0"/>
-              <a:t>4780]</a:t>
+              <a:t> [4343..4780]</a:t>
             </a:r>
           </a:p>
           <a:p>
             <a:r>
               <a:rPr lang="en-US" dirty="0"/>
-              <a:t>I</a:t>
-            </a:r>
-            <a:r>
-              <a:rPr lang="en-US" dirty="0" smtClean="0"/>
-              <a:t>n </a:t>
-            </a:r>
-            <a:r>
-              <a:rPr lang="en-US" dirty="0"/>
-              <a:t>Python </a:t>
-            </a:r>
-            <a:r>
-              <a:rPr lang="en-US" dirty="0" smtClean="0"/>
-              <a:t>counting [4342</a:t>
-            </a:r>
-            <a:r>
-              <a:rPr lang="en-US" dirty="0"/>
-              <a:t>:</a:t>
-            </a:r>
-            <a:r>
-              <a:rPr lang="en-US" dirty="0" smtClean="0"/>
-              <a:t>4780]</a:t>
-            </a:r>
-            <a:endParaRPr lang="en-US" dirty="0"/>
+              <a:t>In Python counting [4342:4780]</a:t>
+            </a:r>
           </a:p>
           <a:p>
             <a:endParaRPr lang="pt-BR" dirty="0"/>
@@ -19430,7 +18391,7 @@
           <a:p>
             <a:fld id="{91E3AD9E-7669-5248-BB26-CB9ACFE4FF19}" type="datetime1">
               <a:rPr lang="fr-FR" smtClean="0"/>
-              <a:t>16/11/16</a:t>
+              <a:t>08/11/2018</a:t>
             </a:fld>
             <a:endParaRPr lang="fr-FR" dirty="0"/>
           </a:p>
@@ -19452,7 +18413,7 @@
           <a:lstStyle/>
           <a:p>
             <a:r>
-              <a:rPr lang="fr-FR" smtClean="0"/>
+              <a:rPr lang="fr-FR"/>
               <a:t>Python pour la biologie</a:t>
             </a:r>
             <a:endParaRPr lang="fr-FR" dirty="0"/>
@@ -20008,11 +18969,7 @@
             </a:r>
             <a:r>
               <a:rPr lang="en-US" dirty="0"/>
-              <a:t> </a:t>
-            </a:r>
-            <a:r>
-              <a:rPr lang="en-US" dirty="0" smtClean="0"/>
-              <a:t>(3)</a:t>
+              <a:t> (3)</a:t>
             </a:r>
             <a:endParaRPr lang="fr-FR" dirty="0"/>
           </a:p>
@@ -20039,12 +18996,8 @@
           <a:lstStyle/>
           <a:p>
             <a:r>
-              <a:rPr lang="en-US" dirty="0" smtClean="0"/>
-              <a:t>Slice </a:t>
-            </a:r>
-            <a:r>
               <a:rPr lang="en-US" dirty="0"/>
-              <a:t>this parent record from 4300 to 4800</a:t>
+              <a:t>Slice this parent record from 4300 to 4800</a:t>
             </a:r>
             <a:endParaRPr lang="fr-FR" dirty="0"/>
           </a:p>
@@ -20067,7 +19020,7 @@
           <a:p>
             <a:fld id="{91E3AD9E-7669-5248-BB26-CB9ACFE4FF19}" type="datetime1">
               <a:rPr lang="fr-FR" smtClean="0"/>
-              <a:t>16/11/16</a:t>
+              <a:t>08/11/2018</a:t>
             </a:fld>
             <a:endParaRPr lang="fr-FR" dirty="0"/>
           </a:p>
@@ -20089,7 +19042,7 @@
           <a:lstStyle/>
           <a:p>
             <a:r>
-              <a:rPr lang="fr-FR" smtClean="0"/>
+              <a:rPr lang="fr-FR"/>
               <a:t>Python pour la biologie</a:t>
             </a:r>
             <a:endParaRPr lang="fr-FR" dirty="0"/>
@@ -20858,28 +19811,12 @@
           <a:lstStyle/>
           <a:p>
             <a:r>
-              <a:rPr lang="en-US" dirty="0" smtClean="0"/>
-              <a:t>Locations </a:t>
-            </a:r>
-            <a:r>
               <a:rPr lang="en-US" dirty="0"/>
-              <a:t>have been adjusted to </a:t>
-            </a:r>
-            <a:r>
-              <a:rPr lang="en-US" dirty="0" smtClean="0"/>
-              <a:t>reflect </a:t>
-            </a:r>
-            <a:r>
-              <a:rPr lang="en-US" dirty="0"/>
-              <a:t>the new parent sequence</a:t>
-            </a:r>
-            <a:r>
-              <a:rPr lang="en-US" dirty="0" smtClean="0"/>
-              <a:t>!</a:t>
-            </a:r>
-          </a:p>
-          <a:p>
-            <a:endParaRPr lang="en-US" dirty="0" smtClean="0"/>
+              <a:t>Locations have been adjusted to reflect the new parent sequence!</a:t>
+            </a:r>
+          </a:p>
+          <a:p>
+            <a:endParaRPr lang="en-US" dirty="0"/>
           </a:p>
           <a:p>
             <a:endParaRPr lang="fr-FR" dirty="0"/>
@@ -20903,7 +19840,7 @@
           <a:p>
             <a:fld id="{91E3AD9E-7669-5248-BB26-CB9ACFE4FF19}" type="datetime1">
               <a:rPr lang="fr-FR" smtClean="0"/>
-              <a:t>16/11/16</a:t>
+              <a:t>08/11/2018</a:t>
             </a:fld>
             <a:endParaRPr lang="fr-FR" dirty="0"/>
           </a:p>
@@ -20925,7 +19862,7 @@
           <a:lstStyle/>
           <a:p>
             <a:r>
-              <a:rPr lang="fr-FR" smtClean="0"/>
+              <a:rPr lang="fr-FR"/>
               <a:t>Python pour la biologie</a:t>
             </a:r>
             <a:endParaRPr lang="fr-FR" dirty="0"/>
@@ -21513,13 +20450,8 @@
             </a:r>
             <a:r>
               <a:rPr lang="en-US" dirty="0"/>
-              <a:t> are omitted from the sub-</a:t>
-            </a:r>
-            <a:r>
-              <a:rPr lang="en-US" dirty="0" smtClean="0"/>
-              <a:t>record !! </a:t>
-            </a:r>
-            <a:endParaRPr lang="en-US" dirty="0"/>
+              <a:t> are omitted from the sub-record !! </a:t>
+            </a:r>
           </a:p>
         </p:txBody>
       </p:sp>
@@ -21546,58 +20478,9 @@
           <a:lstStyle/>
           <a:p>
             <a:r>
-              <a:rPr lang="en-US" dirty="0" smtClean="0"/>
-              <a:t>Record</a:t>
-            </a:r>
-            <a:r>
               <a:rPr lang="en-US" dirty="0"/>
-              <a:t> </a:t>
-            </a:r>
-            <a:r>
-              <a:rPr lang="en-US" dirty="0" smtClean="0"/>
-              <a:t>id,</a:t>
-            </a:r>
-            <a:r>
-              <a:rPr lang="en-US" dirty="0"/>
-              <a:t> </a:t>
-            </a:r>
-            <a:r>
-              <a:rPr lang="en-US" dirty="0" smtClean="0"/>
-              <a:t>name</a:t>
-            </a:r>
-            <a:r>
-              <a:rPr lang="en-US" dirty="0"/>
-              <a:t> </a:t>
-            </a:r>
-            <a:r>
-              <a:rPr lang="en-US" dirty="0" smtClean="0"/>
-              <a:t>and</a:t>
-            </a:r>
-            <a:r>
-              <a:rPr lang="en-US" dirty="0"/>
-              <a:t> </a:t>
-            </a:r>
-            <a:r>
-              <a:rPr lang="en-US" dirty="0" smtClean="0"/>
-              <a:t>description</a:t>
-            </a:r>
-            <a:r>
-              <a:rPr lang="en-US" dirty="0"/>
-              <a:t> </a:t>
-            </a:r>
-            <a:r>
-              <a:rPr lang="en-US" dirty="0" smtClean="0"/>
-              <a:t>are preserved</a:t>
-            </a:r>
-            <a:r>
-              <a:rPr lang="en-US" dirty="0"/>
-              <a:t> </a:t>
-            </a:r>
-            <a:r>
-              <a:rPr lang="en-US" dirty="0" smtClean="0"/>
-              <a:t>!! </a:t>
-            </a:r>
-            <a:endParaRPr lang="en-US" dirty="0"/>
+              <a:t>Record id, name and description are preserved !! </a:t>
+            </a:r>
           </a:p>
         </p:txBody>
       </p:sp>
@@ -21711,57 +20594,40 @@
           <a:lstStyle/>
           <a:p>
             <a:r>
-              <a:rPr lang="fr-FR" dirty="0" smtClean="0"/>
-              <a:t>A</a:t>
-            </a:r>
-            <a:r>
-              <a:rPr lang="en-US" dirty="0" smtClean="0"/>
-              <a:t>dd </a:t>
-            </a:r>
-            <a:r>
-              <a:rPr lang="en-US" dirty="0" err="1" smtClean="0"/>
-              <a:t>SeqRecord</a:t>
-            </a:r>
-            <a:r>
-              <a:rPr lang="en-US" dirty="0"/>
-              <a:t> </a:t>
-            </a:r>
-            <a:r>
-              <a:rPr lang="en-US" dirty="0" smtClean="0"/>
-              <a:t>objects </a:t>
-            </a:r>
-            <a:r>
-              <a:rPr lang="en-US" dirty="0"/>
-              <a:t>together, giving a </a:t>
-            </a:r>
-            <a:r>
-              <a:rPr lang="en-US" dirty="0" smtClean="0"/>
-              <a:t>new </a:t>
-            </a:r>
-            <a:r>
-              <a:rPr lang="en-US" dirty="0" err="1" smtClean="0"/>
-              <a:t>SeqRecord</a:t>
-            </a:r>
-            <a:endParaRPr lang="en-US" dirty="0" smtClean="0"/>
-          </a:p>
-          <a:p>
-            <a:r>
               <a:rPr lang="fr-FR" dirty="0"/>
               <a:t>A</a:t>
             </a:r>
             <a:r>
+              <a:rPr lang="en-US" dirty="0"/>
+              <a:t>dd </a:t>
+            </a:r>
+            <a:r>
+              <a:rPr lang="en-US" dirty="0" err="1"/>
+              <a:t>SeqRecord</a:t>
+            </a:r>
+            <a:r>
+              <a:rPr lang="en-US" dirty="0"/>
+              <a:t> objects together, giving a new </a:t>
+            </a:r>
+            <a:r>
+              <a:rPr lang="en-US" dirty="0" err="1"/>
+              <a:t>SeqRecord</a:t>
+            </a:r>
+            <a:endParaRPr lang="en-US" dirty="0"/>
+          </a:p>
+          <a:p>
+            <a:r>
+              <a:rPr lang="fr-FR" dirty="0"/>
+              <a:t>A</a:t>
+            </a:r>
+            <a:r>
               <a:rPr lang="en-US" dirty="0" err="1"/>
               <a:t>ny</a:t>
             </a:r>
             <a:r>
               <a:rPr lang="en-US" dirty="0"/>
-              <a:t> common per-letter annotations are also </a:t>
-            </a:r>
-            <a:r>
-              <a:rPr lang="en-US" dirty="0" smtClean="0"/>
-              <a:t>added </a:t>
-            </a:r>
-            <a:endParaRPr lang="en-US" dirty="0"/>
+              <a:t> common per-letter annotations are also added </a:t>
+            </a:r>
           </a:p>
           <a:p>
             <a:r>
@@ -21784,7 +20650,7 @@
             </a:r>
           </a:p>
           <a:p>
-            <a:endParaRPr lang="en-US" dirty="0" smtClean="0"/>
+            <a:endParaRPr lang="en-US" dirty="0"/>
           </a:p>
           <a:p>
             <a:endParaRPr lang="en-US" dirty="0"/>
@@ -21811,7 +20677,7 @@
           <a:p>
             <a:fld id="{91E3AD9E-7669-5248-BB26-CB9ACFE4FF19}" type="datetime1">
               <a:rPr lang="fr-FR" smtClean="0"/>
-              <a:t>16/11/16</a:t>
+              <a:t>08/11/2018</a:t>
             </a:fld>
             <a:endParaRPr lang="fr-FR" dirty="0"/>
           </a:p>
@@ -21833,7 +20699,7 @@
           <a:lstStyle/>
           <a:p>
             <a:r>
-              <a:rPr lang="fr-FR" smtClean="0"/>
+              <a:rPr lang="fr-FR"/>
               <a:t>Python pour la biologie</a:t>
             </a:r>
             <a:endParaRPr lang="fr-FR" dirty="0"/>
@@ -22164,11 +21030,7 @@
             </a:r>
             <a:r>
               <a:rPr lang="en-US" dirty="0"/>
-              <a:t> </a:t>
-            </a:r>
-            <a:r>
-              <a:rPr lang="en-US" dirty="0" smtClean="0"/>
-              <a:t>class from </a:t>
+              <a:t> class from </a:t>
             </a:r>
             <a:r>
               <a:rPr lang="en-US" dirty="0" err="1"/>
@@ -22196,169 +21058,113 @@
             <a:pPr algn="just"/>
             <a:r>
               <a:rPr lang="en-US" dirty="0"/>
-              <a:t>A</a:t>
-            </a:r>
-            <a:r>
-              <a:rPr lang="en-US" dirty="0" smtClean="0"/>
-              <a:t>llows </a:t>
+              <a:t>Allows higher level features such as identifiers and features (as </a:t>
+            </a:r>
+            <a:r>
+              <a:rPr lang="en-US" dirty="0" err="1"/>
+              <a:t>SeqFeature</a:t>
             </a:r>
             <a:r>
               <a:rPr lang="en-US" dirty="0"/>
-              <a:t>higher level features such </a:t>
-            </a:r>
-            <a:r>
-              <a:rPr lang="en-US" dirty="0" smtClean="0"/>
-              <a:t>as identifiers </a:t>
+              <a:t> objects) to be associated with the sequence, and is used throughout the sequence input/output interface </a:t>
+            </a:r>
+            <a:r>
+              <a:rPr lang="en-US" dirty="0" err="1"/>
+              <a:t>Bio.SeqIO</a:t>
             </a:r>
             <a:r>
               <a:rPr lang="en-US" dirty="0"/>
-              <a:t>and features (</a:t>
-            </a:r>
-            <a:r>
-              <a:rPr lang="en-US" dirty="0" smtClean="0"/>
-              <a:t>as </a:t>
-            </a:r>
-            <a:r>
-              <a:rPr lang="en-US" dirty="0" err="1" smtClean="0"/>
+              <a:t> described later.</a:t>
+            </a:r>
+          </a:p>
+          <a:p>
+            <a:pPr algn="just"/>
+            <a:endParaRPr lang="en-US" dirty="0"/>
+          </a:p>
+          <a:p>
+            <a:pPr algn="just"/>
+            <a:r>
+              <a:rPr lang="en-US" dirty="0"/>
+              <a:t>Using richly annotated sequence data, say from </a:t>
+            </a:r>
+            <a:r>
+              <a:rPr lang="en-US" dirty="0" err="1"/>
+              <a:t>GenBank</a:t>
+            </a:r>
+            <a:r>
+              <a:rPr lang="en-US" dirty="0"/>
+              <a:t> or EMBL files,</a:t>
+            </a:r>
+          </a:p>
+          <a:p>
+            <a:pPr algn="just"/>
+            <a:endParaRPr lang="en-US" dirty="0"/>
+          </a:p>
+          <a:p>
+            <a:pPr algn="just"/>
+            <a:r>
+              <a:rPr lang="en-US" dirty="0"/>
+              <a:t>Cover most things to do with the </a:t>
+            </a:r>
+            <a:r>
+              <a:rPr lang="en-US" dirty="0" err="1"/>
+              <a:t>SeqRecord</a:t>
+            </a:r>
+            <a:r>
+              <a:rPr lang="en-US" dirty="0"/>
+              <a:t> and </a:t>
+            </a:r>
+            <a:r>
+              <a:rPr lang="en-US" dirty="0" err="1"/>
               <a:t>SeqFeature</a:t>
             </a:r>
             <a:r>
               <a:rPr lang="en-US" dirty="0"/>
-              <a:t> </a:t>
-            </a:r>
-            <a:r>
-              <a:rPr lang="en-US" dirty="0" smtClean="0"/>
-              <a:t>objects</a:t>
-            </a:r>
+              <a:t> objects</a:t>
+            </a:r>
+          </a:p>
+          <a:p>
+            <a:pPr algn="just"/>
+            <a:endParaRPr lang="en-US" dirty="0"/>
+          </a:p>
+          <a:p>
+            <a:pPr algn="just"/>
             <a:r>
               <a:rPr lang="en-US" dirty="0"/>
-              <a:t>) to be associated with the sequence, and is used </a:t>
-            </a:r>
-            <a:r>
-              <a:rPr lang="en-US" dirty="0" smtClean="0"/>
-              <a:t>throughout the </a:t>
+              <a:t>Read the </a:t>
+            </a:r>
+            <a:r>
+              <a:rPr lang="en-US" dirty="0" err="1"/>
+              <a:t>SeqRecord</a:t>
             </a:r>
             <a:r>
               <a:rPr lang="en-US" dirty="0"/>
-              <a:t>sequence input/output </a:t>
-            </a:r>
-            <a:r>
-              <a:rPr lang="en-US" dirty="0" smtClean="0"/>
-              <a:t>interface </a:t>
-            </a:r>
-            <a:r>
-              <a:rPr lang="en-US" dirty="0" err="1" smtClean="0"/>
-              <a:t>Bio.SeqIO</a:t>
+              <a:t> wiki page (</a:t>
+            </a:r>
+            <a:r>
+              <a:rPr lang="en-US" dirty="0">
+                <a:hlinkClick r:id="rId2"/>
+              </a:rPr>
+              <a:t>http://biopython.org/wiki/SeqRecord</a:t>
             </a:r>
             <a:r>
               <a:rPr lang="en-US" dirty="0"/>
-              <a:t> </a:t>
-            </a:r>
-            <a:r>
-              <a:rPr lang="en-US" dirty="0" smtClean="0"/>
-              <a:t>described later.</a:t>
-            </a:r>
-          </a:p>
-          <a:p>
-            <a:pPr algn="just"/>
-            <a:endParaRPr lang="en-US" dirty="0" smtClean="0"/>
-          </a:p>
-          <a:p>
-            <a:pPr algn="just"/>
-            <a:r>
-              <a:rPr lang="en-US" dirty="0" smtClean="0"/>
-              <a:t>Using </a:t>
-            </a:r>
-            <a:r>
-              <a:rPr lang="en-US" dirty="0" smtClean="0"/>
-              <a:t>richly annotated sequence data, say from </a:t>
-            </a:r>
-            <a:r>
-              <a:rPr lang="en-US" dirty="0" err="1" smtClean="0"/>
-              <a:t>GenBank</a:t>
-            </a:r>
-            <a:r>
-              <a:rPr lang="en-US" dirty="0" smtClean="0"/>
-              <a:t> or EMBL files,</a:t>
-            </a:r>
-          </a:p>
-          <a:p>
-            <a:pPr algn="just"/>
-            <a:endParaRPr lang="en-US" dirty="0" smtClean="0"/>
-          </a:p>
-          <a:p>
-            <a:pPr algn="just"/>
-            <a:r>
-              <a:rPr lang="en-US" dirty="0" smtClean="0"/>
-              <a:t>Cover </a:t>
-            </a:r>
-            <a:r>
-              <a:rPr lang="en-US" dirty="0" smtClean="0"/>
-              <a:t>most things to do with the </a:t>
-            </a:r>
-            <a:r>
-              <a:rPr lang="en-US" dirty="0" err="1" smtClean="0"/>
+              <a:t>), and the built in documentation (also online </a:t>
+            </a:r>
+            <a:r>
+              <a:rPr lang="en-US" dirty="0" err="1"/>
               <a:t>SeqRecord</a:t>
             </a:r>
             <a:r>
-              <a:rPr lang="en-US" dirty="0" smtClean="0"/>
+              <a:rPr lang="en-US" dirty="0"/>
               <a:t> and </a:t>
             </a:r>
             <a:r>
-              <a:rPr lang="en-US" dirty="0" err="1" smtClean="0"/>
+              <a:rPr lang="en-US" dirty="0" err="1"/>
               <a:t>SeqFeature</a:t>
             </a:r>
             <a:r>
-              <a:rPr lang="en-US" dirty="0" smtClean="0"/>
-              <a:t> objects</a:t>
-            </a:r>
-          </a:p>
-          <a:p>
-            <a:pPr algn="just"/>
-            <a:endParaRPr lang="en-US" dirty="0" smtClean="0"/>
-          </a:p>
-          <a:p>
-            <a:pPr algn="just"/>
-            <a:r>
-              <a:rPr lang="en-US" dirty="0" smtClean="0"/>
-              <a:t>Read </a:t>
-            </a:r>
-            <a:r>
-              <a:rPr lang="en-US" dirty="0" smtClean="0"/>
-              <a:t>the </a:t>
-            </a:r>
-            <a:r>
-              <a:rPr lang="en-US" dirty="0" err="1" smtClean="0"/>
-              <a:t>SeqRecord</a:t>
-            </a:r>
-            <a:r>
-              <a:rPr lang="en-US" dirty="0" smtClean="0"/>
-              <a:t> wiki page (</a:t>
-            </a:r>
-            <a:r>
-              <a:rPr lang="en-US" dirty="0" smtClean="0">
-                <a:hlinkClick r:id="rId2"/>
-              </a:rPr>
-              <a:t>http://biopython.org/wiki/SeqRecord</a:t>
-            </a:r>
-            <a:r>
-              <a:rPr lang="en-US" dirty="0" smtClean="0"/>
-              <a:t>), and the built in documentation (also online </a:t>
-            </a:r>
-            <a:r>
-              <a:rPr lang="en-US" dirty="0" err="1" smtClean="0"/>
-              <a:t>SeqRecord</a:t>
-            </a:r>
-            <a:r>
-              <a:rPr lang="en-US" dirty="0" smtClean="0"/>
-              <a:t> and </a:t>
-            </a:r>
-            <a:r>
-              <a:rPr lang="en-US" dirty="0" err="1" smtClean="0"/>
-              <a:t>SeqFeature</a:t>
-            </a:r>
-            <a:r>
-              <a:rPr lang="en-US" dirty="0" smtClean="0"/>
+              <a:rPr lang="en-US" dirty="0"/>
               <a:t>)</a:t>
             </a:r>
           </a:p>
@@ -22384,7 +21190,7 @@
           <a:p>
             <a:fld id="{3A313E42-2034-0C4C-90FA-CC733141D71F}" type="datetime1">
               <a:rPr lang="fr-FR" smtClean="0"/>
-              <a:t>16/11/16</a:t>
+              <a:t>08/11/2018</a:t>
             </a:fld>
             <a:endParaRPr lang="fr-FR" dirty="0"/>
           </a:p>
@@ -22406,7 +21212,7 @@
           <a:lstStyle/>
           <a:p>
             <a:r>
-              <a:rPr lang="fr-FR" smtClean="0"/>
+              <a:rPr lang="fr-FR"/>
               <a:t>Python pour la biologie</a:t>
             </a:r>
             <a:endParaRPr lang="fr-FR" dirty="0"/>
@@ -22604,7 +21410,7 @@
               <a:t> </a:t>
             </a:r>
             <a:r>
-              <a:rPr lang="fr-FR" dirty="0" err="1" smtClean="0">
+              <a:rPr lang="fr-FR" dirty="0" err="1">
                 <a:solidFill>
                   <a:schemeClr val="bg1"/>
                 </a:solidFill>
@@ -22615,7 +21421,7 @@
               <a:t>objects</a:t>
             </a:r>
             <a:r>
-              <a:rPr lang="fr-FR" dirty="0" smtClean="0">
+              <a:rPr lang="fr-FR" dirty="0">
                 <a:solidFill>
                   <a:schemeClr val="bg1"/>
                 </a:solidFill>
@@ -22655,41 +21461,16 @@
           <a:p>
             <a:r>
               <a:rPr lang="en-US" dirty="0"/>
-              <a:t>Suppose this was Roche 454 </a:t>
-            </a:r>
-            <a:r>
-              <a:rPr lang="en-US" dirty="0" smtClean="0"/>
-              <a:t>data</a:t>
-            </a:r>
-            <a:r>
-              <a:rPr lang="fr-FR" dirty="0" smtClean="0"/>
+              <a:t>Suppose this was Roche 454 data</a:t>
+            </a:r>
+            <a:r>
+              <a:rPr lang="fr-FR" dirty="0"/>
               <a:t> and </a:t>
             </a:r>
             <a:r>
               <a:rPr lang="en-US" dirty="0"/>
-              <a:t>t</a:t>
-            </a:r>
-            <a:r>
-              <a:rPr lang="en-US" dirty="0" smtClean="0"/>
-              <a:t>hink the TTT</a:t>
-            </a:r>
-            <a:r>
-              <a:rPr lang="en-US" dirty="0"/>
-              <a:t> </a:t>
-            </a:r>
-            <a:r>
-              <a:rPr lang="en-US" dirty="0" smtClean="0"/>
-              <a:t>should </a:t>
-            </a:r>
-            <a:r>
-              <a:rPr lang="en-US" dirty="0"/>
-              <a:t>be </a:t>
-            </a:r>
-            <a:r>
-              <a:rPr lang="en-US" dirty="0" smtClean="0"/>
-              <a:t>only TT</a:t>
-            </a:r>
-            <a:endParaRPr lang="en-US" dirty="0"/>
+              <a:t>think the TTT should be only TT</a:t>
+            </a:r>
           </a:p>
           <a:p>
             <a:endParaRPr lang="fr-FR" dirty="0"/>
@@ -22713,7 +21494,7 @@
           <a:p>
             <a:fld id="{91E3AD9E-7669-5248-BB26-CB9ACFE4FF19}" type="datetime1">
               <a:rPr lang="fr-FR" smtClean="0"/>
-              <a:t>16/11/16</a:t>
+              <a:t>08/11/2018</a:t>
             </a:fld>
             <a:endParaRPr lang="fr-FR" dirty="0"/>
           </a:p>
@@ -22735,7 +21516,7 @@
           <a:lstStyle/>
           <a:p>
             <a:r>
-              <a:rPr lang="fr-FR" smtClean="0"/>
+              <a:rPr lang="fr-FR"/>
               <a:t>Python pour la biologie</a:t>
             </a:r>
             <a:endParaRPr lang="fr-FR" dirty="0"/>
@@ -23057,15 +21838,7 @@
                   <a:srgbClr val="FF0000"/>
                 </a:solidFill>
               </a:rPr>
-              <a:t>26, 26, 23, 23</a:t>
-            </a:r>
-            <a:r>
-              <a:rPr lang="en-US" sz="1200" dirty="0" smtClean="0">
-                <a:solidFill>
-                  <a:srgbClr val="FF0000"/>
-                </a:solidFill>
-              </a:rPr>
-              <a:t>]</a:t>
+              <a:t>26, 26, 23, 23]</a:t>
             </a:r>
           </a:p>
         </p:txBody>
@@ -23279,12 +22052,8 @@
           </a:lstStyle>
           <a:p>
             <a:r>
-              <a:rPr lang="en-US" dirty="0" smtClean="0"/>
-              <a:t>Now </a:t>
-            </a:r>
-            <a:r>
               <a:rPr lang="en-US" dirty="0"/>
-              <a:t>add the two parts together</a:t>
+              <a:t>Now add the two parts together</a:t>
             </a:r>
             <a:endParaRPr lang="fr-FR" dirty="0"/>
           </a:p>
@@ -23552,30 +22321,25 @@
           </a:lstStyle>
           <a:p>
             <a:r>
-              <a:rPr lang="fr-FR" dirty="0" smtClean="0"/>
+              <a:rPr lang="fr-FR" dirty="0"/>
               <a:t>You </a:t>
             </a:r>
             <a:r>
-              <a:rPr lang="fr-FR" dirty="0" err="1" smtClean="0"/>
+              <a:rPr lang="fr-FR" dirty="0" err="1"/>
               <a:t>can</a:t>
             </a:r>
             <a:r>
-              <a:rPr lang="fr-FR" dirty="0" smtClean="0"/>
+              <a:rPr lang="fr-FR" dirty="0"/>
               <a:t> </a:t>
             </a:r>
             <a:r>
               <a:rPr lang="en-US" dirty="0"/>
-              <a:t>make this </a:t>
-            </a:r>
-            <a:r>
-              <a:rPr lang="en-US" dirty="0" smtClean="0"/>
-              <a:t>shorter</a:t>
-            </a:r>
-            <a:r>
-              <a:rPr lang="fr-FR" dirty="0" smtClean="0"/>
+              <a:t>make this shorter</a:t>
+            </a:r>
+            <a:r>
+              <a:rPr lang="fr-FR" dirty="0"/>
               <a:t> </a:t>
             </a:r>
-            <a:endParaRPr lang="fr-FR" dirty="0"/>
           </a:p>
         </p:txBody>
       </p:sp>
@@ -23688,18 +22452,7 @@
                 <a:ea typeface="Lucida Grande"/>
                 <a:cs typeface="Lucida Grande"/>
               </a:rPr>
-              <a:t> </a:t>
-            </a:r>
-            <a:r>
-              <a:rPr lang="fr-FR" dirty="0" smtClean="0">
-                <a:solidFill>
-                  <a:schemeClr val="bg1"/>
-                </a:solidFill>
-                <a:latin typeface="Lucida Grande"/>
-                <a:ea typeface="Lucida Grande"/>
-                <a:cs typeface="Lucida Grande"/>
-              </a:rPr>
-              <a:t>(3) -</a:t>
+              <a:t> (3) -</a:t>
             </a:r>
             <a:r>
               <a:rPr lang="nl-NL" dirty="0" err="1"/>
@@ -23734,7 +22487,7 @@
           <a:p>
             <a:fld id="{91E3AD9E-7669-5248-BB26-CB9ACFE4FF19}" type="datetime1">
               <a:rPr lang="fr-FR" smtClean="0"/>
-              <a:t>16/11/16</a:t>
+              <a:t>08/11/2018</a:t>
             </a:fld>
             <a:endParaRPr lang="fr-FR" dirty="0"/>
           </a:p>
@@ -23756,7 +22509,7 @@
           <a:lstStyle/>
           <a:p>
             <a:r>
-              <a:rPr lang="fr-FR" smtClean="0"/>
+              <a:rPr lang="fr-FR"/>
               <a:t>Python pour la biologie</a:t>
             </a:r>
             <a:endParaRPr lang="fr-FR" dirty="0"/>
@@ -24003,15 +22756,7 @@
                   <a:srgbClr val="FF0000"/>
                 </a:solidFill>
               </a:rPr>
-              <a:t>=['Project:10638']</a:t>
-            </a:r>
-            <a:r>
-              <a:rPr lang="en-US" sz="1200" dirty="0" smtClean="0">
-                <a:solidFill>
-                  <a:srgbClr val="FF0000"/>
-                </a:solidFill>
-              </a:rPr>
-              <a:t>)</a:t>
+              <a:t>=['Project:10638'])</a:t>
             </a:r>
           </a:p>
           <a:p>
@@ -24513,16 +23258,8 @@
           <a:lstStyle/>
           <a:p>
             <a:r>
-              <a:rPr lang="en-US" dirty="0" smtClean="0"/>
-              <a:t>Shift </a:t>
-            </a:r>
-            <a:r>
               <a:rPr lang="en-US" dirty="0"/>
-              <a:t>the origin like </a:t>
-            </a:r>
-            <a:r>
-              <a:rPr lang="en-US" dirty="0" smtClean="0"/>
-              <a:t>this:</a:t>
+              <a:t>Shift the origin like this:</a:t>
             </a:r>
             <a:endParaRPr lang="fr-FR" dirty="0"/>
           </a:p>
@@ -24576,31 +23313,31 @@
           <a:lstStyle/>
           <a:p>
             <a:r>
-              <a:rPr lang="fr-FR" dirty="0" smtClean="0"/>
+              <a:rPr lang="fr-FR" dirty="0"/>
               <a:t>The </a:t>
             </a:r>
             <a:r>
-              <a:rPr lang="fr-FR" dirty="0" err="1" smtClean="0"/>
+              <a:rPr lang="fr-FR" dirty="0" err="1"/>
               <a:t>SeqRecord</a:t>
             </a:r>
             <a:r>
-              <a:rPr lang="fr-FR" dirty="0" smtClean="0"/>
+              <a:rPr lang="fr-FR" dirty="0"/>
               <a:t> Object </a:t>
             </a:r>
             <a:r>
-              <a:rPr lang="fr-FR" dirty="0" err="1" smtClean="0"/>
+              <a:rPr lang="fr-FR" dirty="0" err="1"/>
               <a:t>from</a:t>
             </a:r>
             <a:r>
-              <a:rPr lang="fr-FR" dirty="0" smtClean="0"/>
+              <a:rPr lang="fr-FR" dirty="0"/>
               <a:t> </a:t>
             </a:r>
             <a:r>
-              <a:rPr lang="en-US" dirty="0" err="1" smtClean="0"/>
+              <a:rPr lang="en-US" dirty="0" err="1"/>
               <a:t>Bio.SeqRecord</a:t>
             </a:r>
             <a:r>
-              <a:rPr lang="en-US" dirty="0" smtClean="0"/>
+              <a:rPr lang="en-US" dirty="0"/>
               <a:t> module</a:t>
             </a:r>
             <a:endParaRPr lang="fr-FR" dirty="0"/>
@@ -24628,7 +23365,7 @@
           <a:lstStyle/>
           <a:p>
             <a:r>
-              <a:rPr lang="en-US" dirty="0" smtClean="0">
+              <a:rPr lang="en-US" dirty="0">
                 <a:solidFill>
                   <a:schemeClr val="accent1">
                     <a:lumMod val="75000"/>
@@ -24638,7 +23375,7 @@
               <a:t>.</a:t>
             </a:r>
             <a:r>
-              <a:rPr lang="en-US" dirty="0" err="1" smtClean="0">
+              <a:rPr lang="en-US" dirty="0" err="1">
                 <a:solidFill>
                   <a:schemeClr val="accent1">
                     <a:lumMod val="75000"/>
@@ -24658,23 +23395,15 @@
               <a:t> </a:t>
             </a:r>
             <a:r>
-              <a:rPr lang="en-US" dirty="0" smtClean="0"/>
-              <a:t>- The </a:t>
-            </a:r>
-            <a:r>
               <a:rPr lang="en-US" dirty="0"/>
-              <a:t>sequence itself, typically </a:t>
-            </a:r>
-            <a:r>
-              <a:rPr lang="en-US" dirty="0" smtClean="0"/>
-              <a:t>a </a:t>
-            </a:r>
-            <a:r>
-              <a:rPr lang="en-US" dirty="0" err="1" smtClean="0"/>
+              <a:t>- The sequence itself, typically a </a:t>
+            </a:r>
+            <a:r>
+              <a:rPr lang="en-US" dirty="0" err="1"/>
               <a:t>Seqobject</a:t>
             </a:r>
             <a:r>
-              <a:rPr lang="en-US" dirty="0" smtClean="0"/>
+              <a:rPr lang="en-US" dirty="0"/>
               <a:t>.</a:t>
             </a:r>
           </a:p>
@@ -24688,59 +23417,30 @@
                   <a:srgbClr val="0076A8"/>
                 </a:solidFill>
               </a:rPr>
-              <a:t>.</a:t>
-            </a:r>
-            <a:r>
-              <a:rPr lang="en-US" dirty="0" smtClean="0">
-                <a:solidFill>
-                  <a:srgbClr val="0076A8"/>
-                </a:solidFill>
-              </a:rPr>
-              <a:t>id </a:t>
-            </a:r>
-            <a:r>
-              <a:rPr lang="en-US" dirty="0" smtClean="0"/>
-              <a:t>- The </a:t>
+              <a:t>.id </a:t>
             </a:r>
             <a:r>
               <a:rPr lang="en-US" dirty="0"/>
-              <a:t>primary ID used to identify the </a:t>
-            </a:r>
-            <a:r>
-              <a:rPr lang="en-US" dirty="0" smtClean="0"/>
-              <a:t>sequence </a:t>
-            </a:r>
-            <a:r>
-              <a:rPr lang="mr-IN" dirty="0" smtClean="0"/>
+              <a:t>- The primary ID used to identify the sequence </a:t>
+            </a:r>
+            <a:r>
+              <a:rPr lang="mr-IN" dirty="0"/>
               <a:t>–</a:t>
             </a:r>
             <a:r>
-              <a:rPr lang="en-US" sz="1600" dirty="0" smtClean="0"/>
+              <a:rPr lang="en-US" sz="1600" dirty="0"/>
               <a:t> </a:t>
             </a:r>
             <a:r>
               <a:rPr lang="en-US" dirty="0"/>
               <a:t>string</a:t>
             </a:r>
-            <a:endParaRPr lang="en-US" dirty="0" smtClean="0"/>
           </a:p>
           <a:p>
             <a:pPr lvl="1"/>
             <a:r>
-              <a:rPr lang="en-US" sz="1600" dirty="0" smtClean="0"/>
-              <a:t>(In </a:t>
-            </a:r>
-            <a:r>
               <a:rPr lang="en-US" sz="1600" dirty="0"/>
-              <a:t>most cases this is something like </a:t>
-            </a:r>
-            <a:r>
-              <a:rPr lang="en-US" sz="1600" dirty="0" smtClean="0"/>
-              <a:t>an accession number)</a:t>
-            </a:r>
-            <a:r>
-              <a:rPr lang="en-US" sz="1600" dirty="0" smtClean="0"/>
-              <a:t>.</a:t>
+              <a:t>(In most cases this is something like an accession number).</a:t>
             </a:r>
           </a:p>
           <a:p>
@@ -24749,7 +23449,7 @@
           </a:p>
           <a:p>
             <a:r>
-              <a:rPr lang="en-US" dirty="0" smtClean="0">
+              <a:rPr lang="en-US" dirty="0">
                 <a:solidFill>
                   <a:srgbClr val="0076A8"/>
                 </a:solidFill>
@@ -24757,60 +23457,31 @@
               <a:t>.name </a:t>
             </a:r>
             <a:r>
-              <a:rPr lang="mr-IN" dirty="0" smtClean="0"/>
+              <a:rPr lang="mr-IN" dirty="0"/>
               <a:t>–</a:t>
             </a:r>
             <a:r>
-              <a:rPr lang="en-US" dirty="0" smtClean="0"/>
+              <a:rPr lang="en-US" dirty="0"/>
               <a:t> A “common" name/id for the sequence </a:t>
             </a:r>
             <a:r>
-              <a:rPr lang="mr-IN" dirty="0" smtClean="0"/>
+              <a:rPr lang="mr-IN" dirty="0"/>
               <a:t>–</a:t>
             </a:r>
             <a:r>
-              <a:rPr lang="en-US" sz="1600" dirty="0" smtClean="0"/>
+              <a:rPr lang="en-US" sz="1600" dirty="0"/>
               <a:t> </a:t>
             </a:r>
             <a:r>
               <a:rPr lang="en-US" dirty="0"/>
               <a:t>string</a:t>
             </a:r>
-            <a:endParaRPr lang="en-US" dirty="0" smtClean="0"/>
           </a:p>
           <a:p>
             <a:pPr lvl="1"/>
             <a:r>
-              <a:rPr lang="en-US" sz="1600" dirty="0" smtClean="0"/>
-              <a:t>(In </a:t>
-            </a:r>
-            <a:r>
               <a:rPr lang="en-US" sz="1600" dirty="0"/>
-              <a:t>some cases this will be the same as </a:t>
-            </a:r>
-            <a:r>
-              <a:rPr lang="en-US" sz="1600" dirty="0" smtClean="0"/>
-              <a:t>the accession </a:t>
-            </a:r>
-            <a:r>
-              <a:rPr lang="en-US" sz="1600" dirty="0"/>
-              <a:t>number, but it could also be a clone </a:t>
-            </a:r>
-            <a:r>
-              <a:rPr lang="en-US" sz="1600" dirty="0" smtClean="0"/>
-              <a:t>name). analogous </a:t>
-            </a:r>
-            <a:r>
-              <a:rPr lang="en-US" sz="1600" dirty="0"/>
-              <a:t>to the </a:t>
-            </a:r>
-            <a:r>
-              <a:rPr lang="en-US" sz="1600" dirty="0" smtClean="0"/>
-              <a:t>LOCUS id </a:t>
-            </a:r>
-            <a:r>
-              <a:rPr lang="en-US" sz="1600" dirty="0"/>
-              <a:t>in a </a:t>
+              <a:t>(In some cases this will be the same as the accession number, but it could also be a clone name). analogous to the LOCUS id in a </a:t>
             </a:r>
             <a:r>
               <a:rPr lang="en-US" sz="1600" dirty="0" err="1"/>
@@ -24818,11 +23489,7 @@
             </a:r>
             <a:r>
               <a:rPr lang="en-US" sz="1600" dirty="0"/>
-              <a:t> record</a:t>
-            </a:r>
-            <a:r>
-              <a:rPr lang="en-US" sz="1600" dirty="0" smtClean="0"/>
-              <a:t>.</a:t>
+              <a:t> record.</a:t>
             </a:r>
           </a:p>
           <a:p>
@@ -24836,84 +23503,56 @@
                   <a:srgbClr val="0076A8"/>
                 </a:solidFill>
               </a:rPr>
+              <a:t>.description </a:t>
+            </a:r>
+            <a:r>
+              <a:rPr lang="en-US" dirty="0"/>
+              <a:t>- A human readable description or expressive name for the sequence </a:t>
+            </a:r>
+            <a:r>
+              <a:rPr lang="mr-IN" dirty="0"/>
+              <a:t>–</a:t>
+            </a:r>
+            <a:r>
+              <a:rPr lang="en-US" sz="1600" dirty="0"/>
+              <a:t> </a:t>
+            </a:r>
+            <a:r>
+              <a:rPr lang="en-US" dirty="0"/>
+              <a:t>string</a:t>
+            </a:r>
+          </a:p>
+          <a:p>
+            <a:endParaRPr lang="en-US" dirty="0"/>
+          </a:p>
+          <a:p>
+            <a:r>
+              <a:rPr lang="en-US" dirty="0">
+                <a:solidFill>
+                  <a:srgbClr val="0076A8"/>
+                </a:solidFill>
+              </a:rPr>
               <a:t>.</a:t>
             </a:r>
             <a:r>
-              <a:rPr lang="en-US" dirty="0" smtClean="0">
+              <a:rPr lang="en-US" dirty="0" err="1">
                 <a:solidFill>
                   <a:srgbClr val="0076A8"/>
                 </a:solidFill>
               </a:rPr>
-              <a:t>description </a:t>
-            </a:r>
-            <a:r>
-              <a:rPr lang="en-US" dirty="0" smtClean="0"/>
-              <a:t>- A </a:t>
+              <a:t>letter_annotations</a:t>
+            </a:r>
+            <a:r>
+              <a:rPr lang="en-US" dirty="0">
+                <a:solidFill>
+                  <a:srgbClr val="0076A8"/>
+                </a:solidFill>
+              </a:rPr>
+              <a:t> </a:t>
             </a:r>
             <a:r>
               <a:rPr lang="en-US" dirty="0"/>
-              <a:t>human readable description or expressive name for the </a:t>
-            </a:r>
-            <a:r>
-              <a:rPr lang="en-US" dirty="0" smtClean="0"/>
-              <a:t>sequence </a:t>
-            </a:r>
-            <a:r>
-              <a:rPr lang="mr-IN" dirty="0" smtClean="0"/>
-              <a:t>–</a:t>
-            </a:r>
-            <a:r>
-              <a:rPr lang="en-US" sz="1600" dirty="0" smtClean="0"/>
-              <a:t> </a:t>
-            </a:r>
-            <a:r>
-              <a:rPr lang="en-US" dirty="0" smtClean="0"/>
-              <a:t>string</a:t>
-            </a:r>
-          </a:p>
-          <a:p>
-            <a:endParaRPr lang="en-US" dirty="0"/>
-          </a:p>
-          <a:p>
-            <a:r>
-              <a:rPr lang="en-US" dirty="0">
-                <a:solidFill>
-                  <a:srgbClr val="0076A8"/>
-                </a:solidFill>
-              </a:rPr>
-              <a:t>.</a:t>
-            </a:r>
-            <a:r>
-              <a:rPr lang="en-US" dirty="0" err="1" smtClean="0">
-                <a:solidFill>
-                  <a:srgbClr val="0076A8"/>
-                </a:solidFill>
-              </a:rPr>
-              <a:t>letter_annotations</a:t>
-            </a:r>
-            <a:r>
-              <a:rPr lang="en-US" dirty="0">
-                <a:solidFill>
-                  <a:srgbClr val="0076A8"/>
-                </a:solidFill>
-              </a:rPr>
-              <a:t> </a:t>
-            </a:r>
-            <a:r>
-              <a:rPr lang="en-US" dirty="0" smtClean="0"/>
-              <a:t>- Holds </a:t>
-            </a:r>
-            <a:r>
-              <a:rPr lang="en-US" dirty="0"/>
-              <a:t>per-letter-annotations using a (restricted) dictionary of additional </a:t>
-            </a:r>
-            <a:r>
-              <a:rPr lang="en-US" dirty="0" smtClean="0"/>
-              <a:t>information about </a:t>
-            </a:r>
-            <a:r>
-              <a:rPr lang="en-US" dirty="0"/>
-              <a:t>the letters in the sequence. </a:t>
+              <a:t>- Holds per-letter-annotations using a (restricted) dictionary of additional information about the letters in the sequence. </a:t>
             </a:r>
             <a:endParaRPr lang="fr-FR" dirty="0"/>
           </a:p>
@@ -24936,7 +23575,7 @@
           <a:p>
             <a:fld id="{EF0CC369-8BF5-4447-A268-1A95D7BAF82B}" type="datetime1">
               <a:rPr lang="fr-FR" smtClean="0"/>
-              <a:t>16/11/16</a:t>
+              <a:t>08/11/2018</a:t>
             </a:fld>
             <a:endParaRPr lang="fr-FR" dirty="0"/>
           </a:p>
@@ -24958,7 +23597,7 @@
           <a:lstStyle/>
           <a:p>
             <a:r>
-              <a:rPr lang="fr-FR" smtClean="0"/>
+              <a:rPr lang="fr-FR"/>
               <a:t>Python pour la biologie</a:t>
             </a:r>
             <a:endParaRPr lang="fr-FR" dirty="0"/>
@@ -25044,13 +23683,8 @@
             </a:r>
             <a:r>
               <a:rPr lang="fr-FR" dirty="0"/>
-              <a:t> </a:t>
-            </a:r>
-            <a:r>
-              <a:rPr lang="fr-FR" dirty="0" smtClean="0"/>
-              <a:t>Object (2)</a:t>
-            </a:r>
-            <a:endParaRPr lang="fr-FR" dirty="0"/>
+              <a:t> Object (2)</a:t>
+            </a:r>
           </a:p>
         </p:txBody>
       </p:sp>
@@ -25095,11 +23729,7 @@
             </a:r>
             <a:r>
               <a:rPr lang="en-US" dirty="0"/>
-              <a:t>- Holds per-letter-annotations using a (restricted) dictionary of additional information about the letters in the sequence</a:t>
-            </a:r>
-            <a:r>
-              <a:rPr lang="en-US" dirty="0" smtClean="0"/>
-              <a:t>.</a:t>
+              <a:t>- Holds per-letter-annotations using a (restricted) dictionary of additional information about the letters in the sequence.</a:t>
             </a:r>
           </a:p>
           <a:p>
@@ -25111,7 +23741,7 @@
           </a:p>
           <a:p>
             <a:r>
-              <a:rPr lang="en-US" dirty="0" smtClean="0">
+              <a:rPr lang="en-US" dirty="0">
                 <a:solidFill>
                   <a:srgbClr val="0076A8"/>
                 </a:solidFill>
@@ -25119,12 +23749,12 @@
               <a:t>.annotations </a:t>
             </a:r>
             <a:r>
-              <a:rPr lang="en-US" dirty="0" smtClean="0"/>
+              <a:rPr lang="en-US" dirty="0"/>
               <a:t>- A dictionary of additional information about the sequence. The keys are the name of the information, and the information is contained in the value. </a:t>
             </a:r>
           </a:p>
           <a:p>
-            <a:endParaRPr lang="en-US" dirty="0" smtClean="0">
+            <a:endParaRPr lang="en-US" dirty="0">
               <a:solidFill>
                 <a:srgbClr val="0076A8"/>
               </a:solidFill>
@@ -25132,65 +23762,28 @@
           </a:p>
           <a:p>
             <a:r>
-              <a:rPr lang="en-US" dirty="0" smtClean="0">
+              <a:rPr lang="en-US" dirty="0">
                 <a:solidFill>
                   <a:srgbClr val="0076A8"/>
                 </a:solidFill>
               </a:rPr>
-              <a:t>.</a:t>
-            </a:r>
-            <a:r>
-              <a:rPr lang="en-US" dirty="0" smtClean="0">
-                <a:solidFill>
-                  <a:srgbClr val="0076A8"/>
-                </a:solidFill>
-              </a:rPr>
-              <a:t>features </a:t>
-            </a:r>
-            <a:r>
-              <a:rPr lang="en-US" dirty="0" smtClean="0"/>
-              <a:t>- </a:t>
+              <a:t>.features </a:t>
             </a:r>
             <a:r>
               <a:rPr lang="en-US" dirty="0"/>
-              <a:t>A list </a:t>
-            </a:r>
-            <a:r>
-              <a:rPr lang="en-US" dirty="0" smtClean="0"/>
-              <a:t>of </a:t>
-            </a:r>
-            <a:r>
-              <a:rPr lang="en-US" dirty="0" err="1" smtClean="0"/>
+              <a:t>- A list of </a:t>
+            </a:r>
+            <a:r>
+              <a:rPr lang="en-US" dirty="0" err="1"/>
               <a:t>SeqFeature</a:t>
             </a:r>
             <a:r>
               <a:rPr lang="en-US" dirty="0"/>
-              <a:t> </a:t>
-            </a:r>
-            <a:r>
-              <a:rPr lang="en-US" dirty="0" smtClean="0"/>
-              <a:t>objects </a:t>
-            </a:r>
-            <a:r>
-              <a:rPr lang="en-US" dirty="0"/>
-              <a:t>with more structured information about the features on a </a:t>
-            </a:r>
-            <a:r>
-              <a:rPr lang="en-US" dirty="0" smtClean="0"/>
-              <a:t>sequence (</a:t>
-            </a:r>
-            <a:r>
-              <a:rPr lang="en-US" dirty="0"/>
-              <a:t>e.g. position of genes on a genome, or domains on a protein sequence</a:t>
-            </a:r>
-            <a:r>
-              <a:rPr lang="en-US" dirty="0" smtClean="0"/>
-              <a:t>)</a:t>
-            </a:r>
-            <a:endParaRPr lang="en-US" dirty="0"/>
-          </a:p>
-          <a:p>
-            <a:endParaRPr lang="en-US" dirty="0" smtClean="0">
+              <a:t> objects with more structured information about the features on a sequence (e.g. position of genes on a genome, or domains on a protein sequence)</a:t>
+            </a:r>
+          </a:p>
+          <a:p>
+            <a:endParaRPr lang="en-US" dirty="0">
               <a:solidFill>
                 <a:srgbClr val="0076A8"/>
               </a:solidFill>
@@ -25198,7 +23791,7 @@
           </a:p>
           <a:p>
             <a:r>
-              <a:rPr lang="en-US" dirty="0" smtClean="0">
+              <a:rPr lang="en-US" dirty="0">
                 <a:solidFill>
                   <a:srgbClr val="0076A8"/>
                 </a:solidFill>
@@ -25206,7 +23799,7 @@
               <a:t>.</a:t>
             </a:r>
             <a:r>
-              <a:rPr lang="en-US" dirty="0" err="1" smtClean="0">
+              <a:rPr lang="en-US" dirty="0" err="1">
                 <a:solidFill>
                   <a:srgbClr val="0076A8"/>
                 </a:solidFill>
@@ -25222,12 +23815,8 @@
               <a:t> </a:t>
             </a:r>
             <a:r>
-              <a:rPr lang="en-US" dirty="0" smtClean="0"/>
-              <a:t>- </a:t>
-            </a:r>
-            <a:r>
               <a:rPr lang="en-US" dirty="0"/>
-              <a:t>A list of database cross-references as strings.</a:t>
+              <a:t>- A list of database cross-references as strings.</a:t>
             </a:r>
           </a:p>
           <a:p>
@@ -25252,7 +23841,7 @@
           <a:p>
             <a:fld id="{4DC62012-9C0C-7143-9161-0A3C9CE79638}" type="datetime1">
               <a:rPr lang="fr-FR" smtClean="0"/>
-              <a:t>16/11/16</a:t>
+              <a:t>08/11/2018</a:t>
             </a:fld>
             <a:endParaRPr lang="fr-FR" dirty="0"/>
           </a:p>
@@ -25274,7 +23863,7 @@
           <a:lstStyle/>
           <a:p>
             <a:r>
-              <a:rPr lang="fr-FR" smtClean="0"/>
+              <a:rPr lang="fr-FR"/>
               <a:t>Python pour la biologie</a:t>
             </a:r>
             <a:endParaRPr lang="fr-FR" dirty="0"/>
@@ -25351,30 +23940,29 @@
           <a:lstStyle/>
           <a:p>
             <a:r>
-              <a:rPr lang="fr-FR" dirty="0" err="1" smtClean="0"/>
+              <a:rPr lang="fr-FR" dirty="0" err="1"/>
               <a:t>Creating</a:t>
             </a:r>
             <a:r>
-              <a:rPr lang="fr-FR" dirty="0" smtClean="0"/>
+              <a:rPr lang="fr-FR" dirty="0"/>
               <a:t> a </a:t>
             </a:r>
             <a:r>
-              <a:rPr lang="fr-FR" dirty="0" err="1" smtClean="0"/>
+              <a:rPr lang="fr-FR" dirty="0" err="1"/>
               <a:t>SeqRecord</a:t>
             </a:r>
             <a:r>
-              <a:rPr lang="fr-FR" dirty="0" smtClean="0"/>
+              <a:rPr lang="fr-FR" dirty="0"/>
               <a:t> </a:t>
             </a:r>
             <a:r>
-              <a:rPr lang="fr-FR" dirty="0" err="1" smtClean="0"/>
+              <a:rPr lang="fr-FR" dirty="0" err="1"/>
               <a:t>from</a:t>
             </a:r>
             <a:r>
-              <a:rPr lang="fr-FR" dirty="0" smtClean="0"/>
+              <a:rPr lang="fr-FR" dirty="0"/>
               <a:t> scratch</a:t>
             </a:r>
-            <a:endParaRPr lang="fr-FR" dirty="0"/>
           </a:p>
         </p:txBody>
       </p:sp>
@@ -25400,83 +23988,38 @@
           <a:p>
             <a:r>
               <a:rPr lang="en-US" dirty="0"/>
-              <a:t>Usually you won't create </a:t>
-            </a:r>
-            <a:r>
-              <a:rPr lang="en-US" dirty="0" smtClean="0"/>
-              <a:t>a </a:t>
-            </a:r>
-            <a:r>
-              <a:rPr lang="en-US" dirty="0" err="1" smtClean="0"/>
+              <a:t>Usually you won't create a </a:t>
+            </a:r>
+            <a:r>
+              <a:rPr lang="en-US" dirty="0" err="1"/>
               <a:t>SeqRecord</a:t>
             </a:r>
             <a:r>
               <a:rPr lang="en-US" dirty="0"/>
-              <a:t> </a:t>
-            </a:r>
-            <a:r>
-              <a:rPr lang="en-US" dirty="0" smtClean="0"/>
-              <a:t>“by </a:t>
+              <a:t> “by hand", but instead use </a:t>
+            </a:r>
+            <a:r>
+              <a:rPr lang="en-US" dirty="0" err="1"/>
+              <a:t>Bio.SeqIO</a:t>
             </a:r>
             <a:r>
               <a:rPr lang="en-US" dirty="0"/>
-              <a:t>hand"</a:t>
-            </a:r>
-            <a:r>
-              <a:rPr lang="en-US" dirty="0" smtClean="0"/>
-              <a:t>, but </a:t>
-            </a:r>
+              <a:t> to read in a sequence file for you</a:t>
+            </a:r>
+          </a:p>
+          <a:p>
             <a:r>
               <a:rPr lang="en-US" dirty="0"/>
-              <a:t>instead </a:t>
-            </a:r>
-            <a:r>
-              <a:rPr lang="en-US" dirty="0" smtClean="0"/>
-              <a:t>use </a:t>
-            </a:r>
-            <a:r>
-              <a:rPr lang="en-US" dirty="0" err="1" smtClean="0"/>
-              <a:t>Bio.SeqIO</a:t>
+              <a:t>Create a </a:t>
+            </a:r>
+            <a:r>
+              <a:rPr lang="en-US" dirty="0" err="1"/>
+              <a:t>SeqRecord</a:t>
             </a:r>
             <a:r>
               <a:rPr lang="en-US" dirty="0"/>
-              <a:t> </a:t>
-            </a:r>
-            <a:r>
-              <a:rPr lang="en-US" dirty="0" smtClean="0"/>
-              <a:t>to </a:t>
-            </a:r>
-            <a:r>
-              <a:rPr lang="en-US" dirty="0"/>
-              <a:t>read in a </a:t>
-            </a:r>
-            <a:r>
-              <a:rPr lang="en-US" dirty="0" smtClean="0"/>
-              <a:t>sequence file </a:t>
-            </a:r>
-            <a:r>
-              <a:rPr lang="en-US" dirty="0"/>
-              <a:t>for </a:t>
-            </a:r>
-            <a:r>
-              <a:rPr lang="en-US" dirty="0" smtClean="0"/>
-              <a:t>you</a:t>
-            </a:r>
-          </a:p>
-          <a:p>
-            <a:r>
-              <a:rPr lang="en-US" dirty="0" smtClean="0"/>
-              <a:t>Create a </a:t>
-            </a:r>
-            <a:r>
-              <a:rPr lang="en-US" dirty="0" err="1" smtClean="0"/>
-              <a:t>SeqRecord</a:t>
-            </a:r>
-            <a:r>
-              <a:rPr lang="en-US" dirty="0" smtClean="0"/>
               <a:t>  </a:t>
             </a:r>
-            <a:endParaRPr lang="en-US" dirty="0"/>
           </a:p>
           <a:p>
             <a:endParaRPr lang="en-US" dirty="0"/>
@@ -25503,7 +24046,7 @@
           <a:p>
             <a:fld id="{72741207-764C-004C-8831-C7E046B53622}" type="datetime1">
               <a:rPr lang="fr-FR" smtClean="0"/>
-              <a:t>16/11/16</a:t>
+              <a:t>08/11/2018</a:t>
             </a:fld>
             <a:endParaRPr lang="fr-FR" dirty="0"/>
           </a:p>
@@ -25525,7 +24068,7 @@
           <a:lstStyle/>
           <a:p>
             <a:r>
-              <a:rPr lang="fr-FR" smtClean="0"/>
+              <a:rPr lang="fr-FR"/>
               <a:t>Python pour la biologie</a:t>
             </a:r>
             <a:endParaRPr lang="fr-FR" dirty="0"/>
@@ -26005,30 +24548,29 @@
           <a:lstStyle/>
           <a:p>
             <a:r>
-              <a:rPr lang="fr-FR" dirty="0" err="1" smtClean="0"/>
+              <a:rPr lang="fr-FR" dirty="0" err="1"/>
               <a:t>Creating</a:t>
             </a:r>
             <a:r>
-              <a:rPr lang="fr-FR" dirty="0" smtClean="0"/>
+              <a:rPr lang="fr-FR" dirty="0"/>
               <a:t> a </a:t>
             </a:r>
             <a:r>
-              <a:rPr lang="fr-FR" dirty="0" err="1" smtClean="0"/>
+              <a:rPr lang="fr-FR" dirty="0" err="1"/>
               <a:t>SeqRecord</a:t>
             </a:r>
             <a:r>
-              <a:rPr lang="fr-FR" dirty="0" smtClean="0"/>
+              <a:rPr lang="fr-FR" dirty="0"/>
               <a:t> </a:t>
             </a:r>
             <a:r>
-              <a:rPr lang="fr-FR" dirty="0" err="1" smtClean="0"/>
+              <a:rPr lang="fr-FR" dirty="0" err="1"/>
               <a:t>from</a:t>
             </a:r>
             <a:r>
-              <a:rPr lang="fr-FR" dirty="0" smtClean="0"/>
+              <a:rPr lang="fr-FR" dirty="0"/>
               <a:t> scratch(2)</a:t>
             </a:r>
-            <a:endParaRPr lang="fr-FR" dirty="0"/>
           </a:p>
         </p:txBody>
       </p:sp>
@@ -26055,41 +24597,16 @@
             <a:pPr algn="just"/>
             <a:r>
               <a:rPr lang="en-US" dirty="0"/>
-              <a:t>I</a:t>
-            </a:r>
-            <a:r>
-              <a:rPr lang="en-US" dirty="0" smtClean="0"/>
-              <a:t>dentifier </a:t>
+              <a:t>Identifier is very important if you want to output your </a:t>
+            </a:r>
+            <a:r>
+              <a:rPr lang="en-US" dirty="0" err="1"/>
+              <a:t>SeqRecord</a:t>
             </a:r>
             <a:r>
               <a:rPr lang="en-US" dirty="0"/>
-              <a:t>is very important if you want to output </a:t>
-            </a:r>
-            <a:r>
-              <a:rPr lang="en-US" dirty="0" smtClean="0"/>
-              <a:t>your </a:t>
-            </a:r>
-            <a:r>
-              <a:rPr lang="en-US" dirty="0" err="1" smtClean="0"/>
-              <a:t>SeqRecord</a:t>
-            </a:r>
-            <a:r>
-              <a:rPr lang="en-US" dirty="0"/>
-              <a:t> </a:t>
-            </a:r>
-            <a:r>
-              <a:rPr lang="en-US" dirty="0" smtClean="0"/>
-              <a:t>to </a:t>
-            </a:r>
-            <a:r>
-              <a:rPr lang="en-US" dirty="0"/>
-              <a:t>a </a:t>
-            </a:r>
-            <a:r>
-              <a:rPr lang="en-US" dirty="0" smtClean="0"/>
-              <a:t>file</a:t>
-            </a:r>
-            <a:endParaRPr lang="en-US" dirty="0"/>
+              <a:t> to a file</a:t>
+            </a:r>
           </a:p>
           <a:p>
             <a:endParaRPr lang="en-US" dirty="0"/>
@@ -26116,7 +24633,7 @@
           <a:p>
             <a:fld id="{A9AA8C93-4125-7549-8839-0DEE7F7186D5}" type="datetime1">
               <a:rPr lang="fr-FR" smtClean="0"/>
-              <a:t>16/11/16</a:t>
+              <a:t>08/11/2018</a:t>
             </a:fld>
             <a:endParaRPr lang="fr-FR" dirty="0"/>
           </a:p>
@@ -26138,7 +24655,7 @@
           <a:lstStyle/>
           <a:p>
             <a:r>
-              <a:rPr lang="fr-FR" smtClean="0"/>
+              <a:rPr lang="fr-FR"/>
               <a:t>Python pour la biologie</a:t>
             </a:r>
             <a:endParaRPr lang="fr-FR" dirty="0"/>
@@ -26442,38 +24959,21 @@
           <a:p>
             <a:pPr algn="just"/>
             <a:r>
-              <a:rPr lang="fr-FR" dirty="0" err="1" smtClean="0"/>
+              <a:rPr lang="fr-FR" dirty="0" err="1"/>
               <a:t>T</a:t>
             </a:r>
             <a:r>
-              <a:rPr lang="en-US" dirty="0" smtClean="0"/>
-              <a:t>he</a:t>
-            </a:r>
-            <a:r>
               <a:rPr lang="en-US" dirty="0"/>
-              <a:t> </a:t>
-            </a:r>
-            <a:r>
-              <a:rPr lang="en-US" dirty="0" err="1" smtClean="0"/>
+              <a:t>he </a:t>
+            </a:r>
+            <a:r>
+              <a:rPr lang="en-US" dirty="0" err="1"/>
               <a:t>SeqRecord</a:t>
             </a:r>
             <a:r>
               <a:rPr lang="en-US" dirty="0"/>
-              <a:t> </a:t>
-            </a:r>
-            <a:r>
-              <a:rPr lang="en-US" dirty="0" smtClean="0"/>
-              <a:t>has </a:t>
-            </a:r>
-            <a:r>
-              <a:rPr lang="en-US" dirty="0"/>
-              <a:t>an dictionary </a:t>
-            </a:r>
-            <a:r>
-              <a:rPr lang="en-US" dirty="0" smtClean="0"/>
-              <a:t>attribute annotations</a:t>
-            </a:r>
-            <a:endParaRPr lang="en-US" dirty="0"/>
+              <a:t> has an dictionary attribute annotations</a:t>
+            </a:r>
           </a:p>
         </p:txBody>
       </p:sp>
@@ -26899,11 +25399,7 @@
             </a:r>
             <a:r>
               <a:rPr lang="en-US" dirty="0"/>
-              <a:t> objects from FASTA </a:t>
-            </a:r>
-            <a:r>
-              <a:rPr lang="en-US" dirty="0" smtClean="0"/>
-              <a:t>files</a:t>
+              <a:t> objects from FASTA files</a:t>
             </a:r>
             <a:endParaRPr lang="fr-FR" dirty="0"/>
           </a:p>
@@ -26926,7 +25422,7 @@
           <a:p>
             <a:fld id="{E9217AA4-221F-3F48-9D30-1F4C1B4927C2}" type="datetime1">
               <a:rPr lang="fr-FR" smtClean="0"/>
-              <a:t>16/11/16</a:t>
+              <a:t>08/11/2018</a:t>
             </a:fld>
             <a:endParaRPr lang="fr-FR" dirty="0"/>
           </a:p>
@@ -26948,7 +25444,7 @@
           <a:lstStyle/>
           <a:p>
             <a:r>
-              <a:rPr lang="fr-FR" smtClean="0"/>
+              <a:rPr lang="fr-FR"/>
               <a:t>Python pour la biologie</a:t>
             </a:r>
             <a:endParaRPr lang="fr-FR" dirty="0"/>
@@ -27051,13 +25547,7 @@
               <a:rPr lang="en-US" dirty="0">
                 <a:hlinkClick r:id="rId3"/>
               </a:rPr>
-              <a:t>/NC_005816</a:t>
-            </a:r>
-            <a:r>
-              <a:rPr lang="en-US" dirty="0" smtClean="0">
-                <a:hlinkClick r:id="rId3"/>
-              </a:rPr>
-              <a:t>.fna</a:t>
+              <a:t>/NC_005816.fna</a:t>
             </a:r>
             <a:endParaRPr lang="fr-FR" dirty="0"/>
           </a:p>
@@ -27515,11 +26005,7 @@
             </a:r>
             <a:r>
               <a:rPr lang="en-US" dirty="0"/>
-              <a:t> objects from FASTA </a:t>
-            </a:r>
-            <a:r>
-              <a:rPr lang="en-US" dirty="0" smtClean="0"/>
-              <a:t>files (2)</a:t>
+              <a:t> objects from FASTA files (2)</a:t>
             </a:r>
             <a:endParaRPr lang="fr-FR" dirty="0"/>
           </a:p>
@@ -27572,7 +26058,7 @@
           <a:p>
             <a:fld id="{BE3E0818-2A22-BB4C-A3D2-172170FC9800}" type="datetime1">
               <a:rPr lang="fr-FR" smtClean="0"/>
-              <a:t>16/11/16</a:t>
+              <a:t>08/11/2018</a:t>
             </a:fld>
             <a:endParaRPr lang="fr-FR" dirty="0"/>
           </a:p>
@@ -27594,7 +26080,7 @@
           <a:lstStyle/>
           <a:p>
             <a:r>
-              <a:rPr lang="fr-FR" smtClean="0"/>
+              <a:rPr lang="fr-FR"/>
               <a:t>Python pour la biologie</a:t>
             </a:r>
             <a:endParaRPr lang="fr-FR" dirty="0"/>
@@ -28016,77 +26502,17 @@
           <a:p>
             <a:r>
               <a:rPr lang="en-US" dirty="0"/>
-              <a:t>T</a:t>
-            </a:r>
-            <a:r>
-              <a:rPr lang="en-US" dirty="0" smtClean="0"/>
-              <a:t>he first </a:t>
-            </a:r>
+              <a:t>The first word (after removing the &gt; symbol) is used for both the id and name attributes</a:t>
+            </a:r>
+          </a:p>
+          <a:p>
             <a:r>
               <a:rPr lang="en-US" dirty="0"/>
-              <a:t>word </a:t>
-            </a:r>
-            <a:r>
-              <a:rPr lang="en-US" dirty="0" smtClean="0"/>
-              <a:t>(</a:t>
-            </a:r>
-            <a:r>
-              <a:rPr lang="en-US" dirty="0"/>
-              <a:t>after removing the &gt;</a:t>
-            </a:r>
-            <a:r>
-              <a:rPr lang="en-US" dirty="0" smtClean="0"/>
-              <a:t> symbol</a:t>
-            </a:r>
-            <a:r>
-              <a:rPr lang="en-US" dirty="0"/>
-              <a:t>) is used for both </a:t>
-            </a:r>
-            <a:r>
-              <a:rPr lang="en-US" dirty="0" smtClean="0"/>
-              <a:t>the id</a:t>
-            </a:r>
-            <a:r>
-              <a:rPr lang="en-US" dirty="0"/>
-              <a:t> </a:t>
-            </a:r>
-            <a:r>
-              <a:rPr lang="en-US" dirty="0" smtClean="0"/>
-              <a:t>and</a:t>
-            </a:r>
-            <a:r>
-              <a:rPr lang="en-US" dirty="0"/>
-              <a:t> </a:t>
-            </a:r>
-            <a:r>
-              <a:rPr lang="en-US" dirty="0" smtClean="0"/>
-              <a:t>name</a:t>
-            </a:r>
-            <a:r>
-              <a:rPr lang="en-US" dirty="0"/>
-              <a:t> </a:t>
-            </a:r>
-            <a:r>
-              <a:rPr lang="en-US" dirty="0" smtClean="0"/>
-              <a:t>attributes</a:t>
-            </a:r>
-          </a:p>
-          <a:p>
-            <a:r>
-              <a:rPr lang="en-US" dirty="0"/>
-              <a:t>The whole title line (after removing the greater </a:t>
-            </a:r>
-            <a:r>
-              <a:rPr lang="en-US" dirty="0" smtClean="0"/>
-              <a:t>than symbol</a:t>
-            </a:r>
-            <a:r>
-              <a:rPr lang="en-US" dirty="0"/>
-              <a:t>) is used for the record description</a:t>
-            </a:r>
-          </a:p>
-          <a:p>
-            <a:endParaRPr lang="en-US" dirty="0" smtClean="0"/>
+              <a:t>The whole title line (after removing the greater than symbol) is used for the record description</a:t>
+            </a:r>
+          </a:p>
+          <a:p>
+            <a:endParaRPr lang="en-US" dirty="0"/>
           </a:p>
           <a:p>
             <a:endParaRPr lang="en-US" dirty="0"/>
@@ -28148,97 +26574,69 @@
               <a:rPr lang="en-US" sz="1200" dirty="0"/>
               <a:t> </a:t>
             </a:r>
-            <a:endParaRPr lang="en-US" sz="1200" dirty="0" smtClean="0"/>
           </a:p>
           <a:p>
             <a:pPr>
               <a:defRPr/>
             </a:pPr>
             <a:r>
-              <a:rPr lang="en-US" sz="1200" dirty="0" smtClean="0"/>
-              <a:t>[</a:t>
-            </a:r>
-            <a:r>
               <a:rPr lang="en-US" sz="1200" dirty="0"/>
-              <a:t>] </a:t>
-            </a:r>
-            <a:endParaRPr lang="en-US" sz="1200" dirty="0" smtClean="0"/>
+              <a:t>[] </a:t>
+            </a:r>
           </a:p>
           <a:p>
             <a:pPr>
               <a:defRPr/>
             </a:pPr>
             <a:r>
-              <a:rPr lang="en-US" sz="1200" dirty="0" smtClean="0"/>
-              <a:t>&gt;</a:t>
-            </a:r>
-            <a:r>
               <a:rPr lang="en-US" sz="1200" dirty="0"/>
-              <a:t>&gt;&gt; </a:t>
-            </a:r>
-            <a:r>
-              <a:rPr lang="en-US" sz="1200" dirty="0" err="1" smtClean="0"/>
+              <a:t>&gt;&gt;&gt; </a:t>
+            </a:r>
+            <a:r>
+              <a:rPr lang="en-US" sz="1200" dirty="0" err="1"/>
               <a:t>record.annotations</a:t>
             </a:r>
-            <a:endParaRPr lang="en-US" sz="1200" dirty="0" smtClean="0"/>
+            <a:endParaRPr lang="en-US" sz="1200" dirty="0"/>
           </a:p>
           <a:p>
             <a:pPr>
               <a:defRPr/>
             </a:pPr>
             <a:r>
-              <a:rPr lang="en-US" sz="1200" dirty="0" smtClean="0"/>
-              <a:t>{</a:t>
-            </a:r>
-            <a:r>
               <a:rPr lang="en-US" sz="1200" dirty="0"/>
-              <a:t>} </a:t>
-            </a:r>
-            <a:endParaRPr lang="en-US" sz="1200" dirty="0" smtClean="0"/>
+              <a:t>{} </a:t>
+            </a:r>
           </a:p>
           <a:p>
             <a:pPr>
               <a:defRPr/>
             </a:pPr>
             <a:r>
-              <a:rPr lang="en-US" sz="1200" dirty="0" smtClean="0"/>
-              <a:t>&gt;</a:t>
-            </a:r>
-            <a:r>
               <a:rPr lang="en-US" sz="1200" dirty="0"/>
-              <a:t>&gt;&gt; </a:t>
-            </a:r>
-            <a:r>
-              <a:rPr lang="en-US" sz="1200" dirty="0" err="1" smtClean="0"/>
+              <a:t>&gt;&gt;&gt; </a:t>
+            </a:r>
+            <a:r>
+              <a:rPr lang="en-US" sz="1200" dirty="0" err="1"/>
               <a:t>record.letter_annotations</a:t>
             </a:r>
-            <a:endParaRPr lang="en-US" sz="1200" dirty="0" smtClean="0"/>
+            <a:endParaRPr lang="en-US" sz="1200" dirty="0"/>
           </a:p>
           <a:p>
             <a:pPr>
               <a:defRPr/>
             </a:pPr>
             <a:r>
-              <a:rPr lang="en-US" sz="1200" dirty="0" smtClean="0"/>
-              <a:t>{</a:t>
-            </a:r>
-            <a:r>
               <a:rPr lang="en-US" sz="1200" dirty="0"/>
-              <a:t>} </a:t>
-            </a:r>
-            <a:endParaRPr lang="en-US" sz="1200" dirty="0" smtClean="0"/>
+              <a:t>{} </a:t>
+            </a:r>
           </a:p>
           <a:p>
             <a:pPr>
               <a:defRPr/>
             </a:pPr>
             <a:r>
-              <a:rPr lang="en-US" sz="1200" dirty="0" smtClean="0"/>
-              <a:t>&gt;</a:t>
-            </a:r>
-            <a:r>
               <a:rPr lang="en-US" sz="1200" dirty="0"/>
-              <a:t>&gt;&gt; </a:t>
+              <a:t>&gt;&gt;&gt; </a:t>
             </a:r>
             <a:r>
               <a:rPr lang="en-US" sz="1200" dirty="0" err="1"/>
@@ -28248,19 +26646,14 @@
               <a:rPr lang="en-US" sz="1200" dirty="0"/>
               <a:t> </a:t>
             </a:r>
-            <a:endParaRPr lang="en-US" sz="1200" dirty="0" smtClean="0"/>
           </a:p>
           <a:p>
             <a:pPr>
               <a:defRPr/>
             </a:pPr>
             <a:r>
-              <a:rPr lang="en-US" sz="1200" dirty="0" smtClean="0"/>
-              <a:t>[</a:t>
-            </a:r>
-            <a:r>
               <a:rPr lang="en-US" sz="1200" dirty="0"/>
-              <a:t>] </a:t>
+              <a:t>[] </a:t>
             </a:r>
           </a:p>
         </p:txBody>
